--- a/Candidate Accessment System.pptx
+++ b/Candidate Accessment System.pptx
@@ -5,23 +5,40 @@
     <p:sldMasterId id="2147484050" r:id="rId1"/>
   </p:sldMasterIdLst>
   <p:notesMasterIdLst>
-    <p:notesMasterId r:id="rId13"/>
+    <p:notesMasterId r:id="rId30"/>
   </p:notesMasterIdLst>
   <p:handoutMasterIdLst>
-    <p:handoutMasterId r:id="rId14"/>
+    <p:handoutMasterId r:id="rId31"/>
   </p:handoutMasterIdLst>
   <p:sldIdLst>
     <p:sldId id="261" r:id="rId2"/>
     <p:sldId id="263" r:id="rId3"/>
     <p:sldId id="265" r:id="rId4"/>
-    <p:sldId id="266" r:id="rId5"/>
-    <p:sldId id="267" r:id="rId6"/>
-    <p:sldId id="268" r:id="rId7"/>
-    <p:sldId id="269" r:id="rId8"/>
-    <p:sldId id="270" r:id="rId9"/>
-    <p:sldId id="271" r:id="rId10"/>
-    <p:sldId id="272" r:id="rId11"/>
-    <p:sldId id="264" r:id="rId12"/>
+    <p:sldId id="283" r:id="rId5"/>
+    <p:sldId id="268" r:id="rId6"/>
+    <p:sldId id="276" r:id="rId7"/>
+    <p:sldId id="287" r:id="rId8"/>
+    <p:sldId id="288" r:id="rId9"/>
+    <p:sldId id="289" r:id="rId10"/>
+    <p:sldId id="290" r:id="rId11"/>
+    <p:sldId id="286" r:id="rId12"/>
+    <p:sldId id="282" r:id="rId13"/>
+    <p:sldId id="277" r:id="rId14"/>
+    <p:sldId id="292" r:id="rId15"/>
+    <p:sldId id="293" r:id="rId16"/>
+    <p:sldId id="294" r:id="rId17"/>
+    <p:sldId id="295" r:id="rId18"/>
+    <p:sldId id="275" r:id="rId19"/>
+    <p:sldId id="284" r:id="rId20"/>
+    <p:sldId id="274" r:id="rId21"/>
+    <p:sldId id="297" r:id="rId22"/>
+    <p:sldId id="298" r:id="rId23"/>
+    <p:sldId id="299" r:id="rId24"/>
+    <p:sldId id="300" r:id="rId25"/>
+    <p:sldId id="279" r:id="rId26"/>
+    <p:sldId id="296" r:id="rId27"/>
+    <p:sldId id="281" r:id="rId28"/>
+    <p:sldId id="264" r:id="rId29"/>
   </p:sldIdLst>
   <p:sldSz cx="9144000" cy="5143500" type="screen16x9"/>
   <p:notesSz cx="6735763" cy="9866313"/>
@@ -152,7 +169,7 @@
   </p:defaultTextStyle>
   <p:extLst>
     <p:ext uri="{EFAFB233-063F-42B5-8137-9DF3F51BA10A}">
-      <p15:sldGuideLst xmlns="" xmlns:p15="http://schemas.microsoft.com/office/powerpoint/2012/main">
+      <p15:sldGuideLst xmlns:p15="http://schemas.microsoft.com/office/powerpoint/2012/main" xmlns="">
         <p15:guide id="1" orient="horz" pos="1847">
           <p15:clr>
             <a:srgbClr val="A4A3A4"/>
@@ -236,7 +253,7 @@
       </p15:sldGuideLst>
     </p:ext>
     <p:ext uri="{2D200454-40CA-4A62-9FC3-DE9A4176ACB9}">
-      <p15:notesGuideLst xmlns="" xmlns:p15="http://schemas.microsoft.com/office/powerpoint/2012/main">
+      <p15:notesGuideLst xmlns:p15="http://schemas.microsoft.com/office/powerpoint/2012/main" xmlns="">
         <p15:guide id="1" orient="horz" pos="3106">
           <p15:clr>
             <a:srgbClr val="A4A3A4"/>
@@ -251,6 +268,778 @@
     </p:ext>
   </p:extLst>
 </p:presentation>
+</file>
+
+<file path=ppt/commentAuthors.xml><?xml version="1.0" encoding="utf-8"?>
+<p:cmAuthorLst xmlns:a="http://schemas.openxmlformats.org/drawingml/2006/main" xmlns:r="http://schemas.openxmlformats.org/officeDocument/2006/relationships" xmlns:p="http://schemas.openxmlformats.org/presentationml/2006/main">
+  <p:cmAuthor id="0" name="Autor" initials="A" lastIdx="1" clrIdx="0"/>
+</p:cmAuthorLst>
+</file>
+
+<file path=ppt/charts/chart1.xml><?xml version="1.0" encoding="utf-8"?>
+<c:chartSpace xmlns:c="http://schemas.openxmlformats.org/drawingml/2006/chart" xmlns:a="http://schemas.openxmlformats.org/drawingml/2006/main" xmlns:r="http://schemas.openxmlformats.org/officeDocument/2006/relationships">
+  <c:lang val="de-DE"/>
+  <c:chart>
+    <c:title>
+      <c:layout/>
+      <c:spPr>
+        <a:noFill/>
+        <a:ln>
+          <a:noFill/>
+        </a:ln>
+        <a:effectLst/>
+      </c:spPr>
+      <c:txPr>
+        <a:bodyPr rot="0" spcFirstLastPara="1" vertOverflow="ellipsis" vert="horz" wrap="square" anchor="ctr" anchorCtr="1"/>
+        <a:lstStyle/>
+        <a:p>
+          <a:pPr>
+            <a:defRPr sz="2200" b="1" i="0" u="none" strike="noStrike" kern="1200" baseline="0">
+              <a:solidFill>
+                <a:schemeClr val="dk1">
+                  <a:lumMod val="75000"/>
+                  <a:lumOff val="25000"/>
+                </a:schemeClr>
+              </a:solidFill>
+              <a:latin typeface="+mn-lt"/>
+              <a:ea typeface="+mn-ea"/>
+              <a:cs typeface="+mn-cs"/>
+            </a:defRPr>
+          </a:pPr>
+          <a:endParaRPr lang="de-DE"/>
+        </a:p>
+      </c:txPr>
+    </c:title>
+    <c:plotArea>
+      <c:layout>
+        <c:manualLayout>
+          <c:layoutTarget val="inner"/>
+          <c:xMode val="edge"/>
+          <c:yMode val="edge"/>
+          <c:x val="0.11125432644339203"/>
+          <c:y val="0.12447249558867539"/>
+          <c:w val="0.87201881454343588"/>
+          <c:h val="0.73341971222409985"/>
+        </c:manualLayout>
+      </c:layout>
+      <c:lineChart>
+        <c:grouping val="standard"/>
+        <c:ser>
+          <c:idx val="0"/>
+          <c:order val="0"/>
+          <c:tx>
+            <c:strRef>
+              <c:f>Tabelle1!$B$1</c:f>
+              <c:strCache>
+                <c:ptCount val="1"/>
+                <c:pt idx="0">
+                  <c:v>ein Mitarbeiter</c:v>
+                </c:pt>
+              </c:strCache>
+            </c:strRef>
+          </c:tx>
+          <c:spPr>
+            <a:ln w="31750" cap="rnd">
+              <a:solidFill>
+                <a:schemeClr val="accent6"/>
+              </a:solidFill>
+              <a:round/>
+            </a:ln>
+            <a:effectLst/>
+          </c:spPr>
+          <c:marker>
+            <c:symbol val="circle"/>
+            <c:size val="17"/>
+            <c:spPr>
+              <a:solidFill>
+                <a:schemeClr val="accent6"/>
+              </a:solidFill>
+              <a:ln>
+                <a:noFill/>
+              </a:ln>
+              <a:effectLst/>
+            </c:spPr>
+          </c:marker>
+          <c:dLbls>
+            <c:spPr>
+              <a:noFill/>
+              <a:ln>
+                <a:noFill/>
+              </a:ln>
+              <a:effectLst/>
+            </c:spPr>
+            <c:txPr>
+              <a:bodyPr rot="0" spcFirstLastPara="1" vertOverflow="ellipsis" vert="horz" wrap="square" lIns="38100" tIns="19050" rIns="38100" bIns="19050" anchor="ctr" anchorCtr="1">
+                <a:spAutoFit/>
+              </a:bodyPr>
+              <a:lstStyle/>
+              <a:p>
+                <a:pPr>
+                  <a:defRPr sz="1197" b="1" i="0" u="none" strike="noStrike" kern="1200" baseline="0">
+                    <a:solidFill>
+                      <a:schemeClr val="lt1"/>
+                    </a:solidFill>
+                    <a:latin typeface="+mn-lt"/>
+                    <a:ea typeface="+mn-ea"/>
+                    <a:cs typeface="+mn-cs"/>
+                  </a:defRPr>
+                </a:pPr>
+                <a:endParaRPr lang="de-DE"/>
+              </a:p>
+            </c:txPr>
+            <c:dLblPos val="ctr"/>
+            <c:showVal val="1"/>
+            <c:extLst xmlns:c16r2="http://schemas.microsoft.com/office/drawing/2015/06/chart">
+              <c:ext xmlns:c15="http://schemas.microsoft.com/office/drawing/2012/chart" uri="{CE6537A1-D6FC-4f65-9D91-7224C49458BB}">
+                <c15:showLeaderLines val="1"/>
+                <c15:leaderLines>
+                  <c:spPr>
+                    <a:ln w="9525">
+                      <a:solidFill>
+                        <a:schemeClr val="dk1">
+                          <a:lumMod val="50000"/>
+                          <a:lumOff val="50000"/>
+                        </a:schemeClr>
+                      </a:solidFill>
+                    </a:ln>
+                    <a:effectLst/>
+                  </c:spPr>
+                </c15:leaderLines>
+              </c:ext>
+            </c:extLst>
+          </c:dLbls>
+          <c:cat>
+            <c:numRef>
+              <c:f>Tabelle1!$A$2:$A$9</c:f>
+              <c:numCache>
+                <c:formatCode>General</c:formatCode>
+                <c:ptCount val="8"/>
+                <c:pt idx="0">
+                  <c:v>0</c:v>
+                </c:pt>
+                <c:pt idx="1">
+                  <c:v>1</c:v>
+                </c:pt>
+                <c:pt idx="2">
+                  <c:v>2</c:v>
+                </c:pt>
+                <c:pt idx="3">
+                  <c:v>3</c:v>
+                </c:pt>
+                <c:pt idx="4">
+                  <c:v>4</c:v>
+                </c:pt>
+                <c:pt idx="5">
+                  <c:v>5</c:v>
+                </c:pt>
+              </c:numCache>
+            </c:numRef>
+          </c:cat>
+          <c:val>
+            <c:numRef>
+              <c:f>Tabelle1!$B$2:$B$9</c:f>
+              <c:numCache>
+                <c:formatCode>General</c:formatCode>
+                <c:ptCount val="8"/>
+                <c:pt idx="0">
+                  <c:v>12000</c:v>
+                </c:pt>
+                <c:pt idx="1">
+                  <c:v>9600</c:v>
+                </c:pt>
+                <c:pt idx="2">
+                  <c:v>7200</c:v>
+                </c:pt>
+                <c:pt idx="3">
+                  <c:v>4800</c:v>
+                </c:pt>
+                <c:pt idx="4">
+                  <c:v>2400</c:v>
+                </c:pt>
+                <c:pt idx="5">
+                  <c:v>0</c:v>
+                </c:pt>
+              </c:numCache>
+            </c:numRef>
+          </c:val>
+          <c:extLst xmlns:c16r2="http://schemas.microsoft.com/office/drawing/2015/06/chart">
+            <c:ext xmlns:c16="http://schemas.microsoft.com/office/drawing/2014/chart" uri="{C3380CC4-5D6E-409C-BE32-E72D297353CC}">
+              <c16:uniqueId val="{00000000-C0D2-4AC6-901A-6C243FA9A377}"/>
+            </c:ext>
+          </c:extLst>
+        </c:ser>
+        <c:ser>
+          <c:idx val="1"/>
+          <c:order val="1"/>
+          <c:tx>
+            <c:strRef>
+              <c:f>Tabelle1!$C$1</c:f>
+              <c:strCache>
+                <c:ptCount val="1"/>
+                <c:pt idx="0">
+                  <c:v>zwei Mitarbeiter</c:v>
+                </c:pt>
+              </c:strCache>
+            </c:strRef>
+          </c:tx>
+          <c:spPr>
+            <a:ln w="31750" cap="rnd">
+              <a:solidFill>
+                <a:schemeClr val="accent5"/>
+              </a:solidFill>
+              <a:round/>
+            </a:ln>
+            <a:effectLst/>
+          </c:spPr>
+          <c:marker>
+            <c:symbol val="circle"/>
+            <c:size val="17"/>
+            <c:spPr>
+              <a:solidFill>
+                <a:schemeClr val="accent5"/>
+              </a:solidFill>
+              <a:ln>
+                <a:noFill/>
+              </a:ln>
+              <a:effectLst/>
+            </c:spPr>
+          </c:marker>
+          <c:dLbls>
+            <c:spPr>
+              <a:noFill/>
+              <a:ln>
+                <a:noFill/>
+              </a:ln>
+              <a:effectLst/>
+            </c:spPr>
+            <c:txPr>
+              <a:bodyPr rot="0" spcFirstLastPara="1" vertOverflow="ellipsis" vert="horz" wrap="square" lIns="38100" tIns="19050" rIns="38100" bIns="19050" anchor="ctr" anchorCtr="1">
+                <a:spAutoFit/>
+              </a:bodyPr>
+              <a:lstStyle/>
+              <a:p>
+                <a:pPr>
+                  <a:defRPr sz="1197" b="1" i="0" u="none" strike="noStrike" kern="1200" baseline="0">
+                    <a:solidFill>
+                      <a:schemeClr val="lt1"/>
+                    </a:solidFill>
+                    <a:latin typeface="+mn-lt"/>
+                    <a:ea typeface="+mn-ea"/>
+                    <a:cs typeface="+mn-cs"/>
+                  </a:defRPr>
+                </a:pPr>
+                <a:endParaRPr lang="de-DE"/>
+              </a:p>
+            </c:txPr>
+            <c:dLblPos val="ctr"/>
+            <c:showVal val="1"/>
+            <c:extLst xmlns:c16r2="http://schemas.microsoft.com/office/drawing/2015/06/chart">
+              <c:ext xmlns:c15="http://schemas.microsoft.com/office/drawing/2012/chart" uri="{CE6537A1-D6FC-4f65-9D91-7224C49458BB}">
+                <c15:showLeaderLines val="1"/>
+                <c15:leaderLines>
+                  <c:spPr>
+                    <a:ln w="9525">
+                      <a:solidFill>
+                        <a:schemeClr val="dk1">
+                          <a:lumMod val="50000"/>
+                          <a:lumOff val="50000"/>
+                        </a:schemeClr>
+                      </a:solidFill>
+                    </a:ln>
+                    <a:effectLst/>
+                  </c:spPr>
+                </c15:leaderLines>
+              </c:ext>
+            </c:extLst>
+          </c:dLbls>
+          <c:cat>
+            <c:numRef>
+              <c:f>Tabelle1!$A$2:$A$9</c:f>
+              <c:numCache>
+                <c:formatCode>General</c:formatCode>
+                <c:ptCount val="8"/>
+                <c:pt idx="0">
+                  <c:v>0</c:v>
+                </c:pt>
+                <c:pt idx="1">
+                  <c:v>1</c:v>
+                </c:pt>
+                <c:pt idx="2">
+                  <c:v>2</c:v>
+                </c:pt>
+                <c:pt idx="3">
+                  <c:v>3</c:v>
+                </c:pt>
+                <c:pt idx="4">
+                  <c:v>4</c:v>
+                </c:pt>
+                <c:pt idx="5">
+                  <c:v>5</c:v>
+                </c:pt>
+              </c:numCache>
+            </c:numRef>
+          </c:cat>
+          <c:val>
+            <c:numRef>
+              <c:f>Tabelle1!$C$2:$C$9</c:f>
+              <c:numCache>
+                <c:formatCode>General</c:formatCode>
+                <c:ptCount val="8"/>
+                <c:pt idx="0">
+                  <c:v>12000</c:v>
+                </c:pt>
+                <c:pt idx="1">
+                  <c:v>7200</c:v>
+                </c:pt>
+                <c:pt idx="2">
+                  <c:v>2400</c:v>
+                </c:pt>
+                <c:pt idx="3">
+                  <c:v>-2400</c:v>
+                </c:pt>
+              </c:numCache>
+            </c:numRef>
+          </c:val>
+          <c:extLst xmlns:c16r2="http://schemas.microsoft.com/office/drawing/2015/06/chart">
+            <c:ext xmlns:c16="http://schemas.microsoft.com/office/drawing/2014/chart" uri="{C3380CC4-5D6E-409C-BE32-E72D297353CC}">
+              <c16:uniqueId val="{00000001-C0D2-4AC6-901A-6C243FA9A377}"/>
+            </c:ext>
+          </c:extLst>
+        </c:ser>
+        <c:ser>
+          <c:idx val="2"/>
+          <c:order val="2"/>
+          <c:tx>
+            <c:strRef>
+              <c:f>Tabelle1!$D$1</c:f>
+              <c:strCache>
+                <c:ptCount val="1"/>
+                <c:pt idx="0">
+                  <c:v>drei Mitarbeiter</c:v>
+                </c:pt>
+              </c:strCache>
+            </c:strRef>
+          </c:tx>
+          <c:spPr>
+            <a:ln w="31750" cap="rnd">
+              <a:solidFill>
+                <a:schemeClr val="accent4"/>
+              </a:solidFill>
+              <a:round/>
+            </a:ln>
+            <a:effectLst/>
+          </c:spPr>
+          <c:marker>
+            <c:symbol val="circle"/>
+            <c:size val="17"/>
+            <c:spPr>
+              <a:solidFill>
+                <a:schemeClr val="accent4"/>
+              </a:solidFill>
+              <a:ln>
+                <a:noFill/>
+              </a:ln>
+              <a:effectLst/>
+            </c:spPr>
+          </c:marker>
+          <c:dLbls>
+            <c:spPr>
+              <a:noFill/>
+              <a:ln>
+                <a:noFill/>
+              </a:ln>
+              <a:effectLst/>
+            </c:spPr>
+            <c:txPr>
+              <a:bodyPr rot="0" spcFirstLastPara="1" vertOverflow="ellipsis" vert="horz" wrap="square" lIns="38100" tIns="19050" rIns="38100" bIns="19050" anchor="ctr" anchorCtr="1">
+                <a:spAutoFit/>
+              </a:bodyPr>
+              <a:lstStyle/>
+              <a:p>
+                <a:pPr>
+                  <a:defRPr sz="1197" b="1" i="0" u="none" strike="noStrike" kern="1200" baseline="0">
+                    <a:solidFill>
+                      <a:schemeClr val="lt1"/>
+                    </a:solidFill>
+                    <a:latin typeface="+mn-lt"/>
+                    <a:ea typeface="+mn-ea"/>
+                    <a:cs typeface="+mn-cs"/>
+                  </a:defRPr>
+                </a:pPr>
+                <a:endParaRPr lang="de-DE"/>
+              </a:p>
+            </c:txPr>
+            <c:dLblPos val="ctr"/>
+            <c:showVal val="1"/>
+            <c:extLst xmlns:c16r2="http://schemas.microsoft.com/office/drawing/2015/06/chart">
+              <c:ext xmlns:c15="http://schemas.microsoft.com/office/drawing/2012/chart" uri="{CE6537A1-D6FC-4f65-9D91-7224C49458BB}">
+                <c15:showLeaderLines val="1"/>
+                <c15:leaderLines>
+                  <c:spPr>
+                    <a:ln w="9525">
+                      <a:solidFill>
+                        <a:schemeClr val="dk1">
+                          <a:lumMod val="50000"/>
+                          <a:lumOff val="50000"/>
+                        </a:schemeClr>
+                      </a:solidFill>
+                    </a:ln>
+                    <a:effectLst/>
+                  </c:spPr>
+                </c15:leaderLines>
+              </c:ext>
+            </c:extLst>
+          </c:dLbls>
+          <c:cat>
+            <c:numRef>
+              <c:f>Tabelle1!$A$2:$A$9</c:f>
+              <c:numCache>
+                <c:formatCode>General</c:formatCode>
+                <c:ptCount val="8"/>
+                <c:pt idx="0">
+                  <c:v>0</c:v>
+                </c:pt>
+                <c:pt idx="1">
+                  <c:v>1</c:v>
+                </c:pt>
+                <c:pt idx="2">
+                  <c:v>2</c:v>
+                </c:pt>
+                <c:pt idx="3">
+                  <c:v>3</c:v>
+                </c:pt>
+                <c:pt idx="4">
+                  <c:v>4</c:v>
+                </c:pt>
+                <c:pt idx="5">
+                  <c:v>5</c:v>
+                </c:pt>
+              </c:numCache>
+            </c:numRef>
+          </c:cat>
+          <c:val>
+            <c:numRef>
+              <c:f>Tabelle1!$D$2:$D$9</c:f>
+              <c:numCache>
+                <c:formatCode>General</c:formatCode>
+                <c:ptCount val="8"/>
+                <c:pt idx="0">
+                  <c:v>12000</c:v>
+                </c:pt>
+                <c:pt idx="1">
+                  <c:v>4800</c:v>
+                </c:pt>
+                <c:pt idx="2">
+                  <c:v>-2400</c:v>
+                </c:pt>
+              </c:numCache>
+            </c:numRef>
+          </c:val>
+          <c:extLst xmlns:c16r2="http://schemas.microsoft.com/office/drawing/2015/06/chart">
+            <c:ext xmlns:c16="http://schemas.microsoft.com/office/drawing/2014/chart" uri="{C3380CC4-5D6E-409C-BE32-E72D297353CC}">
+              <c16:uniqueId val="{00000002-C0D2-4AC6-901A-6C243FA9A377}"/>
+            </c:ext>
+          </c:extLst>
+        </c:ser>
+        <c:dLbls>
+          <c:showVal val="1"/>
+        </c:dLbls>
+        <c:marker val="1"/>
+        <c:axId val="154792704"/>
+        <c:axId val="154795008"/>
+      </c:lineChart>
+      <c:catAx>
+        <c:axId val="154792704"/>
+        <c:scaling>
+          <c:orientation val="minMax"/>
+        </c:scaling>
+        <c:axPos val="b"/>
+        <c:title>
+          <c:tx>
+            <c:rich>
+              <a:bodyPr rot="0" spcFirstLastPara="1" vertOverflow="ellipsis" vert="horz" wrap="square" anchor="ctr" anchorCtr="1"/>
+              <a:lstStyle/>
+              <a:p>
+                <a:pPr>
+                  <a:defRPr sz="1197" b="1" i="0" u="none" strike="noStrike" kern="1200" baseline="0">
+                    <a:solidFill>
+                      <a:schemeClr val="dk1">
+                        <a:lumMod val="75000"/>
+                        <a:lumOff val="25000"/>
+                      </a:schemeClr>
+                    </a:solidFill>
+                    <a:latin typeface="+mn-lt"/>
+                    <a:ea typeface="+mn-ea"/>
+                    <a:cs typeface="+mn-cs"/>
+                  </a:defRPr>
+                </a:pPr>
+                <a:r>
+                  <a:rPr lang="de-DE"/>
+                  <a:t>Jahre</a:t>
+                </a:r>
+              </a:p>
+            </c:rich>
+          </c:tx>
+          <c:layout>
+            <c:manualLayout>
+              <c:xMode val="edge"/>
+              <c:yMode val="edge"/>
+              <c:x val="0.93602628978510949"/>
+              <c:y val="0.71950455635451682"/>
+            </c:manualLayout>
+          </c:layout>
+          <c:spPr>
+            <a:noFill/>
+            <a:ln>
+              <a:noFill/>
+            </a:ln>
+            <a:effectLst/>
+          </c:spPr>
+        </c:title>
+        <c:numFmt formatCode="General" sourceLinked="1"/>
+        <c:majorTickMark val="none"/>
+        <c:tickLblPos val="nextTo"/>
+        <c:spPr>
+          <a:noFill/>
+          <a:ln w="19050" cap="flat" cmpd="sng" algn="ctr">
+            <a:solidFill>
+              <a:schemeClr val="dk1">
+                <a:lumMod val="75000"/>
+                <a:lumOff val="25000"/>
+              </a:schemeClr>
+            </a:solidFill>
+            <a:round/>
+          </a:ln>
+          <a:effectLst/>
+        </c:spPr>
+        <c:txPr>
+          <a:bodyPr rot="-60000000" spcFirstLastPara="1" vertOverflow="ellipsis" vert="horz" wrap="square" anchor="ctr" anchorCtr="1"/>
+          <a:lstStyle/>
+          <a:p>
+            <a:pPr>
+              <a:defRPr sz="1197" b="0" i="0" u="none" strike="noStrike" kern="1200" cap="all" baseline="0">
+                <a:solidFill>
+                  <a:schemeClr val="dk1">
+                    <a:lumMod val="75000"/>
+                    <a:lumOff val="25000"/>
+                  </a:schemeClr>
+                </a:solidFill>
+                <a:latin typeface="+mn-lt"/>
+                <a:ea typeface="+mn-ea"/>
+                <a:cs typeface="+mn-cs"/>
+              </a:defRPr>
+            </a:pPr>
+            <a:endParaRPr lang="de-DE"/>
+          </a:p>
+        </c:txPr>
+        <c:crossAx val="154795008"/>
+        <c:crosses val="autoZero"/>
+        <c:auto val="1"/>
+        <c:lblAlgn val="ctr"/>
+        <c:lblOffset val="100"/>
+      </c:catAx>
+      <c:valAx>
+        <c:axId val="154795008"/>
+        <c:scaling>
+          <c:orientation val="minMax"/>
+        </c:scaling>
+        <c:delete val="1"/>
+        <c:axPos val="l"/>
+        <c:majorGridlines>
+          <c:spPr>
+            <a:ln w="9525" cap="flat" cmpd="sng" algn="ctr">
+              <a:gradFill>
+                <a:gsLst>
+                  <a:gs pos="100000">
+                    <a:schemeClr val="dk1">
+                      <a:lumMod val="95000"/>
+                      <a:lumOff val="5000"/>
+                      <a:alpha val="42000"/>
+                    </a:schemeClr>
+                  </a:gs>
+                  <a:gs pos="0">
+                    <a:schemeClr val="lt1">
+                      <a:lumMod val="75000"/>
+                      <a:alpha val="36000"/>
+                    </a:schemeClr>
+                  </a:gs>
+                </a:gsLst>
+                <a:lin ang="5400000" scaled="0"/>
+              </a:gradFill>
+              <a:round/>
+            </a:ln>
+            <a:effectLst/>
+          </c:spPr>
+        </c:majorGridlines>
+        <c:title>
+          <c:tx>
+            <c:rich>
+              <a:bodyPr rot="-5400000" spcFirstLastPara="1" vertOverflow="ellipsis" vert="horz" wrap="square" anchor="ctr" anchorCtr="1"/>
+              <a:lstStyle/>
+              <a:p>
+                <a:pPr>
+                  <a:defRPr sz="1197" b="1" i="0" u="none" strike="noStrike" kern="1200" baseline="0">
+                    <a:solidFill>
+                      <a:schemeClr val="dk1">
+                        <a:lumMod val="75000"/>
+                        <a:lumOff val="25000"/>
+                      </a:schemeClr>
+                    </a:solidFill>
+                    <a:latin typeface="+mn-lt"/>
+                    <a:ea typeface="+mn-ea"/>
+                    <a:cs typeface="+mn-cs"/>
+                  </a:defRPr>
+                </a:pPr>
+                <a:r>
+                  <a:rPr lang="de-DE"/>
+                  <a:t>Kosten</a:t>
+                </a:r>
+              </a:p>
+            </c:rich>
+          </c:tx>
+          <c:layout/>
+          <c:spPr>
+            <a:noFill/>
+            <a:ln>
+              <a:noFill/>
+            </a:ln>
+            <a:effectLst/>
+          </c:spPr>
+        </c:title>
+        <c:numFmt formatCode="General" sourceLinked="1"/>
+        <c:majorTickMark val="none"/>
+        <c:tickLblPos val="none"/>
+        <c:crossAx val="154792704"/>
+        <c:crosses val="autoZero"/>
+        <c:crossBetween val="between"/>
+      </c:valAx>
+      <c:spPr>
+        <a:noFill/>
+        <a:ln>
+          <a:noFill/>
+        </a:ln>
+        <a:effectLst>
+          <a:glow rad="88900">
+            <a:schemeClr val="accent1">
+              <a:alpha val="40000"/>
+            </a:schemeClr>
+          </a:glow>
+          <a:outerShdw blurRad="444500" dist="50800" dir="6240000" algn="ctr" rotWithShape="0">
+            <a:srgbClr val="000000">
+              <a:alpha val="34000"/>
+            </a:srgbClr>
+          </a:outerShdw>
+          <a:softEdge rad="0"/>
+        </a:effectLst>
+      </c:spPr>
+    </c:plotArea>
+    <c:legend>
+      <c:legendPos val="b"/>
+      <c:layout>
+        <c:manualLayout>
+          <c:xMode val="edge"/>
+          <c:yMode val="edge"/>
+          <c:x val="0.22080160328799525"/>
+          <c:y val="0.91408814981083575"/>
+          <c:w val="0.55535542659656822"/>
+          <c:h val="5.4155313635389946E-2"/>
+        </c:manualLayout>
+      </c:layout>
+      <c:spPr>
+        <a:solidFill>
+          <a:schemeClr val="lt1">
+            <a:lumMod val="95000"/>
+            <a:alpha val="39000"/>
+          </a:schemeClr>
+        </a:solidFill>
+        <a:ln>
+          <a:noFill/>
+        </a:ln>
+        <a:effectLst/>
+      </c:spPr>
+      <c:txPr>
+        <a:bodyPr rot="0" spcFirstLastPara="1" vertOverflow="ellipsis" vert="horz" wrap="square" anchor="ctr" anchorCtr="1"/>
+        <a:lstStyle/>
+        <a:p>
+          <a:pPr>
+            <a:defRPr sz="1197" b="0" i="0" u="none" strike="noStrike" kern="1200" baseline="0">
+              <a:solidFill>
+                <a:schemeClr val="dk1">
+                  <a:lumMod val="75000"/>
+                  <a:lumOff val="25000"/>
+                </a:schemeClr>
+              </a:solidFill>
+              <a:latin typeface="+mn-lt"/>
+              <a:ea typeface="+mn-ea"/>
+              <a:cs typeface="+mn-cs"/>
+            </a:defRPr>
+          </a:pPr>
+          <a:endParaRPr lang="de-DE"/>
+        </a:p>
+      </c:txPr>
+    </c:legend>
+    <c:plotVisOnly val="1"/>
+    <c:dispBlanksAs val="gap"/>
+    <c:extLst xmlns:c16r2="http://schemas.microsoft.com/office/drawing/2015/06/chart">
+      <c:ext xmlns:c16r3="http://schemas.microsoft.com/office/drawing/2017/03/chart" uri="{56B9EC1D-385E-4148-901F-78D8002777C0}">
+        <c16r3:dataDisplayOptions16>
+          <c16r3:dispNaAsBlank val="1"/>
+        </c16r3:dataDisplayOptions16>
+      </c:ext>
+    </c:extLst>
+  </c:chart>
+  <c:spPr>
+    <a:gradFill flip="none" rotWithShape="1">
+      <a:gsLst>
+        <a:gs pos="0">
+          <a:schemeClr val="lt1"/>
+        </a:gs>
+        <a:gs pos="39000">
+          <a:schemeClr val="lt1"/>
+        </a:gs>
+        <a:gs pos="100000">
+          <a:schemeClr val="lt1">
+            <a:lumMod val="75000"/>
+          </a:schemeClr>
+        </a:gs>
+      </a:gsLst>
+      <a:path path="circle">
+        <a:fillToRect l="50000" t="-80000" r="50000" b="180000"/>
+      </a:path>
+      <a:tileRect/>
+    </a:gradFill>
+    <a:ln w="9525" cap="flat" cmpd="sng" algn="ctr">
+      <a:solidFill>
+        <a:schemeClr val="dk1">
+          <a:lumMod val="25000"/>
+          <a:lumOff val="75000"/>
+        </a:schemeClr>
+      </a:solidFill>
+      <a:round/>
+    </a:ln>
+    <a:effectLst/>
+  </c:spPr>
+  <c:txPr>
+    <a:bodyPr/>
+    <a:lstStyle/>
+    <a:p>
+      <a:pPr>
+        <a:defRPr/>
+      </a:pPr>
+      <a:endParaRPr lang="de-DE"/>
+    </a:p>
+  </c:txPr>
+  <c:externalData r:id="rId1"/>
+</c:chartSpace>
+</file>
+
+<file path=ppt/comments/comment1.xml><?xml version="1.0" encoding="utf-8"?>
+<p:cmLst xmlns:a="http://schemas.openxmlformats.org/drawingml/2006/main" xmlns:r="http://schemas.openxmlformats.org/officeDocument/2006/relationships" xmlns:p="http://schemas.openxmlformats.org/presentationml/2006/main">
+  <p:cm authorId="0" dt="2019-11-21T14:47:01.296" idx="1">
+    <p:pos x="10" y="10"/>
+    <p:text/>
+  </p:cm>
+</p:cmLst>
 </file>
 
 <file path=ppt/handoutMasters/handoutMaster1.xml><?xml version="1.0" encoding="utf-8"?>
@@ -344,7 +1133,7 @@
               <a:pPr>
                 <a:defRPr/>
               </a:pPr>
-              <a:t>28.11.2019</a:t>
+              <a:t>19.12.2019</a:t>
             </a:fld>
             <a:endParaRPr lang="de-DE"/>
           </a:p>
@@ -428,7 +1217,7 @@
     </p:spTree>
     <p:extLst>
       <p:ext uri="{BB962C8B-B14F-4D97-AF65-F5344CB8AC3E}">
-        <p14:creationId xmlns="" xmlns:p14="http://schemas.microsoft.com/office/powerpoint/2010/main" val="3725114785"/>
+        <p14:creationId xmlns:p14="http://schemas.microsoft.com/office/powerpoint/2010/main" xmlns="" val="3725114785"/>
       </p:ext>
     </p:extLst>
   </p:cSld>
@@ -527,7 +1316,7 @@
               <a:pPr>
                 <a:defRPr/>
               </a:pPr>
-              <a:t>28.11.2019</a:t>
+              <a:t>19.12.2019</a:t>
             </a:fld>
             <a:endParaRPr lang="de-DE"/>
           </a:p>
@@ -707,7 +1496,7 @@
     </p:spTree>
     <p:extLst>
       <p:ext uri="{BB962C8B-B14F-4D97-AF65-F5344CB8AC3E}">
-        <p14:creationId xmlns="" xmlns:p14="http://schemas.microsoft.com/office/powerpoint/2010/main" val="2737914839"/>
+        <p14:creationId xmlns:p14="http://schemas.microsoft.com/office/powerpoint/2010/main" xmlns="" val="2737914839"/>
       </p:ext>
     </p:extLst>
   </p:cSld>
@@ -917,7 +1706,7 @@
     </p:spTree>
     <p:extLst>
       <p:ext uri="{BB962C8B-B14F-4D97-AF65-F5344CB8AC3E}">
-        <p14:creationId xmlns="" xmlns:p14="http://schemas.microsoft.com/office/powerpoint/2010/main" val="608612274"/>
+        <p14:creationId xmlns:p14="http://schemas.microsoft.com/office/powerpoint/2010/main" xmlns="" val="608612274"/>
       </p:ext>
     </p:extLst>
   </p:cSld>
@@ -1041,7 +1830,7 @@
           <a:blip r:embed="rId2" cstate="print">
             <a:extLst>
               <a:ext uri="{28A0092B-C50C-407E-A947-70E740481C1C}">
-                <a14:useLocalDpi xmlns="" xmlns:a14="http://schemas.microsoft.com/office/drawing/2010/main" val="0"/>
+                <a14:useLocalDpi xmlns:a14="http://schemas.microsoft.com/office/drawing/2010/main" xmlns="" val="0"/>
               </a:ext>
             </a:extLst>
           </a:blip>
@@ -1071,7 +1860,7 @@
           <a:blip r:embed="rId2" cstate="print">
             <a:extLst>
               <a:ext uri="{28A0092B-C50C-407E-A947-70E740481C1C}">
-                <a14:useLocalDpi xmlns="" xmlns:a14="http://schemas.microsoft.com/office/drawing/2010/main" val="0"/>
+                <a14:useLocalDpi xmlns:a14="http://schemas.microsoft.com/office/drawing/2010/main" xmlns="" val="0"/>
               </a:ext>
             </a:extLst>
           </a:blip>
@@ -1140,7 +1929,7 @@
           <a:blip r:embed="rId3" cstate="print">
             <a:extLst>
               <a:ext uri="{28A0092B-C50C-407E-A947-70E740481C1C}">
-                <a14:useLocalDpi xmlns="" xmlns:a14="http://schemas.microsoft.com/office/drawing/2010/main" val="0"/>
+                <a14:useLocalDpi xmlns:a14="http://schemas.microsoft.com/office/drawing/2010/main" xmlns="" val="0"/>
               </a:ext>
             </a:extLst>
           </a:blip>
@@ -1161,7 +1950,7 @@
     </p:spTree>
     <p:extLst>
       <p:ext uri="{BB962C8B-B14F-4D97-AF65-F5344CB8AC3E}">
-        <p14:creationId xmlns="" xmlns:p14="http://schemas.microsoft.com/office/powerpoint/2010/main" val="3765581804"/>
+        <p14:creationId xmlns:p14="http://schemas.microsoft.com/office/powerpoint/2010/main" xmlns="" val="3765581804"/>
       </p:ext>
     </p:extLst>
   </p:cSld>
@@ -1395,7 +2184,7 @@
     </p:spTree>
     <p:extLst>
       <p:ext uri="{BB962C8B-B14F-4D97-AF65-F5344CB8AC3E}">
-        <p14:creationId xmlns="" xmlns:p14="http://schemas.microsoft.com/office/powerpoint/2010/main" val="1167238411"/>
+        <p14:creationId xmlns:p14="http://schemas.microsoft.com/office/powerpoint/2010/main" xmlns="" val="1167238411"/>
       </p:ext>
     </p:extLst>
   </p:cSld>
@@ -1672,7 +2461,7 @@
     </p:spTree>
     <p:extLst>
       <p:ext uri="{BB962C8B-B14F-4D97-AF65-F5344CB8AC3E}">
-        <p14:creationId xmlns="" xmlns:p14="http://schemas.microsoft.com/office/powerpoint/2010/main" val="1206962510"/>
+        <p14:creationId xmlns:p14="http://schemas.microsoft.com/office/powerpoint/2010/main" xmlns="" val="1206962510"/>
       </p:ext>
     </p:extLst>
   </p:cSld>
@@ -1914,7 +2703,7 @@
     </p:spTree>
     <p:extLst>
       <p:ext uri="{BB962C8B-B14F-4D97-AF65-F5344CB8AC3E}">
-        <p14:creationId xmlns="" xmlns:p14="http://schemas.microsoft.com/office/powerpoint/2010/main" val="3005886788"/>
+        <p14:creationId xmlns:p14="http://schemas.microsoft.com/office/powerpoint/2010/main" xmlns="" val="3005886788"/>
       </p:ext>
     </p:extLst>
   </p:cSld>
@@ -2242,7 +3031,7 @@
     </p:spTree>
     <p:extLst>
       <p:ext uri="{BB962C8B-B14F-4D97-AF65-F5344CB8AC3E}">
-        <p14:creationId xmlns="" xmlns:p14="http://schemas.microsoft.com/office/powerpoint/2010/main" val="1732023898"/>
+        <p14:creationId xmlns:p14="http://schemas.microsoft.com/office/powerpoint/2010/main" xmlns="" val="1732023898"/>
       </p:ext>
     </p:extLst>
   </p:cSld>
@@ -2527,7 +3316,7 @@
     </p:spTree>
     <p:extLst>
       <p:ext uri="{BB962C8B-B14F-4D97-AF65-F5344CB8AC3E}">
-        <p14:creationId xmlns="" xmlns:p14="http://schemas.microsoft.com/office/powerpoint/2010/main" val="299367742"/>
+        <p14:creationId xmlns:p14="http://schemas.microsoft.com/office/powerpoint/2010/main" xmlns="" val="299367742"/>
       </p:ext>
     </p:extLst>
   </p:cSld>
@@ -2683,7 +3472,7 @@
     </p:spTree>
     <p:extLst>
       <p:ext uri="{BB962C8B-B14F-4D97-AF65-F5344CB8AC3E}">
-        <p14:creationId xmlns="" xmlns:p14="http://schemas.microsoft.com/office/powerpoint/2010/main" val="4144456309"/>
+        <p14:creationId xmlns:p14="http://schemas.microsoft.com/office/powerpoint/2010/main" xmlns="" val="4144456309"/>
       </p:ext>
     </p:extLst>
   </p:cSld>
@@ -2839,7 +3628,7 @@
     </p:spTree>
     <p:extLst>
       <p:ext uri="{BB962C8B-B14F-4D97-AF65-F5344CB8AC3E}">
-        <p14:creationId xmlns="" xmlns:p14="http://schemas.microsoft.com/office/powerpoint/2010/main" val="2824286729"/>
+        <p14:creationId xmlns:p14="http://schemas.microsoft.com/office/powerpoint/2010/main" xmlns="" val="2824286729"/>
       </p:ext>
     </p:extLst>
   </p:cSld>
@@ -2889,7 +3678,7 @@
           <a:blip r:embed="rId2" cstate="print">
             <a:extLst>
               <a:ext uri="{28A0092B-C50C-407E-A947-70E740481C1C}">
-                <a14:useLocalDpi xmlns="" xmlns:a14="http://schemas.microsoft.com/office/drawing/2010/main" val="0"/>
+                <a14:useLocalDpi xmlns:a14="http://schemas.microsoft.com/office/drawing/2010/main" xmlns="" val="0"/>
               </a:ext>
             </a:extLst>
           </a:blip>
@@ -2919,7 +3708,7 @@
           <a:blip r:embed="rId2" cstate="print">
             <a:extLst>
               <a:ext uri="{28A0092B-C50C-407E-A947-70E740481C1C}">
-                <a14:useLocalDpi xmlns="" xmlns:a14="http://schemas.microsoft.com/office/drawing/2010/main" val="0"/>
+                <a14:useLocalDpi xmlns:a14="http://schemas.microsoft.com/office/drawing/2010/main" xmlns="" val="0"/>
               </a:ext>
             </a:extLst>
           </a:blip>
@@ -2949,7 +3738,7 @@
           <a:blip r:embed="rId3" cstate="print">
             <a:extLst>
               <a:ext uri="{28A0092B-C50C-407E-A947-70E740481C1C}">
-                <a14:useLocalDpi xmlns="" xmlns:a14="http://schemas.microsoft.com/office/drawing/2010/main" val="0"/>
+                <a14:useLocalDpi xmlns:a14="http://schemas.microsoft.com/office/drawing/2010/main" xmlns="" val="0"/>
               </a:ext>
             </a:extLst>
           </a:blip>
@@ -2970,7 +3759,7 @@
     </p:spTree>
     <p:extLst>
       <p:ext uri="{BB962C8B-B14F-4D97-AF65-F5344CB8AC3E}">
-        <p14:creationId xmlns="" xmlns:p14="http://schemas.microsoft.com/office/powerpoint/2010/main" val="1180458127"/>
+        <p14:creationId xmlns:p14="http://schemas.microsoft.com/office/powerpoint/2010/main" xmlns="" val="1180458127"/>
       </p:ext>
     </p:extLst>
   </p:cSld>
@@ -3049,7 +3838,7 @@
     </p:spTree>
     <p:extLst>
       <p:ext uri="{BB962C8B-B14F-4D97-AF65-F5344CB8AC3E}">
-        <p14:creationId xmlns="" xmlns:p14="http://schemas.microsoft.com/office/powerpoint/2010/main" val="2829192539"/>
+        <p14:creationId xmlns:p14="http://schemas.microsoft.com/office/powerpoint/2010/main" xmlns="" val="2829192539"/>
       </p:ext>
     </p:extLst>
   </p:cSld>
@@ -3504,7 +4293,7 @@
     </p:spTree>
     <p:extLst>
       <p:ext uri="{BB962C8B-B14F-4D97-AF65-F5344CB8AC3E}">
-        <p14:creationId xmlns="" xmlns:p14="http://schemas.microsoft.com/office/powerpoint/2010/main" val="1696194850"/>
+        <p14:creationId xmlns:p14="http://schemas.microsoft.com/office/powerpoint/2010/main" xmlns="" val="1696194850"/>
       </p:ext>
     </p:extLst>
   </p:cSld>
@@ -3541,66 +4330,30 @@
           <a:chExt cx="0" cy="0"/>
         </a:xfrm>
       </p:grpSpPr>
-      <p:sp>
-        <p:nvSpPr>
-          <p:cNvPr id="2" name="Inhaltsplatzhalter 1"/>
-          <p:cNvSpPr>
-            <a:spLocks noGrp="1"/>
-          </p:cNvSpPr>
+      <p:pic>
+        <p:nvPicPr>
+          <p:cNvPr id="7" name="Inhaltsplatzhalter 6" descr="WhatsApp Image 2019-12-19 at 18.58.13.jpeg"/>
+          <p:cNvPicPr>
+            <a:picLocks noGrp="1" noChangeAspect="1"/>
+          </p:cNvPicPr>
           <p:nvPr>
             <p:ph sz="quarter" idx="14"/>
           </p:nvPr>
-        </p:nvSpPr>
-        <p:spPr>
-          <a:xfrm>
-            <a:off x="414000" y="1008000"/>
-            <a:ext cx="8334464" cy="3600000"/>
-          </a:xfrm>
-        </p:spPr>
-        <p:txBody>
-          <a:bodyPr/>
-          <a:lstStyle/>
-          <a:p>
-            <a:r>
-              <a:rPr lang="de-DE" sz="2800" dirty="0" smtClean="0"/>
-              <a:t>Datenbank </a:t>
-            </a:r>
-          </a:p>
-          <a:p>
-            <a:r>
-              <a:rPr lang="de-DE" sz="2800" dirty="0" smtClean="0"/>
-              <a:t>Schutz vor Manipulation</a:t>
-            </a:r>
-          </a:p>
-          <a:p>
-            <a:r>
-              <a:rPr lang="de-DE" sz="2800" dirty="0" smtClean="0"/>
-              <a:t>Testserver/Empfänger</a:t>
-            </a:r>
-          </a:p>
-          <a:p>
-            <a:r>
-              <a:rPr lang="de-DE" sz="2800" dirty="0" smtClean="0"/>
-              <a:t>Datenschutzthemen</a:t>
-            </a:r>
-          </a:p>
-          <a:p>
-            <a:r>
-              <a:rPr lang="de-DE" sz="2800" dirty="0" smtClean="0"/>
-              <a:t>Passende Fragebögen</a:t>
-            </a:r>
-          </a:p>
-          <a:p>
-            <a:r>
-              <a:rPr lang="de-DE" sz="2800" dirty="0" smtClean="0"/>
-              <a:t>Design</a:t>
-            </a:r>
-          </a:p>
-          <a:p>
-            <a:endParaRPr lang="de-DE" dirty="0"/>
-          </a:p>
-        </p:txBody>
-      </p:sp>
+        </p:nvPicPr>
+        <p:blipFill>
+          <a:blip r:embed="rId2" cstate="print"/>
+          <a:srcRect r="36906" b="70412"/>
+          <a:stretch>
+            <a:fillRect/>
+          </a:stretch>
+        </p:blipFill>
+        <p:spPr>
+          <a:xfrm>
+            <a:off x="539552" y="1131590"/>
+            <a:ext cx="7643383" cy="2016224"/>
+          </a:xfrm>
+        </p:spPr>
+      </p:pic>
       <p:sp>
         <p:nvSpPr>
           <p:cNvPr id="4" name="Titel 3"/>
@@ -3618,54 +4371,7 @@
           <a:p>
             <a:r>
               <a:rPr lang="de-DE" dirty="0" smtClean="0"/>
-              <a:t>Was noch gemacht werden muss:</a:t>
-            </a:r>
-            <a:endParaRPr lang="de-DE" dirty="0"/>
-          </a:p>
-        </p:txBody>
-      </p:sp>
-      <p:sp>
-        <p:nvSpPr>
-          <p:cNvPr id="5" name="Fußzeilenplatzhalter 4"/>
-          <p:cNvSpPr>
-            <a:spLocks noGrp="1"/>
-          </p:cNvSpPr>
-          <p:nvPr>
-            <p:ph type="ftr" sz="quarter" idx="3"/>
-          </p:nvPr>
-        </p:nvSpPr>
-        <p:spPr/>
-        <p:txBody>
-          <a:bodyPr/>
-          <a:lstStyle/>
-          <a:p>
-            <a:r>
-              <a:rPr lang="de-DE" dirty="0" smtClean="0"/>
-              <a:t>Ron </a:t>
-            </a:r>
-            <a:r>
-              <a:rPr lang="de-DE" dirty="0" err="1" smtClean="0"/>
-              <a:t>Kagelmann</a:t>
-            </a:r>
-            <a:r>
-              <a:rPr lang="de-DE" dirty="0" smtClean="0"/>
-              <a:t>, Sören </a:t>
-            </a:r>
-            <a:r>
-              <a:rPr lang="de-DE" dirty="0" err="1" smtClean="0"/>
-              <a:t>Benjes</a:t>
-            </a:r>
-            <a:r>
-              <a:rPr lang="de-DE" dirty="0" smtClean="0"/>
-              <a:t>, Tom </a:t>
-            </a:r>
-            <a:r>
-              <a:rPr lang="de-DE" dirty="0" err="1" smtClean="0"/>
-              <a:t>Weitze</a:t>
-            </a:r>
-            <a:r>
-              <a:rPr lang="de-DE" dirty="0" smtClean="0"/>
-              <a:t>, Elina Huck</a:t>
+              <a:t>Zwischenergebnis – Fragen- / Stellengenerierung</a:t>
             </a:r>
             <a:endParaRPr lang="de-DE" dirty="0"/>
           </a:p>
@@ -3725,73 +4431,1671 @@
       </p:grpSpPr>
       <p:sp>
         <p:nvSpPr>
-          <p:cNvPr id="7" name="Titel 4"/>
-          <p:cNvSpPr txBox="1">
-            <a:spLocks/>
+          <p:cNvPr id="4" name="Titel 3"/>
+          <p:cNvSpPr>
+            <a:spLocks noGrp="1"/>
           </p:cNvSpPr>
+          <p:nvPr>
+            <p:ph type="title"/>
+          </p:nvPr>
+        </p:nvSpPr>
+        <p:spPr/>
+        <p:txBody>
+          <a:bodyPr/>
+          <a:lstStyle/>
+          <a:p>
+            <a:r>
+              <a:rPr lang="de-DE" dirty="0" smtClean="0"/>
+              <a:t>Meilensteine</a:t>
+            </a:r>
+            <a:endParaRPr lang="de-DE" dirty="0"/>
+          </a:p>
+        </p:txBody>
+      </p:sp>
+      <p:sp>
+        <p:nvSpPr>
+          <p:cNvPr id="6" name="Foliennummernplatzhalter 5"/>
+          <p:cNvSpPr>
+            <a:spLocks noGrp="1"/>
+          </p:cNvSpPr>
+          <p:nvPr>
+            <p:ph type="sldNum" sz="quarter" idx="4"/>
+          </p:nvPr>
+        </p:nvSpPr>
+        <p:spPr/>
+        <p:txBody>
+          <a:bodyPr/>
+          <a:lstStyle/>
+          <a:p>
+            <a:fld id="{6D784071-5E4C-448F-9B88-494260B2190C}" type="slidenum">
+              <a:rPr lang="de-DE" smtClean="0"/>
+              <a:pPr/>
+              <a:t>11</a:t>
+            </a:fld>
+            <a:endParaRPr lang="de-DE"/>
+          </a:p>
+        </p:txBody>
+      </p:sp>
+      <p:sp>
+        <p:nvSpPr>
+          <p:cNvPr id="9" name="Rechteck 8"/>
+          <p:cNvSpPr/>
           <p:nvPr/>
         </p:nvSpPr>
         <p:spPr>
           <a:xfrm>
-            <a:off x="899592" y="1851670"/>
-            <a:ext cx="7200000" cy="1035352"/>
+            <a:off x="611560" y="1419622"/>
+            <a:ext cx="1152128" cy="576064"/>
           </a:xfrm>
           <a:prstGeom prst="rect">
             <a:avLst/>
           </a:prstGeom>
-        </p:spPr>
-        <p:txBody>
-          <a:bodyPr vert="horz" lIns="91440" tIns="45720" rIns="91440" bIns="45720" rtlCol="0" anchor="ctr">
+          <a:noFill/>
+          <a:ln>
+            <a:noFill/>
+          </a:ln>
+          <a:effectLst/>
+          <a:scene3d>
+            <a:camera prst="orthographicFront">
+              <a:rot lat="0" lon="0" rev="0"/>
+            </a:camera>
+            <a:lightRig rig="chilly" dir="t">
+              <a:rot lat="0" lon="0" rev="18480000"/>
+            </a:lightRig>
+          </a:scene3d>
+          <a:sp3d prstMaterial="clear">
+            <a:bevelT h="63500"/>
+          </a:sp3d>
+        </p:spPr>
+        <p:style>
+          <a:lnRef idx="1">
+            <a:schemeClr val="accent3"/>
+          </a:lnRef>
+          <a:fillRef idx="2">
+            <a:schemeClr val="accent3"/>
+          </a:fillRef>
+          <a:effectRef idx="1">
+            <a:schemeClr val="accent3"/>
+          </a:effectRef>
+          <a:fontRef idx="minor">
+            <a:schemeClr val="dk1"/>
+          </a:fontRef>
+        </p:style>
+        <p:txBody>
+          <a:bodyPr rot="0" spcFirstLastPara="0" vertOverflow="overflow" horzOverflow="overflow" vert="horz" wrap="square" lIns="91440" tIns="45720" rIns="91440" bIns="45720" numCol="1" spcCol="0" rtlCol="0" fromWordArt="0" anchor="ctr" anchorCtr="0" forceAA="0" compatLnSpc="1">
+            <a:prstTxWarp prst="textNoShape">
+              <a:avLst/>
+            </a:prstTxWarp>
             <a:noAutofit/>
           </a:bodyPr>
-          <a:lstStyle>
-            <a:lvl1pPr defTabSz="457200" eaLnBrk="1" latinLnBrk="0" hangingPunct="1">
+          <a:lstStyle/>
+          <a:p>
+            <a:pPr algn="ctr"/>
+            <a:r>
+              <a:rPr lang="de-DE" sz="2000" dirty="0" smtClean="0"/>
+              <a:t>Sprint 1</a:t>
+            </a:r>
+            <a:endParaRPr lang="de-DE" sz="2000" dirty="0"/>
+          </a:p>
+        </p:txBody>
+      </p:sp>
+      <p:cxnSp>
+        <p:nvCxnSpPr>
+          <p:cNvPr id="11" name="Gerade Verbindung mit Pfeil 10"/>
+          <p:cNvCxnSpPr/>
+          <p:nvPr/>
+        </p:nvCxnSpPr>
+        <p:spPr>
+          <a:xfrm>
+            <a:off x="1835696" y="1707654"/>
+            <a:ext cx="504056" cy="0"/>
+          </a:xfrm>
+          <a:prstGeom prst="straightConnector1">
+            <a:avLst/>
+          </a:prstGeom>
+          <a:ln>
+            <a:tailEnd type="arrow"/>
+          </a:ln>
+        </p:spPr>
+        <p:style>
+          <a:lnRef idx="2">
+            <a:schemeClr val="accent1"/>
+          </a:lnRef>
+          <a:fillRef idx="0">
+            <a:schemeClr val="accent1"/>
+          </a:fillRef>
+          <a:effectRef idx="1">
+            <a:schemeClr val="accent1"/>
+          </a:effectRef>
+          <a:fontRef idx="minor">
+            <a:schemeClr val="tx1"/>
+          </a:fontRef>
+        </p:style>
+      </p:cxnSp>
+      <p:sp>
+        <p:nvSpPr>
+          <p:cNvPr id="15" name="Rechteck 14"/>
+          <p:cNvSpPr/>
+          <p:nvPr/>
+        </p:nvSpPr>
+        <p:spPr>
+          <a:xfrm>
+            <a:off x="2483768" y="1419622"/>
+            <a:ext cx="1080120" cy="576064"/>
+          </a:xfrm>
+          <a:prstGeom prst="rect">
+            <a:avLst/>
+          </a:prstGeom>
+          <a:noFill/>
+          <a:ln>
+            <a:noFill/>
+          </a:ln>
+          <a:effectLst/>
+          <a:scene3d>
+            <a:camera prst="orthographicFront">
+              <a:rot lat="0" lon="0" rev="0"/>
+            </a:camera>
+            <a:lightRig rig="chilly" dir="t">
+              <a:rot lat="0" lon="0" rev="18480000"/>
+            </a:lightRig>
+          </a:scene3d>
+          <a:sp3d prstMaterial="clear">
+            <a:bevelT h="63500"/>
+          </a:sp3d>
+        </p:spPr>
+        <p:style>
+          <a:lnRef idx="1">
+            <a:schemeClr val="accent3"/>
+          </a:lnRef>
+          <a:fillRef idx="2">
+            <a:schemeClr val="accent3"/>
+          </a:fillRef>
+          <a:effectRef idx="1">
+            <a:schemeClr val="accent3"/>
+          </a:effectRef>
+          <a:fontRef idx="minor">
+            <a:schemeClr val="dk1"/>
+          </a:fontRef>
+        </p:style>
+        <p:txBody>
+          <a:bodyPr rot="0" spcFirstLastPara="0" vertOverflow="overflow" horzOverflow="overflow" vert="horz" wrap="square" lIns="91440" tIns="45720" rIns="91440" bIns="45720" numCol="1" spcCol="0" rtlCol="0" fromWordArt="0" anchor="ctr" anchorCtr="0" forceAA="0" compatLnSpc="1">
+            <a:prstTxWarp prst="textNoShape">
+              <a:avLst/>
+            </a:prstTxWarp>
+            <a:noAutofit/>
+          </a:bodyPr>
+          <a:lstStyle/>
+          <a:p>
+            <a:pPr algn="ctr"/>
+            <a:r>
+              <a:rPr lang="de-DE" sz="2000" dirty="0" smtClean="0"/>
+              <a:t>Sprint 2</a:t>
+            </a:r>
+            <a:endParaRPr lang="de-DE" sz="2000" dirty="0"/>
+          </a:p>
+        </p:txBody>
+      </p:sp>
+      <p:cxnSp>
+        <p:nvCxnSpPr>
+          <p:cNvPr id="18" name="Gerade Verbindung mit Pfeil 17"/>
+          <p:cNvCxnSpPr/>
+          <p:nvPr/>
+        </p:nvCxnSpPr>
+        <p:spPr>
+          <a:xfrm>
+            <a:off x="3707904" y="1707654"/>
+            <a:ext cx="504056" cy="0"/>
+          </a:xfrm>
+          <a:prstGeom prst="straightConnector1">
+            <a:avLst/>
+          </a:prstGeom>
+          <a:ln>
+            <a:tailEnd type="arrow"/>
+          </a:ln>
+        </p:spPr>
+        <p:style>
+          <a:lnRef idx="2">
+            <a:schemeClr val="accent1"/>
+          </a:lnRef>
+          <a:fillRef idx="0">
+            <a:schemeClr val="accent1"/>
+          </a:fillRef>
+          <a:effectRef idx="1">
+            <a:schemeClr val="accent1"/>
+          </a:effectRef>
+          <a:fontRef idx="minor">
+            <a:schemeClr val="tx1"/>
+          </a:fontRef>
+        </p:style>
+      </p:cxnSp>
+      <p:sp>
+        <p:nvSpPr>
+          <p:cNvPr id="23" name="Rechteck 22"/>
+          <p:cNvSpPr/>
+          <p:nvPr/>
+        </p:nvSpPr>
+        <p:spPr>
+          <a:xfrm>
+            <a:off x="4355976" y="1419622"/>
+            <a:ext cx="1080120" cy="576064"/>
+          </a:xfrm>
+          <a:prstGeom prst="rect">
+            <a:avLst/>
+          </a:prstGeom>
+          <a:noFill/>
+          <a:ln>
+            <a:noFill/>
+          </a:ln>
+          <a:effectLst/>
+          <a:scene3d>
+            <a:camera prst="orthographicFront">
+              <a:rot lat="0" lon="0" rev="0"/>
+            </a:camera>
+            <a:lightRig rig="chilly" dir="t">
+              <a:rot lat="0" lon="0" rev="18480000"/>
+            </a:lightRig>
+          </a:scene3d>
+          <a:sp3d prstMaterial="clear">
+            <a:bevelT h="63500"/>
+          </a:sp3d>
+        </p:spPr>
+        <p:style>
+          <a:lnRef idx="1">
+            <a:schemeClr val="accent3"/>
+          </a:lnRef>
+          <a:fillRef idx="2">
+            <a:schemeClr val="accent3"/>
+          </a:fillRef>
+          <a:effectRef idx="1">
+            <a:schemeClr val="accent3"/>
+          </a:effectRef>
+          <a:fontRef idx="minor">
+            <a:schemeClr val="dk1"/>
+          </a:fontRef>
+        </p:style>
+        <p:txBody>
+          <a:bodyPr rot="0" spcFirstLastPara="0" vertOverflow="overflow" horzOverflow="overflow" vert="horz" wrap="square" lIns="91440" tIns="45720" rIns="91440" bIns="45720" numCol="1" spcCol="0" rtlCol="0" fromWordArt="0" anchor="ctr" anchorCtr="0" forceAA="0" compatLnSpc="1">
+            <a:prstTxWarp prst="textNoShape">
+              <a:avLst/>
+            </a:prstTxWarp>
+            <a:noAutofit/>
+          </a:bodyPr>
+          <a:lstStyle/>
+          <a:p>
+            <a:pPr algn="ctr"/>
+            <a:r>
+              <a:rPr lang="de-DE" sz="2000" dirty="0" smtClean="0"/>
+              <a:t>Sprint 3</a:t>
+            </a:r>
+            <a:endParaRPr lang="de-DE" sz="2000" dirty="0"/>
+          </a:p>
+        </p:txBody>
+      </p:sp>
+      <p:sp>
+        <p:nvSpPr>
+          <p:cNvPr id="24" name="Pfeil nach unten 23"/>
+          <p:cNvSpPr/>
+          <p:nvPr/>
+        </p:nvSpPr>
+        <p:spPr>
+          <a:xfrm>
+            <a:off x="1979712" y="2067694"/>
+            <a:ext cx="216024" cy="576064"/>
+          </a:xfrm>
+          <a:prstGeom prst="downArrow">
+            <a:avLst/>
+          </a:prstGeom>
+          <a:solidFill>
+            <a:schemeClr val="bg1">
+              <a:lumMod val="75000"/>
+            </a:schemeClr>
+          </a:solidFill>
+          <a:ln>
+            <a:noFill/>
+          </a:ln>
+          <a:effectLst/>
+        </p:spPr>
+        <p:style>
+          <a:lnRef idx="1">
+            <a:schemeClr val="accent3"/>
+          </a:lnRef>
+          <a:fillRef idx="2">
+            <a:schemeClr val="accent3"/>
+          </a:fillRef>
+          <a:effectRef idx="1">
+            <a:schemeClr val="accent3"/>
+          </a:effectRef>
+          <a:fontRef idx="minor">
+            <a:schemeClr val="dk1"/>
+          </a:fontRef>
+        </p:style>
+        <p:txBody>
+          <a:bodyPr rot="0" spcFirstLastPara="0" vertOverflow="overflow" horzOverflow="overflow" vert="horz" wrap="square" lIns="91440" tIns="45720" rIns="91440" bIns="45720" numCol="1" spcCol="0" rtlCol="0" fromWordArt="0" anchor="ctr" anchorCtr="0" forceAA="0" compatLnSpc="1">
+            <a:prstTxWarp prst="textNoShape">
+              <a:avLst/>
+            </a:prstTxWarp>
+            <a:noAutofit/>
+          </a:bodyPr>
+          <a:lstStyle/>
+          <a:p>
+            <a:pPr algn="ctr"/>
+            <a:endParaRPr lang="de-DE"/>
+          </a:p>
+        </p:txBody>
+      </p:sp>
+      <p:sp>
+        <p:nvSpPr>
+          <p:cNvPr id="25" name="Pfeil nach unten 24"/>
+          <p:cNvSpPr/>
+          <p:nvPr/>
+        </p:nvSpPr>
+        <p:spPr>
+          <a:xfrm>
+            <a:off x="3851920" y="2067694"/>
+            <a:ext cx="216024" cy="576064"/>
+          </a:xfrm>
+          <a:prstGeom prst="downArrow">
+            <a:avLst/>
+          </a:prstGeom>
+          <a:solidFill>
+            <a:schemeClr val="bg1">
+              <a:lumMod val="75000"/>
+            </a:schemeClr>
+          </a:solidFill>
+          <a:ln>
+            <a:noFill/>
+          </a:ln>
+          <a:effectLst/>
+        </p:spPr>
+        <p:style>
+          <a:lnRef idx="1">
+            <a:schemeClr val="accent3"/>
+          </a:lnRef>
+          <a:fillRef idx="2">
+            <a:schemeClr val="accent3"/>
+          </a:fillRef>
+          <a:effectRef idx="1">
+            <a:schemeClr val="accent3"/>
+          </a:effectRef>
+          <a:fontRef idx="minor">
+            <a:schemeClr val="dk1"/>
+          </a:fontRef>
+        </p:style>
+        <p:txBody>
+          <a:bodyPr rot="0" spcFirstLastPara="0" vertOverflow="overflow" horzOverflow="overflow" vert="horz" wrap="square" lIns="91440" tIns="45720" rIns="91440" bIns="45720" numCol="1" spcCol="0" rtlCol="0" fromWordArt="0" anchor="ctr" anchorCtr="0" forceAA="0" compatLnSpc="1">
+            <a:prstTxWarp prst="textNoShape">
+              <a:avLst/>
+            </a:prstTxWarp>
+            <a:noAutofit/>
+          </a:bodyPr>
+          <a:lstStyle/>
+          <a:p>
+            <a:pPr algn="ctr"/>
+            <a:endParaRPr lang="de-DE"/>
+          </a:p>
+        </p:txBody>
+      </p:sp>
+      <p:cxnSp>
+        <p:nvCxnSpPr>
+          <p:cNvPr id="30" name="Gerade Verbindung mit Pfeil 29"/>
+          <p:cNvCxnSpPr/>
+          <p:nvPr/>
+        </p:nvCxnSpPr>
+        <p:spPr>
+          <a:xfrm>
+            <a:off x="611560" y="3147814"/>
+            <a:ext cx="4896544" cy="0"/>
+          </a:xfrm>
+          <a:prstGeom prst="straightConnector1">
+            <a:avLst/>
+          </a:prstGeom>
+          <a:ln>
+            <a:tailEnd type="arrow"/>
+          </a:ln>
+        </p:spPr>
+        <p:style>
+          <a:lnRef idx="2">
+            <a:schemeClr val="accent1"/>
+          </a:lnRef>
+          <a:fillRef idx="0">
+            <a:schemeClr val="accent1"/>
+          </a:fillRef>
+          <a:effectRef idx="1">
+            <a:schemeClr val="accent1"/>
+          </a:effectRef>
+          <a:fontRef idx="minor">
+            <a:schemeClr val="tx1"/>
+          </a:fontRef>
+        </p:style>
+      </p:cxnSp>
+      <p:sp>
+        <p:nvSpPr>
+          <p:cNvPr id="32" name="Textfeld 31"/>
+          <p:cNvSpPr txBox="1"/>
+          <p:nvPr/>
+        </p:nvSpPr>
+        <p:spPr>
+          <a:xfrm>
+            <a:off x="251520" y="3291830"/>
+            <a:ext cx="720080" cy="369332"/>
+          </a:xfrm>
+          <a:prstGeom prst="rect">
+            <a:avLst/>
+          </a:prstGeom>
+          <a:noFill/>
+        </p:spPr>
+        <p:txBody>
+          <a:bodyPr wrap="square" rtlCol="0">
+            <a:spAutoFit/>
+          </a:bodyPr>
+          <a:lstStyle/>
+          <a:p>
+            <a:r>
+              <a:rPr lang="de-DE" sz="1100" b="1" dirty="0" smtClean="0">
+                <a:latin typeface="+mn-lt"/>
+              </a:rPr>
+              <a:t>11.10.19</a:t>
+            </a:r>
+            <a:r>
+              <a:rPr lang="de-DE" dirty="0" smtClean="0">
+                <a:latin typeface="+mn-lt"/>
+              </a:rPr>
+              <a:t> </a:t>
+            </a:r>
+            <a:endParaRPr lang="de-DE" dirty="0">
+              <a:latin typeface="+mn-lt"/>
+            </a:endParaRPr>
+          </a:p>
+        </p:txBody>
+      </p:sp>
+      <p:sp>
+        <p:nvSpPr>
+          <p:cNvPr id="33" name="Textfeld 32"/>
+          <p:cNvSpPr txBox="1"/>
+          <p:nvPr/>
+        </p:nvSpPr>
+        <p:spPr>
+          <a:xfrm>
+            <a:off x="1691680" y="3363838"/>
+            <a:ext cx="720080" cy="261610"/>
+          </a:xfrm>
+          <a:prstGeom prst="rect">
+            <a:avLst/>
+          </a:prstGeom>
+          <a:noFill/>
+        </p:spPr>
+        <p:txBody>
+          <a:bodyPr wrap="square" rtlCol="0">
+            <a:spAutoFit/>
+          </a:bodyPr>
+          <a:lstStyle/>
+          <a:p>
+            <a:r>
+              <a:rPr lang="de-DE" sz="1100" b="1" dirty="0" smtClean="0">
+                <a:latin typeface="+mn-lt"/>
+              </a:rPr>
+              <a:t>15.11.19</a:t>
+            </a:r>
+            <a:endParaRPr lang="de-DE" sz="1100" b="1" dirty="0">
+              <a:latin typeface="+mn-lt"/>
+            </a:endParaRPr>
+          </a:p>
+        </p:txBody>
+      </p:sp>
+      <p:sp>
+        <p:nvSpPr>
+          <p:cNvPr id="35" name="Textfeld 34"/>
+          <p:cNvSpPr txBox="1"/>
+          <p:nvPr/>
+        </p:nvSpPr>
+        <p:spPr>
+          <a:xfrm>
+            <a:off x="3563888" y="3363838"/>
+            <a:ext cx="792088" cy="261610"/>
+          </a:xfrm>
+          <a:prstGeom prst="rect">
+            <a:avLst/>
+          </a:prstGeom>
+          <a:noFill/>
+        </p:spPr>
+        <p:txBody>
+          <a:bodyPr wrap="square" rtlCol="0">
+            <a:spAutoFit/>
+          </a:bodyPr>
+          <a:lstStyle/>
+          <a:p>
+            <a:r>
+              <a:rPr lang="de-DE" sz="1100" b="1" dirty="0" smtClean="0">
+                <a:latin typeface="+mn-lt"/>
+              </a:rPr>
+              <a:t>20.12.19</a:t>
+            </a:r>
+            <a:endParaRPr lang="de-DE" sz="1100" b="1" dirty="0">
+              <a:latin typeface="+mn-lt"/>
+            </a:endParaRPr>
+          </a:p>
+        </p:txBody>
+      </p:sp>
+      <p:sp>
+        <p:nvSpPr>
+          <p:cNvPr id="36" name="Textfeld 35"/>
+          <p:cNvSpPr txBox="1"/>
+          <p:nvPr/>
+        </p:nvSpPr>
+        <p:spPr>
+          <a:xfrm>
+            <a:off x="5220072" y="3363838"/>
+            <a:ext cx="720080" cy="261610"/>
+          </a:xfrm>
+          <a:prstGeom prst="rect">
+            <a:avLst/>
+          </a:prstGeom>
+          <a:noFill/>
+        </p:spPr>
+        <p:txBody>
+          <a:bodyPr wrap="square" rtlCol="0">
+            <a:spAutoFit/>
+          </a:bodyPr>
+          <a:lstStyle/>
+          <a:p>
+            <a:r>
+              <a:rPr lang="de-DE" sz="1100" b="1" dirty="0" smtClean="0">
+                <a:latin typeface="+mn-lt"/>
+              </a:rPr>
+              <a:t>30.01.20</a:t>
+            </a:r>
+            <a:endParaRPr lang="de-DE" sz="1100" b="1" dirty="0">
+              <a:latin typeface="+mn-lt"/>
+            </a:endParaRPr>
+          </a:p>
+        </p:txBody>
+      </p:sp>
+      <p:sp>
+        <p:nvSpPr>
+          <p:cNvPr id="37" name="Textfeld 36"/>
+          <p:cNvSpPr txBox="1"/>
+          <p:nvPr/>
+        </p:nvSpPr>
+        <p:spPr>
+          <a:xfrm>
+            <a:off x="1619672" y="2787774"/>
+            <a:ext cx="1152128" cy="276999"/>
+          </a:xfrm>
+          <a:prstGeom prst="rect">
+            <a:avLst/>
+          </a:prstGeom>
+          <a:noFill/>
+        </p:spPr>
+        <p:txBody>
+          <a:bodyPr wrap="square" rtlCol="0">
+            <a:spAutoFit/>
+          </a:bodyPr>
+          <a:lstStyle/>
+          <a:p>
+            <a:r>
+              <a:rPr lang="de-DE" sz="1200" b="1" dirty="0" smtClean="0">
+                <a:solidFill>
+                  <a:schemeClr val="bg2"/>
+                </a:solidFill>
+                <a:latin typeface="+mn-lt"/>
+              </a:rPr>
+              <a:t>Meilenstein 1 </a:t>
+            </a:r>
+          </a:p>
+        </p:txBody>
+      </p:sp>
+      <p:sp>
+        <p:nvSpPr>
+          <p:cNvPr id="38" name="Textfeld 37"/>
+          <p:cNvSpPr txBox="1"/>
+          <p:nvPr/>
+        </p:nvSpPr>
+        <p:spPr>
+          <a:xfrm>
+            <a:off x="3419872" y="2787774"/>
+            <a:ext cx="1152128" cy="276999"/>
+          </a:xfrm>
+          <a:prstGeom prst="rect">
+            <a:avLst/>
+          </a:prstGeom>
+          <a:noFill/>
+        </p:spPr>
+        <p:txBody>
+          <a:bodyPr wrap="square" rtlCol="0">
+            <a:spAutoFit/>
+          </a:bodyPr>
+          <a:lstStyle/>
+          <a:p>
+            <a:r>
+              <a:rPr lang="de-DE" sz="1200" b="1" dirty="0" smtClean="0">
+                <a:solidFill>
+                  <a:schemeClr val="bg2"/>
+                </a:solidFill>
+                <a:latin typeface="+mn-lt"/>
+              </a:rPr>
+              <a:t>Meilenstein 2</a:t>
+            </a:r>
+            <a:endParaRPr lang="de-DE" sz="1200" b="1" dirty="0">
+              <a:solidFill>
+                <a:schemeClr val="bg2"/>
+              </a:solidFill>
+              <a:latin typeface="+mn-lt"/>
+            </a:endParaRPr>
+          </a:p>
+        </p:txBody>
+      </p:sp>
+      <p:sp>
+        <p:nvSpPr>
+          <p:cNvPr id="39" name="Textfeld 38"/>
+          <p:cNvSpPr txBox="1"/>
+          <p:nvPr/>
+        </p:nvSpPr>
+        <p:spPr>
+          <a:xfrm>
+            <a:off x="6156176" y="1995686"/>
+            <a:ext cx="2736304" cy="923330"/>
+          </a:xfrm>
+          <a:prstGeom prst="rect">
+            <a:avLst/>
+          </a:prstGeom>
+          <a:noFill/>
+        </p:spPr>
+        <p:txBody>
+          <a:bodyPr wrap="square" rtlCol="0">
+            <a:spAutoFit/>
+          </a:bodyPr>
+          <a:lstStyle/>
+          <a:p>
+            <a:r>
+              <a:rPr lang="de-DE" dirty="0" smtClean="0">
+                <a:latin typeface="+mn-lt"/>
+              </a:rPr>
+              <a:t>Sprint 1 = 15 Vorgänge</a:t>
+            </a:r>
+          </a:p>
+          <a:p>
+            <a:r>
+              <a:rPr lang="de-DE" dirty="0" smtClean="0">
+                <a:latin typeface="+mn-lt"/>
+              </a:rPr>
+              <a:t>Sprint 2 = 11 Vorgänge</a:t>
+            </a:r>
+          </a:p>
+          <a:p>
+            <a:r>
+              <a:rPr lang="de-DE" dirty="0" smtClean="0">
+                <a:latin typeface="+mn-lt"/>
+              </a:rPr>
+              <a:t>Sprint 3 = 2 Vorgänge </a:t>
+            </a:r>
+            <a:endParaRPr lang="de-DE" dirty="0">
+              <a:latin typeface="+mn-lt"/>
+            </a:endParaRPr>
+          </a:p>
+        </p:txBody>
+      </p:sp>
+      <p:cxnSp>
+        <p:nvCxnSpPr>
+          <p:cNvPr id="43" name="Gerade Verbindung mit Pfeil 42"/>
+          <p:cNvCxnSpPr/>
+          <p:nvPr/>
+        </p:nvCxnSpPr>
+        <p:spPr>
+          <a:xfrm flipH="1" flipV="1">
+            <a:off x="4067944" y="3651870"/>
+            <a:ext cx="864096" cy="720080"/>
+          </a:xfrm>
+          <a:prstGeom prst="straightConnector1">
+            <a:avLst/>
+          </a:prstGeom>
+          <a:ln>
+            <a:tailEnd type="arrow"/>
+          </a:ln>
+        </p:spPr>
+        <p:style>
+          <a:lnRef idx="2">
+            <a:schemeClr val="accent1"/>
+          </a:lnRef>
+          <a:fillRef idx="0">
+            <a:schemeClr val="accent1"/>
+          </a:fillRef>
+          <a:effectRef idx="1">
+            <a:schemeClr val="accent1"/>
+          </a:effectRef>
+          <a:fontRef idx="minor">
+            <a:schemeClr val="tx1"/>
+          </a:fontRef>
+        </p:style>
+      </p:cxnSp>
+      <p:sp>
+        <p:nvSpPr>
+          <p:cNvPr id="44" name="Textfeld 43"/>
+          <p:cNvSpPr txBox="1"/>
+          <p:nvPr/>
+        </p:nvSpPr>
+        <p:spPr>
+          <a:xfrm>
+            <a:off x="4788024" y="4443958"/>
+            <a:ext cx="1224136" cy="338554"/>
+          </a:xfrm>
+          <a:prstGeom prst="rect">
+            <a:avLst/>
+          </a:prstGeom>
+          <a:noFill/>
+        </p:spPr>
+        <p:txBody>
+          <a:bodyPr wrap="square" rtlCol="0">
+            <a:spAutoFit/>
+          </a:bodyPr>
+          <a:lstStyle/>
+          <a:p>
+            <a:r>
+              <a:rPr lang="de-DE" sz="1600" b="1" dirty="0" smtClean="0">
+                <a:solidFill>
+                  <a:srgbClr val="FF0000"/>
+                </a:solidFill>
+                <a:latin typeface="+mn-lt"/>
+              </a:rPr>
+              <a:t>End</a:t>
+            </a:r>
+            <a:r>
+              <a:rPr lang="de-DE" sz="1600" b="1" dirty="0" smtClean="0">
+                <a:solidFill>
+                  <a:srgbClr val="FF0000"/>
+                </a:solidFill>
+                <a:latin typeface="+mn-lt"/>
+              </a:rPr>
+              <a:t>ergebnis</a:t>
+            </a:r>
+            <a:endParaRPr lang="de-DE" sz="1600" b="1" dirty="0">
+              <a:solidFill>
+                <a:srgbClr val="FF0000"/>
+              </a:solidFill>
+              <a:latin typeface="+mn-lt"/>
+            </a:endParaRPr>
+          </a:p>
+        </p:txBody>
+      </p:sp>
+    </p:spTree>
+  </p:cSld>
+  <p:clrMapOvr>
+    <a:masterClrMapping/>
+  </p:clrMapOvr>
+  <p:transition>
+    <p:fade/>
+  </p:transition>
+</p:sld>
+</file>
+
+<file path=ppt/slides/slide12.xml><?xml version="1.0" encoding="utf-8"?>
+<p:sld xmlns:a="http://schemas.openxmlformats.org/drawingml/2006/main" xmlns:r="http://schemas.openxmlformats.org/officeDocument/2006/relationships" xmlns:p="http://schemas.openxmlformats.org/presentationml/2006/main">
+  <p:cSld>
+    <p:spTree>
+      <p:nvGrpSpPr>
+        <p:cNvPr id="1" name=""/>
+        <p:cNvGrpSpPr/>
+        <p:nvPr/>
+      </p:nvGrpSpPr>
+      <p:grpSpPr>
+        <a:xfrm>
+          <a:off x="0" y="0"/>
+          <a:ext cx="0" cy="0"/>
+          <a:chOff x="0" y="0"/>
+          <a:chExt cx="0" cy="0"/>
+        </a:xfrm>
+      </p:grpSpPr>
+      <p:sp>
+        <p:nvSpPr>
+          <p:cNvPr id="2" name="Inhaltsplatzhalter 1"/>
+          <p:cNvSpPr>
+            <a:spLocks noGrp="1"/>
+          </p:cNvSpPr>
+          <p:nvPr>
+            <p:ph sz="quarter" idx="14"/>
+          </p:nvPr>
+        </p:nvSpPr>
+        <p:spPr>
+          <a:xfrm>
+            <a:off x="395536" y="1059582"/>
+            <a:ext cx="8334464" cy="3600000"/>
+          </a:xfrm>
+        </p:spPr>
+        <p:txBody>
+          <a:bodyPr/>
+          <a:lstStyle/>
+          <a:p>
+            <a:r>
+              <a:rPr lang="de-DE" sz="2800" dirty="0" smtClean="0"/>
+              <a:t>Multiple Choice &amp; Textfelder</a:t>
+            </a:r>
+          </a:p>
+          <a:p>
+            <a:r>
+              <a:rPr lang="de-DE" sz="2800" dirty="0" smtClean="0"/>
+              <a:t>Tests &amp; Stellen durch Datenbank (ausgelagert)</a:t>
+            </a:r>
+          </a:p>
+          <a:p>
+            <a:r>
+              <a:rPr lang="de-DE" sz="2800" dirty="0" smtClean="0"/>
+              <a:t>Stellenauswahl mit Drop-Down</a:t>
+            </a:r>
+          </a:p>
+          <a:p>
+            <a:r>
+              <a:rPr lang="de-DE" sz="2800" dirty="0" smtClean="0"/>
+              <a:t>Seite zwischen ID-Eingabe &amp; Test</a:t>
+            </a:r>
+          </a:p>
+          <a:p>
+            <a:r>
+              <a:rPr lang="de-DE" sz="2800" dirty="0" smtClean="0"/>
+              <a:t>Reiter für Fragen</a:t>
+            </a:r>
+          </a:p>
+          <a:p>
+            <a:r>
+              <a:rPr lang="de-DE" sz="2800" dirty="0" smtClean="0"/>
+              <a:t>Fragen + passende Antworten in Auswertung</a:t>
+            </a:r>
+            <a:endParaRPr lang="de-DE" sz="2800" dirty="0"/>
+          </a:p>
+        </p:txBody>
+      </p:sp>
+      <p:sp>
+        <p:nvSpPr>
+          <p:cNvPr id="4" name="Titel 3"/>
+          <p:cNvSpPr>
+            <a:spLocks noGrp="1"/>
+          </p:cNvSpPr>
+          <p:nvPr>
+            <p:ph type="title"/>
+          </p:nvPr>
+        </p:nvSpPr>
+        <p:spPr/>
+        <p:txBody>
+          <a:bodyPr/>
+          <a:lstStyle/>
+          <a:p>
+            <a:r>
+              <a:rPr lang="de-DE" dirty="0" smtClean="0"/>
+              <a:t>Lösungsänderung</a:t>
+            </a:r>
+            <a:endParaRPr lang="de-DE" dirty="0"/>
+          </a:p>
+        </p:txBody>
+      </p:sp>
+      <p:sp>
+        <p:nvSpPr>
+          <p:cNvPr id="6" name="Foliennummernplatzhalter 5"/>
+          <p:cNvSpPr>
+            <a:spLocks noGrp="1"/>
+          </p:cNvSpPr>
+          <p:nvPr>
+            <p:ph type="sldNum" sz="quarter" idx="4"/>
+          </p:nvPr>
+        </p:nvSpPr>
+        <p:spPr/>
+        <p:txBody>
+          <a:bodyPr/>
+          <a:lstStyle/>
+          <a:p>
+            <a:fld id="{6D784071-5E4C-448F-9B88-494260B2190C}" type="slidenum">
+              <a:rPr lang="de-DE" smtClean="0"/>
+              <a:pPr/>
+              <a:t>12</a:t>
+            </a:fld>
+            <a:endParaRPr lang="de-DE"/>
+          </a:p>
+        </p:txBody>
+      </p:sp>
+    </p:spTree>
+  </p:cSld>
+  <p:clrMapOvr>
+    <a:masterClrMapping/>
+  </p:clrMapOvr>
+  <p:transition>
+    <p:fade/>
+  </p:transition>
+</p:sld>
+</file>
+
+<file path=ppt/slides/slide13.xml><?xml version="1.0" encoding="utf-8"?>
+<p:sld xmlns:a="http://schemas.openxmlformats.org/drawingml/2006/main" xmlns:r="http://schemas.openxmlformats.org/officeDocument/2006/relationships" xmlns:p="http://schemas.openxmlformats.org/presentationml/2006/main">
+  <p:cSld>
+    <p:spTree>
+      <p:nvGrpSpPr>
+        <p:cNvPr id="1" name=""/>
+        <p:cNvGrpSpPr/>
+        <p:nvPr/>
+      </p:nvGrpSpPr>
+      <p:grpSpPr>
+        <a:xfrm>
+          <a:off x="0" y="0"/>
+          <a:ext cx="0" cy="0"/>
+          <a:chOff x="0" y="0"/>
+          <a:chExt cx="0" cy="0"/>
+        </a:xfrm>
+      </p:grpSpPr>
+      <p:pic>
+        <p:nvPicPr>
+          <p:cNvPr id="7" name="Inhaltsplatzhalter 6" descr="WhatsApp Image 2019-12-19 at 18.54.47 (1).jpeg"/>
+          <p:cNvPicPr>
+            <a:picLocks noGrp="1" noChangeAspect="1"/>
+          </p:cNvPicPr>
+          <p:nvPr>
+            <p:ph sz="quarter" idx="14"/>
+          </p:nvPr>
+        </p:nvPicPr>
+        <p:blipFill>
+          <a:blip r:embed="rId2" cstate="print"/>
+          <a:stretch>
+            <a:fillRect/>
+          </a:stretch>
+        </p:blipFill>
+        <p:spPr>
+          <a:xfrm>
+            <a:off x="1381125" y="1008063"/>
+            <a:ext cx="6400800" cy="3600450"/>
+          </a:xfrm>
+        </p:spPr>
+      </p:pic>
+      <p:sp>
+        <p:nvSpPr>
+          <p:cNvPr id="4" name="Titel 3"/>
+          <p:cNvSpPr>
+            <a:spLocks noGrp="1"/>
+          </p:cNvSpPr>
+          <p:nvPr>
+            <p:ph type="title"/>
+          </p:nvPr>
+        </p:nvSpPr>
+        <p:spPr/>
+        <p:txBody>
+          <a:bodyPr/>
+          <a:lstStyle/>
+          <a:p>
+            <a:r>
+              <a:rPr lang="de-DE" dirty="0" err="1" smtClean="0"/>
+              <a:t>EndErgebnis</a:t>
+            </a:r>
+            <a:r>
+              <a:rPr lang="de-DE" dirty="0" smtClean="0"/>
+              <a:t> - Stellenauswahl</a:t>
+            </a:r>
+            <a:endParaRPr lang="de-DE" dirty="0"/>
+          </a:p>
+        </p:txBody>
+      </p:sp>
+      <p:sp>
+        <p:nvSpPr>
+          <p:cNvPr id="6" name="Foliennummernplatzhalter 5"/>
+          <p:cNvSpPr>
+            <a:spLocks noGrp="1"/>
+          </p:cNvSpPr>
+          <p:nvPr>
+            <p:ph type="sldNum" sz="quarter" idx="4"/>
+          </p:nvPr>
+        </p:nvSpPr>
+        <p:spPr/>
+        <p:txBody>
+          <a:bodyPr/>
+          <a:lstStyle/>
+          <a:p>
+            <a:fld id="{6D784071-5E4C-448F-9B88-494260B2190C}" type="slidenum">
+              <a:rPr lang="de-DE" smtClean="0"/>
+              <a:pPr/>
+              <a:t>13</a:t>
+            </a:fld>
+            <a:endParaRPr lang="de-DE"/>
+          </a:p>
+        </p:txBody>
+      </p:sp>
+    </p:spTree>
+  </p:cSld>
+  <p:clrMapOvr>
+    <a:masterClrMapping/>
+  </p:clrMapOvr>
+  <p:transition>
+    <p:fade/>
+  </p:transition>
+</p:sld>
+</file>
+
+<file path=ppt/slides/slide14.xml><?xml version="1.0" encoding="utf-8"?>
+<p:sld xmlns:a="http://schemas.openxmlformats.org/drawingml/2006/main" xmlns:r="http://schemas.openxmlformats.org/officeDocument/2006/relationships" xmlns:p="http://schemas.openxmlformats.org/presentationml/2006/main">
+  <p:cSld>
+    <p:spTree>
+      <p:nvGrpSpPr>
+        <p:cNvPr id="1" name=""/>
+        <p:cNvGrpSpPr/>
+        <p:nvPr/>
+      </p:nvGrpSpPr>
+      <p:grpSpPr>
+        <a:xfrm>
+          <a:off x="0" y="0"/>
+          <a:ext cx="0" cy="0"/>
+          <a:chOff x="0" y="0"/>
+          <a:chExt cx="0" cy="0"/>
+        </a:xfrm>
+      </p:grpSpPr>
+      <p:pic>
+        <p:nvPicPr>
+          <p:cNvPr id="7" name="Inhaltsplatzhalter 6" descr="WhatsApp Image 2019-12-19 at 18.54.47 (2).jpeg"/>
+          <p:cNvPicPr>
+            <a:picLocks noGrp="1" noChangeAspect="1"/>
+          </p:cNvPicPr>
+          <p:nvPr>
+            <p:ph sz="quarter" idx="14"/>
+          </p:nvPr>
+        </p:nvPicPr>
+        <p:blipFill>
+          <a:blip r:embed="rId2" cstate="print"/>
+          <a:stretch>
+            <a:fillRect/>
+          </a:stretch>
+        </p:blipFill>
+        <p:spPr>
+          <a:xfrm>
+            <a:off x="1416844" y="1008063"/>
+            <a:ext cx="6400800" cy="3600450"/>
+          </a:xfrm>
+        </p:spPr>
+      </p:pic>
+      <p:sp>
+        <p:nvSpPr>
+          <p:cNvPr id="4" name="Titel 3"/>
+          <p:cNvSpPr>
+            <a:spLocks noGrp="1"/>
+          </p:cNvSpPr>
+          <p:nvPr>
+            <p:ph type="title"/>
+          </p:nvPr>
+        </p:nvSpPr>
+        <p:spPr/>
+        <p:txBody>
+          <a:bodyPr/>
+          <a:lstStyle/>
+          <a:p>
+            <a:r>
+              <a:rPr lang="de-DE" dirty="0" smtClean="0"/>
+              <a:t>Endergebnis – Eingabe ID</a:t>
+            </a:r>
+            <a:endParaRPr lang="de-DE" dirty="0"/>
+          </a:p>
+        </p:txBody>
+      </p:sp>
+      <p:sp>
+        <p:nvSpPr>
+          <p:cNvPr id="6" name="Foliennummernplatzhalter 5"/>
+          <p:cNvSpPr>
+            <a:spLocks noGrp="1"/>
+          </p:cNvSpPr>
+          <p:nvPr>
+            <p:ph type="sldNum" sz="quarter" idx="4"/>
+          </p:nvPr>
+        </p:nvSpPr>
+        <p:spPr/>
+        <p:txBody>
+          <a:bodyPr/>
+          <a:lstStyle/>
+          <a:p>
+            <a:fld id="{6D784071-5E4C-448F-9B88-494260B2190C}" type="slidenum">
+              <a:rPr lang="de-DE" smtClean="0"/>
+              <a:pPr/>
+              <a:t>14</a:t>
+            </a:fld>
+            <a:endParaRPr lang="de-DE"/>
+          </a:p>
+        </p:txBody>
+      </p:sp>
+    </p:spTree>
+  </p:cSld>
+  <p:clrMapOvr>
+    <a:masterClrMapping/>
+  </p:clrMapOvr>
+  <p:transition>
+    <p:fade/>
+  </p:transition>
+</p:sld>
+</file>
+
+<file path=ppt/slides/slide15.xml><?xml version="1.0" encoding="utf-8"?>
+<p:sld xmlns:a="http://schemas.openxmlformats.org/drawingml/2006/main" xmlns:r="http://schemas.openxmlformats.org/officeDocument/2006/relationships" xmlns:p="http://schemas.openxmlformats.org/presentationml/2006/main">
+  <p:cSld>
+    <p:spTree>
+      <p:nvGrpSpPr>
+        <p:cNvPr id="1" name=""/>
+        <p:cNvGrpSpPr/>
+        <p:nvPr/>
+      </p:nvGrpSpPr>
+      <p:grpSpPr>
+        <a:xfrm>
+          <a:off x="0" y="0"/>
+          <a:ext cx="0" cy="0"/>
+          <a:chOff x="0" y="0"/>
+          <a:chExt cx="0" cy="0"/>
+        </a:xfrm>
+      </p:grpSpPr>
+      <p:pic>
+        <p:nvPicPr>
+          <p:cNvPr id="7" name="Inhaltsplatzhalter 6" descr="WhatsApp Image 2019-12-19 at 18.54.47 (3).jpeg"/>
+          <p:cNvPicPr>
+            <a:picLocks noGrp="1" noChangeAspect="1"/>
+          </p:cNvPicPr>
+          <p:nvPr>
+            <p:ph sz="quarter" idx="14"/>
+          </p:nvPr>
+        </p:nvPicPr>
+        <p:blipFill>
+          <a:blip r:embed="rId2" cstate="print"/>
+          <a:stretch>
+            <a:fillRect/>
+          </a:stretch>
+        </p:blipFill>
+        <p:spPr>
+          <a:xfrm>
+            <a:off x="1381125" y="1008063"/>
+            <a:ext cx="6400800" cy="3600450"/>
+          </a:xfrm>
+        </p:spPr>
+      </p:pic>
+      <p:sp>
+        <p:nvSpPr>
+          <p:cNvPr id="4" name="Titel 3"/>
+          <p:cNvSpPr>
+            <a:spLocks noGrp="1"/>
+          </p:cNvSpPr>
+          <p:nvPr>
+            <p:ph type="title"/>
+          </p:nvPr>
+        </p:nvSpPr>
+        <p:spPr/>
+        <p:txBody>
+          <a:bodyPr/>
+          <a:lstStyle/>
+          <a:p>
+            <a:r>
+              <a:rPr lang="de-DE" dirty="0" smtClean="0"/>
+              <a:t>Endergebnis – Seite zwischen ID-Eingabe &amp; Test </a:t>
+            </a:r>
+            <a:endParaRPr lang="de-DE" dirty="0"/>
+          </a:p>
+        </p:txBody>
+      </p:sp>
+      <p:sp>
+        <p:nvSpPr>
+          <p:cNvPr id="6" name="Foliennummernplatzhalter 5"/>
+          <p:cNvSpPr>
+            <a:spLocks noGrp="1"/>
+          </p:cNvSpPr>
+          <p:nvPr>
+            <p:ph type="sldNum" sz="quarter" idx="4"/>
+          </p:nvPr>
+        </p:nvSpPr>
+        <p:spPr/>
+        <p:txBody>
+          <a:bodyPr/>
+          <a:lstStyle/>
+          <a:p>
+            <a:fld id="{6D784071-5E4C-448F-9B88-494260B2190C}" type="slidenum">
+              <a:rPr lang="de-DE" smtClean="0"/>
+              <a:pPr/>
+              <a:t>15</a:t>
+            </a:fld>
+            <a:endParaRPr lang="de-DE"/>
+          </a:p>
+        </p:txBody>
+      </p:sp>
+    </p:spTree>
+  </p:cSld>
+  <p:clrMapOvr>
+    <a:masterClrMapping/>
+  </p:clrMapOvr>
+  <p:transition>
+    <p:fade/>
+  </p:transition>
+</p:sld>
+</file>
+
+<file path=ppt/slides/slide16.xml><?xml version="1.0" encoding="utf-8"?>
+<p:sld xmlns:a="http://schemas.openxmlformats.org/drawingml/2006/main" xmlns:r="http://schemas.openxmlformats.org/officeDocument/2006/relationships" xmlns:p="http://schemas.openxmlformats.org/presentationml/2006/main">
+  <p:cSld>
+    <p:spTree>
+      <p:nvGrpSpPr>
+        <p:cNvPr id="1" name=""/>
+        <p:cNvGrpSpPr/>
+        <p:nvPr/>
+      </p:nvGrpSpPr>
+      <p:grpSpPr>
+        <a:xfrm>
+          <a:off x="0" y="0"/>
+          <a:ext cx="0" cy="0"/>
+          <a:chOff x="0" y="0"/>
+          <a:chExt cx="0" cy="0"/>
+        </a:xfrm>
+      </p:grpSpPr>
+      <p:pic>
+        <p:nvPicPr>
+          <p:cNvPr id="7" name="Inhaltsplatzhalter 6" descr="WhatsApp Image 2019-12-19 at 18.54.46.jpeg"/>
+          <p:cNvPicPr>
+            <a:picLocks noGrp="1" noChangeAspect="1"/>
+          </p:cNvPicPr>
+          <p:nvPr>
+            <p:ph sz="quarter" idx="14"/>
+          </p:nvPr>
+        </p:nvPicPr>
+        <p:blipFill>
+          <a:blip r:embed="rId2" cstate="print"/>
+          <a:stretch>
+            <a:fillRect/>
+          </a:stretch>
+        </p:blipFill>
+        <p:spPr>
+          <a:xfrm>
+            <a:off x="1381125" y="1008063"/>
+            <a:ext cx="6400800" cy="3600450"/>
+          </a:xfrm>
+        </p:spPr>
+      </p:pic>
+      <p:sp>
+        <p:nvSpPr>
+          <p:cNvPr id="4" name="Titel 3"/>
+          <p:cNvSpPr>
+            <a:spLocks noGrp="1"/>
+          </p:cNvSpPr>
+          <p:nvPr>
+            <p:ph type="title"/>
+          </p:nvPr>
+        </p:nvSpPr>
+        <p:spPr/>
+        <p:txBody>
+          <a:bodyPr/>
+          <a:lstStyle/>
+          <a:p>
+            <a:r>
+              <a:rPr lang="de-DE" dirty="0" smtClean="0"/>
+              <a:t>Endergebnis - Fragen</a:t>
+            </a:r>
+            <a:endParaRPr lang="de-DE" dirty="0"/>
+          </a:p>
+        </p:txBody>
+      </p:sp>
+      <p:sp>
+        <p:nvSpPr>
+          <p:cNvPr id="6" name="Foliennummernplatzhalter 5"/>
+          <p:cNvSpPr>
+            <a:spLocks noGrp="1"/>
+          </p:cNvSpPr>
+          <p:nvPr>
+            <p:ph type="sldNum" sz="quarter" idx="4"/>
+          </p:nvPr>
+        </p:nvSpPr>
+        <p:spPr/>
+        <p:txBody>
+          <a:bodyPr/>
+          <a:lstStyle/>
+          <a:p>
+            <a:fld id="{6D784071-5E4C-448F-9B88-494260B2190C}" type="slidenum">
+              <a:rPr lang="de-DE" smtClean="0"/>
+              <a:pPr/>
+              <a:t>16</a:t>
+            </a:fld>
+            <a:endParaRPr lang="de-DE"/>
+          </a:p>
+        </p:txBody>
+      </p:sp>
+    </p:spTree>
+  </p:cSld>
+  <p:clrMapOvr>
+    <a:masterClrMapping/>
+  </p:clrMapOvr>
+  <p:transition>
+    <p:fade/>
+  </p:transition>
+</p:sld>
+</file>
+
+<file path=ppt/slides/slide17.xml><?xml version="1.0" encoding="utf-8"?>
+<p:sld xmlns:a="http://schemas.openxmlformats.org/drawingml/2006/main" xmlns:r="http://schemas.openxmlformats.org/officeDocument/2006/relationships" xmlns:p="http://schemas.openxmlformats.org/presentationml/2006/main">
+  <p:cSld>
+    <p:spTree>
+      <p:nvGrpSpPr>
+        <p:cNvPr id="1" name=""/>
+        <p:cNvGrpSpPr/>
+        <p:nvPr/>
+      </p:nvGrpSpPr>
+      <p:grpSpPr>
+        <a:xfrm>
+          <a:off x="0" y="0"/>
+          <a:ext cx="0" cy="0"/>
+          <a:chOff x="0" y="0"/>
+          <a:chExt cx="0" cy="0"/>
+        </a:xfrm>
+      </p:grpSpPr>
+      <p:pic>
+        <p:nvPicPr>
+          <p:cNvPr id="7" name="Inhaltsplatzhalter 6" descr="WhatsApp Image 2019-12-19 at 18.54.47.jpeg"/>
+          <p:cNvPicPr>
+            <a:picLocks noGrp="1" noChangeAspect="1"/>
+          </p:cNvPicPr>
+          <p:nvPr>
+            <p:ph sz="quarter" idx="14"/>
+          </p:nvPr>
+        </p:nvPicPr>
+        <p:blipFill>
+          <a:blip r:embed="rId2" cstate="print"/>
+          <a:stretch>
+            <a:fillRect/>
+          </a:stretch>
+        </p:blipFill>
+        <p:spPr>
+          <a:xfrm>
+            <a:off x="1416844" y="1008063"/>
+            <a:ext cx="6400800" cy="3600450"/>
+          </a:xfrm>
+        </p:spPr>
+      </p:pic>
+      <p:sp>
+        <p:nvSpPr>
+          <p:cNvPr id="4" name="Titel 3"/>
+          <p:cNvSpPr>
+            <a:spLocks noGrp="1"/>
+          </p:cNvSpPr>
+          <p:nvPr>
+            <p:ph type="title"/>
+          </p:nvPr>
+        </p:nvSpPr>
+        <p:spPr/>
+        <p:txBody>
+          <a:bodyPr/>
+          <a:lstStyle/>
+          <a:p>
+            <a:r>
+              <a:rPr lang="de-DE" dirty="0" smtClean="0"/>
+              <a:t>Endergebnis - Auswertung</a:t>
+            </a:r>
+            <a:endParaRPr lang="de-DE" dirty="0"/>
+          </a:p>
+        </p:txBody>
+      </p:sp>
+      <p:sp>
+        <p:nvSpPr>
+          <p:cNvPr id="6" name="Foliennummernplatzhalter 5"/>
+          <p:cNvSpPr>
+            <a:spLocks noGrp="1"/>
+          </p:cNvSpPr>
+          <p:nvPr>
+            <p:ph type="sldNum" sz="quarter" idx="4"/>
+          </p:nvPr>
+        </p:nvSpPr>
+        <p:spPr/>
+        <p:txBody>
+          <a:bodyPr/>
+          <a:lstStyle/>
+          <a:p>
+            <a:fld id="{6D784071-5E4C-448F-9B88-494260B2190C}" type="slidenum">
+              <a:rPr lang="de-DE" smtClean="0"/>
+              <a:pPr/>
+              <a:t>17</a:t>
+            </a:fld>
+            <a:endParaRPr lang="de-DE"/>
+          </a:p>
+        </p:txBody>
+      </p:sp>
+    </p:spTree>
+  </p:cSld>
+  <p:clrMapOvr>
+    <a:masterClrMapping/>
+  </p:clrMapOvr>
+  <p:transition>
+    <p:fade/>
+  </p:transition>
+</p:sld>
+</file>
+
+<file path=ppt/slides/slide18.xml><?xml version="1.0" encoding="utf-8"?>
+<p:sld xmlns:a="http://schemas.openxmlformats.org/drawingml/2006/main" xmlns:r="http://schemas.openxmlformats.org/officeDocument/2006/relationships" xmlns:p="http://schemas.openxmlformats.org/presentationml/2006/main">
+  <p:cSld>
+    <p:spTree>
+      <p:nvGrpSpPr>
+        <p:cNvPr id="1" name=""/>
+        <p:cNvGrpSpPr/>
+        <p:nvPr/>
+      </p:nvGrpSpPr>
+      <p:grpSpPr>
+        <a:xfrm>
+          <a:off x="0" y="0"/>
+          <a:ext cx="0" cy="0"/>
+          <a:chOff x="0" y="0"/>
+          <a:chExt cx="0" cy="0"/>
+        </a:xfrm>
+      </p:grpSpPr>
+      <p:sp>
+        <p:nvSpPr>
+          <p:cNvPr id="2" name="Inhaltsplatzhalter 1"/>
+          <p:cNvSpPr>
+            <a:spLocks noGrp="1"/>
+          </p:cNvSpPr>
+          <p:nvPr>
+            <p:ph sz="quarter" idx="14"/>
+          </p:nvPr>
+        </p:nvSpPr>
+        <p:spPr>
+          <a:xfrm>
+            <a:off x="414000" y="1008000"/>
+            <a:ext cx="8406472" cy="3600000"/>
+          </a:xfrm>
+        </p:spPr>
+        <p:txBody>
+          <a:bodyPr/>
+          <a:lstStyle/>
+          <a:p>
+            <a:r>
+              <a:rPr lang="de-DE" sz="2800" dirty="0" smtClean="0"/>
+              <a:t>ID nur bestimmte Anzahl an Zeichen</a:t>
+            </a:r>
+          </a:p>
+          <a:p>
+            <a:r>
+              <a:rPr lang="de-DE" sz="2800" dirty="0" smtClean="0"/>
+              <a:t>Zurück-Button blockieren</a:t>
+            </a:r>
+          </a:p>
+          <a:p>
+            <a:r>
+              <a:rPr lang="de-DE" sz="2800" dirty="0" smtClean="0"/>
+              <a:t>Countdown nach Zurück-Button nicht neu starten</a:t>
+            </a:r>
+          </a:p>
+          <a:p>
+            <a:r>
+              <a:rPr lang="de-DE" sz="2800" dirty="0" smtClean="0"/>
+              <a:t>Kategorienauswertung</a:t>
+            </a:r>
+          </a:p>
+          <a:p>
+            <a:r>
+              <a:rPr lang="de-DE" sz="2800" dirty="0" smtClean="0"/>
+              <a:t>Weiter-Button beim Tab-Menü</a:t>
+            </a:r>
+          </a:p>
+          <a:p>
+            <a:r>
+              <a:rPr lang="de-DE" sz="2800" dirty="0" smtClean="0"/>
+              <a:t>Bearbeitete Fragen im Tab-Menü erkennbar machen</a:t>
+            </a:r>
+          </a:p>
+          <a:p>
+            <a:pPr>
               <a:buNone/>
-              <a:defRPr lang="de-DE" sz="2000" b="0" cap="all" baseline="0">
-                <a:latin typeface="Roboto Lt" pitchFamily="2" charset="0"/>
-                <a:ea typeface="Roboto Lt" pitchFamily="2" charset="0"/>
-                <a:cs typeface="+mj-cs"/>
-              </a:defRPr>
-            </a:lvl1pPr>
-          </a:lstStyle>
-          <a:p>
-            <a:pPr algn="ctr"/>
-            <a:r>
-              <a:rPr lang="de-DE" sz="2400" dirty="0">
-                <a:latin typeface="Calibri Light" panose="020F0302020204030204" pitchFamily="34" charset="0"/>
-                <a:cs typeface="Calibri Light" panose="020F0302020204030204" pitchFamily="34" charset="0"/>
-              </a:rPr>
-              <a:t>Vielen Dank für Ihre </a:t>
-            </a:r>
-            <a:br>
-              <a:rPr lang="de-DE" sz="2400" dirty="0">
-                <a:latin typeface="Calibri Light" panose="020F0302020204030204" pitchFamily="34" charset="0"/>
-                <a:cs typeface="Calibri Light" panose="020F0302020204030204" pitchFamily="34" charset="0"/>
-              </a:rPr>
-            </a:br>
-            <a:r>
-              <a:rPr lang="de-DE" sz="2400" dirty="0" err="1">
-                <a:latin typeface="Calibri Light" panose="020F0302020204030204" pitchFamily="34" charset="0"/>
-                <a:cs typeface="Calibri Light" panose="020F0302020204030204" pitchFamily="34" charset="0"/>
-              </a:rPr>
-              <a:t>aufmerksamkeit</a:t>
-            </a:r>
-            <a:r>
-              <a:rPr lang="de-DE" sz="2400" dirty="0">
-                <a:latin typeface="Calibri Light" panose="020F0302020204030204" pitchFamily="34" charset="0"/>
-                <a:cs typeface="Calibri Light" panose="020F0302020204030204" pitchFamily="34" charset="0"/>
-              </a:rPr>
-              <a:t>!</a:t>
-            </a:r>
+            </a:pPr>
+            <a:endParaRPr lang="de-DE" dirty="0" smtClean="0"/>
+          </a:p>
+          <a:p>
+            <a:endParaRPr lang="de-DE" dirty="0"/>
+          </a:p>
+        </p:txBody>
+      </p:sp>
+      <p:sp>
+        <p:nvSpPr>
+          <p:cNvPr id="4" name="Titel 3"/>
+          <p:cNvSpPr>
+            <a:spLocks noGrp="1"/>
+          </p:cNvSpPr>
+          <p:nvPr>
+            <p:ph type="title"/>
+          </p:nvPr>
+        </p:nvSpPr>
+        <p:spPr/>
+        <p:txBody>
+          <a:bodyPr/>
+          <a:lstStyle/>
+          <a:p>
+            <a:r>
+              <a:rPr lang="de-DE" dirty="0" smtClean="0"/>
+              <a:t>Verbesserungsvorschläge</a:t>
+            </a:r>
+            <a:endParaRPr lang="de-DE" dirty="0"/>
+          </a:p>
+        </p:txBody>
+      </p:sp>
+      <p:sp>
+        <p:nvSpPr>
+          <p:cNvPr id="6" name="Foliennummernplatzhalter 5"/>
+          <p:cNvSpPr>
+            <a:spLocks noGrp="1"/>
+          </p:cNvSpPr>
+          <p:nvPr>
+            <p:ph type="sldNum" sz="quarter" idx="4"/>
+          </p:nvPr>
+        </p:nvSpPr>
+        <p:spPr/>
+        <p:txBody>
+          <a:bodyPr/>
+          <a:lstStyle/>
+          <a:p>
+            <a:fld id="{6D784071-5E4C-448F-9B88-494260B2190C}" type="slidenum">
+              <a:rPr lang="de-DE" smtClean="0"/>
+              <a:pPr/>
+              <a:t>18</a:t>
+            </a:fld>
+            <a:endParaRPr lang="de-DE"/>
           </a:p>
         </p:txBody>
       </p:sp>
     </p:spTree>
-    <p:extLst>
-      <p:ext uri="{BB962C8B-B14F-4D97-AF65-F5344CB8AC3E}">
-        <p14:creationId xmlns="" xmlns:p14="http://schemas.microsoft.com/office/powerpoint/2010/main" val="3549485546"/>
-      </p:ext>
-    </p:extLst>
+  </p:cSld>
+  <p:clrMapOvr>
+    <a:masterClrMapping/>
+  </p:clrMapOvr>
+  <p:transition>
+    <p:fade/>
+  </p:transition>
+</p:sld>
+</file>
+
+<file path=ppt/slides/slide19.xml><?xml version="1.0" encoding="utf-8"?>
+<p:sld xmlns:a="http://schemas.openxmlformats.org/drawingml/2006/main" xmlns:r="http://schemas.openxmlformats.org/officeDocument/2006/relationships" xmlns:p="http://schemas.openxmlformats.org/presentationml/2006/main">
+  <p:cSld>
+    <p:spTree>
+      <p:nvGrpSpPr>
+        <p:cNvPr id="1" name=""/>
+        <p:cNvGrpSpPr/>
+        <p:nvPr/>
+      </p:nvGrpSpPr>
+      <p:grpSpPr>
+        <a:xfrm>
+          <a:off x="0" y="0"/>
+          <a:ext cx="0" cy="0"/>
+          <a:chOff x="0" y="0"/>
+          <a:chExt cx="0" cy="0"/>
+        </a:xfrm>
+      </p:grpSpPr>
+      <p:sp>
+        <p:nvSpPr>
+          <p:cNvPr id="2" name="Inhaltsplatzhalter 1"/>
+          <p:cNvSpPr>
+            <a:spLocks noGrp="1"/>
+          </p:cNvSpPr>
+          <p:nvPr>
+            <p:ph sz="quarter" idx="14"/>
+          </p:nvPr>
+        </p:nvSpPr>
+        <p:spPr>
+          <a:xfrm>
+            <a:off x="414000" y="1008000"/>
+            <a:ext cx="8334464" cy="3600000"/>
+          </a:xfrm>
+        </p:spPr>
+        <p:txBody>
+          <a:bodyPr/>
+          <a:lstStyle/>
+          <a:p>
+            <a:r>
+              <a:rPr lang="de-DE" sz="2800" dirty="0" smtClean="0"/>
+              <a:t>Anwendung für die Verwaltung</a:t>
+            </a:r>
+          </a:p>
+          <a:p>
+            <a:r>
+              <a:rPr lang="de-DE" sz="2800" dirty="0" smtClean="0"/>
+              <a:t>Anwendung für Ergebnisverwaltung</a:t>
+            </a:r>
+          </a:p>
+          <a:p>
+            <a:endParaRPr lang="de-DE" dirty="0"/>
+          </a:p>
+        </p:txBody>
+      </p:sp>
+      <p:sp>
+        <p:nvSpPr>
+          <p:cNvPr id="4" name="Titel 3"/>
+          <p:cNvSpPr>
+            <a:spLocks noGrp="1"/>
+          </p:cNvSpPr>
+          <p:nvPr>
+            <p:ph type="title"/>
+          </p:nvPr>
+        </p:nvSpPr>
+        <p:spPr/>
+        <p:txBody>
+          <a:bodyPr/>
+          <a:lstStyle/>
+          <a:p>
+            <a:r>
+              <a:rPr lang="de-DE" dirty="0" smtClean="0"/>
+              <a:t>Ausbaufähigkeit des Projekts</a:t>
+            </a:r>
+            <a:endParaRPr lang="de-DE" dirty="0"/>
+          </a:p>
+        </p:txBody>
+      </p:sp>
+      <p:sp>
+        <p:nvSpPr>
+          <p:cNvPr id="6" name="Foliennummernplatzhalter 5"/>
+          <p:cNvSpPr>
+            <a:spLocks noGrp="1"/>
+          </p:cNvSpPr>
+          <p:nvPr>
+            <p:ph type="sldNum" sz="quarter" idx="4"/>
+          </p:nvPr>
+        </p:nvSpPr>
+        <p:spPr/>
+        <p:txBody>
+          <a:bodyPr/>
+          <a:lstStyle/>
+          <a:p>
+            <a:fld id="{6D784071-5E4C-448F-9B88-494260B2190C}" type="slidenum">
+              <a:rPr lang="de-DE" smtClean="0"/>
+              <a:pPr/>
+              <a:t>19</a:t>
+            </a:fld>
+            <a:endParaRPr lang="de-DE"/>
+          </a:p>
+        </p:txBody>
+      </p:sp>
+    </p:spTree>
   </p:cSld>
   <p:clrMapOvr>
     <a:masterClrMapping/>
@@ -3838,96 +6142,88 @@
               <a:rPr lang="de-DE" dirty="0" smtClean="0"/>
               <a:t>Problemstellung</a:t>
             </a:r>
+            <a:endParaRPr lang="de-DE" dirty="0" smtClean="0"/>
           </a:p>
           <a:p>
             <a:r>
               <a:rPr lang="de-DE" dirty="0" smtClean="0"/>
-              <a:t>Erste Überlegungen</a:t>
+              <a:t>Meilensteine</a:t>
             </a:r>
           </a:p>
           <a:p>
             <a:r>
               <a:rPr lang="de-DE" dirty="0" smtClean="0"/>
-              <a:t>Lösungsansatz</a:t>
+              <a:t>Zwischenergebnis</a:t>
             </a:r>
           </a:p>
           <a:p>
             <a:r>
               <a:rPr lang="de-DE" dirty="0" smtClean="0"/>
-              <a:t>Vorbereitung/Durchführung</a:t>
+              <a:t>Endergebnis</a:t>
             </a:r>
           </a:p>
           <a:p>
             <a:r>
               <a:rPr lang="de-DE" dirty="0" smtClean="0"/>
-              <a:t>Ausgelagerte Aufgaben</a:t>
+              <a:t>Verbesserungsvorschläge</a:t>
             </a:r>
           </a:p>
           <a:p>
             <a:r>
               <a:rPr lang="de-DE" dirty="0" smtClean="0"/>
-              <a:t>Aktueller Stand -&gt; Vorführung Applikation</a:t>
-            </a:r>
+              <a:t>Ausbaufähigkeit des Projekts</a:t>
+            </a:r>
+            <a:endParaRPr lang="de-DE" dirty="0" smtClean="0"/>
           </a:p>
           <a:p>
             <a:r>
               <a:rPr lang="de-DE" dirty="0" smtClean="0"/>
-              <a:t>Was noch gemacht werden muss</a:t>
-            </a:r>
+              <a:t>Wirtschaftliche </a:t>
+            </a:r>
+            <a:r>
+              <a:rPr lang="de-DE" dirty="0" smtClean="0"/>
+              <a:t>Aspekte</a:t>
+            </a:r>
+          </a:p>
+          <a:p>
+            <a:r>
+              <a:rPr lang="de-DE" dirty="0" smtClean="0"/>
+              <a:t>Präsentation </a:t>
+            </a:r>
+            <a:r>
+              <a:rPr lang="de-DE" dirty="0" err="1" smtClean="0"/>
+              <a:t>Candidate</a:t>
+            </a:r>
+            <a:r>
+              <a:rPr lang="de-DE" dirty="0" smtClean="0"/>
+              <a:t> </a:t>
+            </a:r>
+            <a:r>
+              <a:rPr lang="de-DE" dirty="0" err="1" smtClean="0"/>
+              <a:t>Assesment</a:t>
+            </a:r>
+            <a:r>
+              <a:rPr lang="de-DE" dirty="0" smtClean="0"/>
+              <a:t> Center</a:t>
+            </a:r>
+            <a:endParaRPr lang="de-DE" dirty="0" smtClean="0"/>
+          </a:p>
+          <a:p>
+            <a:r>
+              <a:rPr lang="de-DE" dirty="0" smtClean="0"/>
+              <a:t>Unser Erfahrungsbericht</a:t>
+            </a:r>
+          </a:p>
+          <a:p>
+            <a:endParaRPr lang="de-DE" dirty="0" smtClean="0"/>
+          </a:p>
+          <a:p>
+            <a:endParaRPr lang="de-DE" dirty="0" smtClean="0"/>
           </a:p>
           <a:p>
             <a:pPr>
               <a:buNone/>
             </a:pPr>
-            <a:endParaRPr lang="de-DE" dirty="0"/>
-          </a:p>
-        </p:txBody>
-      </p:sp>
-      <p:sp>
-        <p:nvSpPr>
-          <p:cNvPr id="4" name="Fußzeilenplatzhalter 3"/>
-          <p:cNvSpPr>
-            <a:spLocks noGrp="1"/>
-          </p:cNvSpPr>
-          <p:nvPr>
-            <p:ph type="ftr" sz="quarter" idx="3"/>
-          </p:nvPr>
-        </p:nvSpPr>
-        <p:spPr/>
-        <p:txBody>
-          <a:bodyPr/>
-          <a:lstStyle/>
-          <a:p>
-            <a:r>
-              <a:rPr lang="de-DE" dirty="0" smtClean="0"/>
-              <a:t>Ron </a:t>
-            </a:r>
-            <a:r>
-              <a:rPr lang="de-DE" dirty="0" err="1" smtClean="0"/>
-              <a:t>Kagelmann</a:t>
-            </a:r>
-            <a:r>
-              <a:rPr lang="de-DE" dirty="0" smtClean="0"/>
-              <a:t>, Sören </a:t>
-            </a:r>
-            <a:r>
-              <a:rPr lang="de-DE" dirty="0" err="1" smtClean="0"/>
-              <a:t>Benjes</a:t>
-            </a:r>
-            <a:r>
-              <a:rPr lang="de-DE" dirty="0" smtClean="0"/>
-              <a:t>, Tom </a:t>
-            </a:r>
-            <a:r>
-              <a:rPr lang="de-DE" dirty="0" err="1" smtClean="0"/>
-              <a:t>Weitze</a:t>
-            </a:r>
-            <a:r>
-              <a:rPr lang="de-DE" dirty="0" smtClean="0"/>
-              <a:t>, Elina Huck</a:t>
-            </a:r>
-          </a:p>
-          <a:p>
             <a:endParaRPr lang="de-DE" dirty="0"/>
           </a:p>
         </p:txBody>
@@ -3959,7 +6255,7 @@
     </p:spTree>
     <p:extLst>
       <p:ext uri="{BB962C8B-B14F-4D97-AF65-F5344CB8AC3E}">
-        <p14:creationId xmlns="" xmlns:p14="http://schemas.microsoft.com/office/powerpoint/2010/main" val="589369427"/>
+        <p14:creationId xmlns:p14="http://schemas.microsoft.com/office/powerpoint/2010/main" xmlns="" val="589369427"/>
       </p:ext>
     </p:extLst>
   </p:cSld>
@@ -3976,6 +6272,2245 @@
       </p:par>
     </p:tnLst>
   </p:timing>
+</p:sld>
+</file>
+
+<file path=ppt/slides/slide20.xml><?xml version="1.0" encoding="utf-8"?>
+<p:sld xmlns:a="http://schemas.openxmlformats.org/drawingml/2006/main" xmlns:r="http://schemas.openxmlformats.org/officeDocument/2006/relationships" xmlns:p="http://schemas.openxmlformats.org/presentationml/2006/main">
+  <p:cSld>
+    <p:spTree>
+      <p:nvGrpSpPr>
+        <p:cNvPr id="1" name=""/>
+        <p:cNvGrpSpPr/>
+        <p:nvPr/>
+      </p:nvGrpSpPr>
+      <p:grpSpPr>
+        <a:xfrm>
+          <a:off x="0" y="0"/>
+          <a:ext cx="0" cy="0"/>
+          <a:chOff x="0" y="0"/>
+          <a:chExt cx="0" cy="0"/>
+        </a:xfrm>
+      </p:grpSpPr>
+      <p:sp>
+        <p:nvSpPr>
+          <p:cNvPr id="4" name="Titel 3"/>
+          <p:cNvSpPr>
+            <a:spLocks noGrp="1"/>
+          </p:cNvSpPr>
+          <p:nvPr>
+            <p:ph type="title"/>
+          </p:nvPr>
+        </p:nvSpPr>
+        <p:spPr>
+          <a:xfrm>
+            <a:off x="323528" y="2283750"/>
+            <a:ext cx="8460000" cy="576000"/>
+          </a:xfrm>
+        </p:spPr>
+        <p:txBody>
+          <a:bodyPr/>
+          <a:lstStyle/>
+          <a:p>
+            <a:r>
+              <a:rPr lang="de-DE" dirty="0" smtClean="0"/>
+              <a:t>Wirtschaftliche Aspekte</a:t>
+            </a:r>
+            <a:endParaRPr lang="de-DE" dirty="0"/>
+          </a:p>
+        </p:txBody>
+      </p:sp>
+      <p:sp>
+        <p:nvSpPr>
+          <p:cNvPr id="6" name="Foliennummernplatzhalter 5"/>
+          <p:cNvSpPr>
+            <a:spLocks noGrp="1"/>
+          </p:cNvSpPr>
+          <p:nvPr>
+            <p:ph type="sldNum" sz="quarter" idx="4"/>
+          </p:nvPr>
+        </p:nvSpPr>
+        <p:spPr/>
+        <p:txBody>
+          <a:bodyPr/>
+          <a:lstStyle/>
+          <a:p>
+            <a:fld id="{6D784071-5E4C-448F-9B88-494260B2190C}" type="slidenum">
+              <a:rPr lang="de-DE" smtClean="0"/>
+              <a:pPr/>
+              <a:t>20</a:t>
+            </a:fld>
+            <a:endParaRPr lang="de-DE"/>
+          </a:p>
+        </p:txBody>
+      </p:sp>
+    </p:spTree>
+  </p:cSld>
+  <p:clrMapOvr>
+    <a:masterClrMapping/>
+  </p:clrMapOvr>
+  <p:transition>
+    <p:fade/>
+  </p:transition>
+</p:sld>
+</file>
+
+<file path=ppt/slides/slide21.xml><?xml version="1.0" encoding="utf-8"?>
+<p:sld xmlns:a="http://schemas.openxmlformats.org/drawingml/2006/main" xmlns:r="http://schemas.openxmlformats.org/officeDocument/2006/relationships" xmlns:p="http://schemas.openxmlformats.org/presentationml/2006/main">
+  <p:cSld>
+    <p:spTree>
+      <p:nvGrpSpPr>
+        <p:cNvPr id="1" name=""/>
+        <p:cNvGrpSpPr/>
+        <p:nvPr/>
+      </p:nvGrpSpPr>
+      <p:grpSpPr>
+        <a:xfrm>
+          <a:off x="0" y="0"/>
+          <a:ext cx="0" cy="0"/>
+          <a:chOff x="0" y="0"/>
+          <a:chExt cx="0" cy="0"/>
+        </a:xfrm>
+      </p:grpSpPr>
+      <p:graphicFrame>
+        <p:nvGraphicFramePr>
+          <p:cNvPr id="6" name="Inhaltsplatzhalter 5">
+            <a:extLst>
+              <a:ext uri="{FF2B5EF4-FFF2-40B4-BE49-F238E27FC236}">
+                <a16:creationId xmlns:a16="http://schemas.microsoft.com/office/drawing/2014/main" xmlns="" id="{F698F227-B451-426F-91A2-9B1A9BAF51D6}"/>
+              </a:ext>
+            </a:extLst>
+          </p:cNvPr>
+          <p:cNvGraphicFramePr>
+            <a:graphicFrameLocks noGrp="1"/>
+          </p:cNvGraphicFramePr>
+          <p:nvPr>
+            <p:ph sz="quarter" idx="13"/>
+            <p:extLst>
+              <p:ext uri="{D42A27DB-BD31-4B8C-83A1-F6EECF244321}">
+                <p14:modId xmlns:p14="http://schemas.microsoft.com/office/powerpoint/2010/main" xmlns="" val="2537424457"/>
+              </p:ext>
+            </p:extLst>
+          </p:nvPr>
+        </p:nvGraphicFramePr>
+        <p:xfrm>
+          <a:off x="414338" y="1008460"/>
+          <a:ext cx="8351440" cy="967740"/>
+        </p:xfrm>
+        <a:graphic>
+          <a:graphicData uri="http://schemas.openxmlformats.org/drawingml/2006/table">
+            <a:tbl>
+              <a:tblPr firstRow="1" bandRow="1">
+                <a:tableStyleId>{5C22544A-7EE6-4342-B048-85BDC9FD1C3A}</a:tableStyleId>
+              </a:tblPr>
+              <a:tblGrid>
+                <a:gridCol w="2087860">
+                  <a:extLst>
+                    <a:ext uri="{9D8B030D-6E8A-4147-A177-3AD203B41FA5}">
+                      <a16:colId xmlns:a16="http://schemas.microsoft.com/office/drawing/2014/main" xmlns="" val="1422127570"/>
+                    </a:ext>
+                  </a:extLst>
+                </a:gridCol>
+                <a:gridCol w="2087860">
+                  <a:extLst>
+                    <a:ext uri="{9D8B030D-6E8A-4147-A177-3AD203B41FA5}">
+                      <a16:colId xmlns:a16="http://schemas.microsoft.com/office/drawing/2014/main" xmlns="" val="583041395"/>
+                    </a:ext>
+                  </a:extLst>
+                </a:gridCol>
+                <a:gridCol w="2087860">
+                  <a:extLst>
+                    <a:ext uri="{9D8B030D-6E8A-4147-A177-3AD203B41FA5}">
+                      <a16:colId xmlns:a16="http://schemas.microsoft.com/office/drawing/2014/main" xmlns="" val="3179524256"/>
+                    </a:ext>
+                  </a:extLst>
+                </a:gridCol>
+                <a:gridCol w="2087860">
+                  <a:extLst>
+                    <a:ext uri="{9D8B030D-6E8A-4147-A177-3AD203B41FA5}">
+                      <a16:colId xmlns:a16="http://schemas.microsoft.com/office/drawing/2014/main" xmlns="" val="3329130210"/>
+                    </a:ext>
+                  </a:extLst>
+                </a:gridCol>
+              </a:tblGrid>
+              <a:tr h="685800">
+                <a:tc>
+                  <a:txBody>
+                    <a:bodyPr/>
+                    <a:lstStyle/>
+                    <a:p>
+                      <a:r>
+                        <a:rPr lang="de-DE" sz="1400" dirty="0"/>
+                        <a:t>Kosten Fachabteilung pro Stunde</a:t>
+                      </a:r>
+                    </a:p>
+                  </a:txBody>
+                  <a:tcPr marL="114295" marR="114295" marT="34290" marB="34290"/>
+                </a:tc>
+                <a:tc>
+                  <a:txBody>
+                    <a:bodyPr/>
+                    <a:lstStyle/>
+                    <a:p>
+                      <a:r>
+                        <a:rPr lang="de-DE" sz="1400" dirty="0"/>
+                        <a:t>Einsatzzeit pro Bewerbung</a:t>
+                      </a:r>
+                    </a:p>
+                  </a:txBody>
+                  <a:tcPr marL="114295" marR="114295" marT="34290" marB="34290"/>
+                </a:tc>
+                <a:tc>
+                  <a:txBody>
+                    <a:bodyPr/>
+                    <a:lstStyle/>
+                    <a:p>
+                      <a:r>
+                        <a:rPr lang="de-DE" sz="1400" dirty="0"/>
+                        <a:t>Bewerbungen pro Jahr</a:t>
+                      </a:r>
+                    </a:p>
+                  </a:txBody>
+                  <a:tcPr marL="114295" marR="114295" marT="34290" marB="34290"/>
+                </a:tc>
+                <a:tc>
+                  <a:txBody>
+                    <a:bodyPr/>
+                    <a:lstStyle/>
+                    <a:p>
+                      <a:r>
+                        <a:rPr lang="de-DE" sz="1400" dirty="0"/>
+                        <a:t>Kosten pro Jahr</a:t>
+                      </a:r>
+                    </a:p>
+                  </a:txBody>
+                  <a:tcPr marL="114295" marR="114295" marT="34290" marB="34290"/>
+                </a:tc>
+                <a:extLst>
+                  <a:ext uri="{0D108BD9-81ED-4DB2-BD59-A6C34878D82A}">
+                    <a16:rowId xmlns:a16="http://schemas.microsoft.com/office/drawing/2014/main" xmlns="" val="1093102148"/>
+                  </a:ext>
+                </a:extLst>
+              </a:tr>
+              <a:tr h="274320">
+                <a:tc>
+                  <a:txBody>
+                    <a:bodyPr/>
+                    <a:lstStyle/>
+                    <a:p>
+                      <a:r>
+                        <a:rPr lang="de-DE" sz="1400" dirty="0"/>
+                        <a:t>40 €</a:t>
+                      </a:r>
+                    </a:p>
+                  </a:txBody>
+                  <a:tcPr marL="114295" marR="114295" marT="34290" marB="34290"/>
+                </a:tc>
+                <a:tc>
+                  <a:txBody>
+                    <a:bodyPr/>
+                    <a:lstStyle/>
+                    <a:p>
+                      <a:r>
+                        <a:rPr lang="de-DE" sz="1400" dirty="0"/>
+                        <a:t>2 Stunden</a:t>
+                      </a:r>
+                    </a:p>
+                  </a:txBody>
+                  <a:tcPr marL="114295" marR="114295" marT="34290" marB="34290"/>
+                </a:tc>
+                <a:tc>
+                  <a:txBody>
+                    <a:bodyPr/>
+                    <a:lstStyle/>
+                    <a:p>
+                      <a:r>
+                        <a:rPr lang="de-DE" sz="1400" dirty="0"/>
+                        <a:t>30</a:t>
+                      </a:r>
+                    </a:p>
+                  </a:txBody>
+                  <a:tcPr marL="114295" marR="114295" marT="34290" marB="34290"/>
+                </a:tc>
+                <a:tc>
+                  <a:txBody>
+                    <a:bodyPr/>
+                    <a:lstStyle/>
+                    <a:p>
+                      <a:r>
+                        <a:rPr lang="de-DE" sz="1400" dirty="0"/>
+                        <a:t>2400</a:t>
+                      </a:r>
+                    </a:p>
+                  </a:txBody>
+                  <a:tcPr marL="114295" marR="114295" marT="34290" marB="34290">
+                    <a:solidFill>
+                      <a:srgbClr val="33CC33"/>
+                    </a:solidFill>
+                  </a:tcPr>
+                </a:tc>
+                <a:extLst>
+                  <a:ext uri="{0D108BD9-81ED-4DB2-BD59-A6C34878D82A}">
+                    <a16:rowId xmlns:a16="http://schemas.microsoft.com/office/drawing/2014/main" xmlns="" val="3216347832"/>
+                  </a:ext>
+                </a:extLst>
+              </a:tr>
+            </a:tbl>
+          </a:graphicData>
+        </a:graphic>
+      </p:graphicFrame>
+      <p:sp>
+        <p:nvSpPr>
+          <p:cNvPr id="2" name="Titel 1">
+            <a:extLst>
+              <a:ext uri="{FF2B5EF4-FFF2-40B4-BE49-F238E27FC236}">
+                <a16:creationId xmlns:a16="http://schemas.microsoft.com/office/drawing/2014/main" xmlns="" id="{7B39B747-C6B1-4501-B490-FAE8B9DDB79F}"/>
+              </a:ext>
+            </a:extLst>
+          </p:cNvPr>
+          <p:cNvSpPr>
+            <a:spLocks noGrp="1"/>
+          </p:cNvSpPr>
+          <p:nvPr>
+            <p:ph type="title"/>
+          </p:nvPr>
+        </p:nvSpPr>
+        <p:spPr/>
+        <p:txBody>
+          <a:bodyPr/>
+          <a:lstStyle/>
+          <a:p>
+            <a:r>
+              <a:rPr lang="de-DE" dirty="0"/>
+              <a:t>Kosten Aktuell</a:t>
+            </a:r>
+          </a:p>
+        </p:txBody>
+      </p:sp>
+      <p:sp>
+        <p:nvSpPr>
+          <p:cNvPr id="4" name="Foliennummernplatzhalter 3">
+            <a:extLst>
+              <a:ext uri="{FF2B5EF4-FFF2-40B4-BE49-F238E27FC236}">
+                <a16:creationId xmlns:a16="http://schemas.microsoft.com/office/drawing/2014/main" xmlns="" id="{2A61CB9F-785B-40DF-ACE5-97136D52F89A}"/>
+              </a:ext>
+            </a:extLst>
+          </p:cNvPr>
+          <p:cNvSpPr>
+            <a:spLocks noGrp="1"/>
+          </p:cNvSpPr>
+          <p:nvPr>
+            <p:ph type="sldNum" sz="quarter" idx="4"/>
+          </p:nvPr>
+        </p:nvSpPr>
+        <p:spPr/>
+        <p:txBody>
+          <a:bodyPr/>
+          <a:lstStyle/>
+          <a:p>
+            <a:fld id="{6D784071-5E4C-448F-9B88-494260B2190C}" type="slidenum">
+              <a:rPr lang="de-DE" smtClean="0"/>
+              <a:pPr/>
+              <a:t>21</a:t>
+            </a:fld>
+            <a:endParaRPr lang="de-DE"/>
+          </a:p>
+        </p:txBody>
+      </p:sp>
+      <p:sp>
+        <p:nvSpPr>
+          <p:cNvPr id="8" name="Textfeld 7">
+            <a:extLst>
+              <a:ext uri="{FF2B5EF4-FFF2-40B4-BE49-F238E27FC236}">
+                <a16:creationId xmlns:a16="http://schemas.microsoft.com/office/drawing/2014/main" xmlns="" id="{7EEBC796-B3EA-4613-BD61-6E5ABFF6688C}"/>
+              </a:ext>
+            </a:extLst>
+          </p:cNvPr>
+          <p:cNvSpPr txBox="1"/>
+          <p:nvPr/>
+        </p:nvSpPr>
+        <p:spPr>
+          <a:xfrm>
+            <a:off x="414000" y="2649181"/>
+            <a:ext cx="2428037" cy="369332"/>
+          </a:xfrm>
+          <a:prstGeom prst="rect">
+            <a:avLst/>
+          </a:prstGeom>
+          <a:noFill/>
+        </p:spPr>
+        <p:txBody>
+          <a:bodyPr wrap="none" rtlCol="0">
+            <a:spAutoFit/>
+          </a:bodyPr>
+          <a:lstStyle/>
+          <a:p>
+            <a:r>
+              <a:rPr lang="de-DE" dirty="0">
+                <a:latin typeface="+mn-lt"/>
+              </a:rPr>
+              <a:t>Kosten pro Facharbeiter</a:t>
+            </a:r>
+          </a:p>
+        </p:txBody>
+      </p:sp>
+    </p:spTree>
+    <p:extLst>
+      <p:ext uri="{BB962C8B-B14F-4D97-AF65-F5344CB8AC3E}">
+        <p14:creationId xmlns:p14="http://schemas.microsoft.com/office/powerpoint/2010/main" xmlns="" val="3568490637"/>
+      </p:ext>
+    </p:extLst>
+  </p:cSld>
+  <p:clrMapOvr>
+    <a:masterClrMapping/>
+  </p:clrMapOvr>
+  <p:transition>
+    <p:fade/>
+  </p:transition>
+</p:sld>
+</file>
+
+<file path=ppt/slides/slide22.xml><?xml version="1.0" encoding="utf-8"?>
+<p:sld xmlns:a="http://schemas.openxmlformats.org/drawingml/2006/main" xmlns:r="http://schemas.openxmlformats.org/officeDocument/2006/relationships" xmlns:p="http://schemas.openxmlformats.org/presentationml/2006/main">
+  <p:cSld>
+    <p:spTree>
+      <p:nvGrpSpPr>
+        <p:cNvPr id="1" name=""/>
+        <p:cNvGrpSpPr/>
+        <p:nvPr/>
+      </p:nvGrpSpPr>
+      <p:grpSpPr>
+        <a:xfrm>
+          <a:off x="0" y="0"/>
+          <a:ext cx="0" cy="0"/>
+          <a:chOff x="0" y="0"/>
+          <a:chExt cx="0" cy="0"/>
+        </a:xfrm>
+      </p:grpSpPr>
+      <p:graphicFrame>
+        <p:nvGraphicFramePr>
+          <p:cNvPr id="6" name="Inhaltsplatzhalter 5">
+            <a:extLst>
+              <a:ext uri="{FF2B5EF4-FFF2-40B4-BE49-F238E27FC236}">
+                <a16:creationId xmlns:a16="http://schemas.microsoft.com/office/drawing/2014/main" xmlns="" id="{200632B9-04CE-4F22-8511-D1F761650462}"/>
+              </a:ext>
+            </a:extLst>
+          </p:cNvPr>
+          <p:cNvGraphicFramePr>
+            <a:graphicFrameLocks noGrp="1"/>
+          </p:cNvGraphicFramePr>
+          <p:nvPr>
+            <p:ph sz="quarter" idx="13"/>
+            <p:extLst>
+              <p:ext uri="{D42A27DB-BD31-4B8C-83A1-F6EECF244321}">
+                <p14:modId xmlns:p14="http://schemas.microsoft.com/office/powerpoint/2010/main" xmlns="" val="1532518370"/>
+              </p:ext>
+            </p:extLst>
+          </p:nvPr>
+        </p:nvGraphicFramePr>
+        <p:xfrm>
+          <a:off x="414338" y="1008460"/>
+          <a:ext cx="6681468" cy="777240"/>
+        </p:xfrm>
+        <a:graphic>
+          <a:graphicData uri="http://schemas.openxmlformats.org/drawingml/2006/table">
+            <a:tbl>
+              <a:tblPr firstRow="1" bandRow="1">
+                <a:tableStyleId>{5C22544A-7EE6-4342-B048-85BDC9FD1C3A}</a:tableStyleId>
+              </a:tblPr>
+              <a:tblGrid>
+                <a:gridCol w="1670367">
+                  <a:extLst>
+                    <a:ext uri="{9D8B030D-6E8A-4147-A177-3AD203B41FA5}">
+                      <a16:colId xmlns:a16="http://schemas.microsoft.com/office/drawing/2014/main" xmlns="" val="3872112200"/>
+                    </a:ext>
+                  </a:extLst>
+                </a:gridCol>
+                <a:gridCol w="1670367">
+                  <a:extLst>
+                    <a:ext uri="{9D8B030D-6E8A-4147-A177-3AD203B41FA5}">
+                      <a16:colId xmlns:a16="http://schemas.microsoft.com/office/drawing/2014/main" xmlns="" val="1076816770"/>
+                    </a:ext>
+                  </a:extLst>
+                </a:gridCol>
+                <a:gridCol w="1670367">
+                  <a:extLst>
+                    <a:ext uri="{9D8B030D-6E8A-4147-A177-3AD203B41FA5}">
+                      <a16:colId xmlns:a16="http://schemas.microsoft.com/office/drawing/2014/main" xmlns="" val="2644690965"/>
+                    </a:ext>
+                  </a:extLst>
+                </a:gridCol>
+                <a:gridCol w="1670367">
+                  <a:extLst>
+                    <a:ext uri="{9D8B030D-6E8A-4147-A177-3AD203B41FA5}">
+                      <a16:colId xmlns:a16="http://schemas.microsoft.com/office/drawing/2014/main" xmlns="" val="66019931"/>
+                    </a:ext>
+                  </a:extLst>
+                </a:gridCol>
+              </a:tblGrid>
+              <a:tr h="480060">
+                <a:tc>
+                  <a:txBody>
+                    <a:bodyPr/>
+                    <a:lstStyle/>
+                    <a:p>
+                      <a:r>
+                        <a:rPr lang="de-DE" sz="1400" dirty="0"/>
+                        <a:t>Zeitaufwand je Mitarbeiter</a:t>
+                      </a:r>
+                    </a:p>
+                  </a:txBody>
+                  <a:tcPr marT="34290" marB="34290"/>
+                </a:tc>
+                <a:tc>
+                  <a:txBody>
+                    <a:bodyPr/>
+                    <a:lstStyle/>
+                    <a:p>
+                      <a:r>
+                        <a:rPr lang="de-DE" sz="1400" dirty="0"/>
+                        <a:t>Teilnehmende Mitarbeiter</a:t>
+                      </a:r>
+                    </a:p>
+                  </a:txBody>
+                  <a:tcPr marT="34290" marB="34290"/>
+                </a:tc>
+                <a:tc>
+                  <a:txBody>
+                    <a:bodyPr/>
+                    <a:lstStyle/>
+                    <a:p>
+                      <a:r>
+                        <a:rPr lang="de-DE" sz="1400" dirty="0"/>
+                        <a:t>Gesamtzeitaufwand</a:t>
+                      </a:r>
+                    </a:p>
+                  </a:txBody>
+                  <a:tcPr marT="34290" marB="34290"/>
+                </a:tc>
+                <a:tc>
+                  <a:txBody>
+                    <a:bodyPr/>
+                    <a:lstStyle/>
+                    <a:p>
+                      <a:r>
+                        <a:rPr lang="de-DE" sz="1400" dirty="0"/>
+                        <a:t>Kosten </a:t>
+                      </a:r>
+                      <a:r>
+                        <a:rPr lang="de-DE" sz="1400" dirty="0" err="1"/>
+                        <a:t>Gesammt</a:t>
+                      </a:r>
+                      <a:endParaRPr lang="de-DE" sz="1400" dirty="0"/>
+                    </a:p>
+                  </a:txBody>
+                  <a:tcPr marT="34290" marB="34290"/>
+                </a:tc>
+                <a:extLst>
+                  <a:ext uri="{0D108BD9-81ED-4DB2-BD59-A6C34878D82A}">
+                    <a16:rowId xmlns:a16="http://schemas.microsoft.com/office/drawing/2014/main" xmlns="" val="1038261435"/>
+                  </a:ext>
+                </a:extLst>
+              </a:tr>
+              <a:tr h="278130">
+                <a:tc>
+                  <a:txBody>
+                    <a:bodyPr/>
+                    <a:lstStyle/>
+                    <a:p>
+                      <a:r>
+                        <a:rPr lang="de-DE" sz="1400" dirty="0"/>
+                        <a:t>80 Stunden</a:t>
+                      </a:r>
+                    </a:p>
+                  </a:txBody>
+                  <a:tcPr marT="34290" marB="34290"/>
+                </a:tc>
+                <a:tc>
+                  <a:txBody>
+                    <a:bodyPr/>
+                    <a:lstStyle/>
+                    <a:p>
+                      <a:r>
+                        <a:rPr lang="de-DE" sz="1400" dirty="0"/>
+                        <a:t>4</a:t>
+                      </a:r>
+                    </a:p>
+                  </a:txBody>
+                  <a:tcPr marT="34290" marB="34290"/>
+                </a:tc>
+                <a:tc>
+                  <a:txBody>
+                    <a:bodyPr/>
+                    <a:lstStyle/>
+                    <a:p>
+                      <a:r>
+                        <a:rPr lang="de-DE" sz="1400" dirty="0"/>
+                        <a:t>320</a:t>
+                      </a:r>
+                    </a:p>
+                  </a:txBody>
+                  <a:tcPr marT="34290" marB="34290"/>
+                </a:tc>
+                <a:tc>
+                  <a:txBody>
+                    <a:bodyPr/>
+                    <a:lstStyle/>
+                    <a:p>
+                      <a:r>
+                        <a:rPr lang="de-DE" sz="1400" dirty="0"/>
+                        <a:t>12.000 €</a:t>
+                      </a:r>
+                    </a:p>
+                  </a:txBody>
+                  <a:tcPr marT="34290" marB="34290"/>
+                </a:tc>
+                <a:extLst>
+                  <a:ext uri="{0D108BD9-81ED-4DB2-BD59-A6C34878D82A}">
+                    <a16:rowId xmlns:a16="http://schemas.microsoft.com/office/drawing/2014/main" xmlns="" val="966479974"/>
+                  </a:ext>
+                </a:extLst>
+              </a:tr>
+            </a:tbl>
+          </a:graphicData>
+        </a:graphic>
+      </p:graphicFrame>
+      <p:sp>
+        <p:nvSpPr>
+          <p:cNvPr id="3" name="Titel 2">
+            <a:extLst>
+              <a:ext uri="{FF2B5EF4-FFF2-40B4-BE49-F238E27FC236}">
+                <a16:creationId xmlns:a16="http://schemas.microsoft.com/office/drawing/2014/main" xmlns="" id="{616B8712-7E83-448E-855A-C630A8C24887}"/>
+              </a:ext>
+            </a:extLst>
+          </p:cNvPr>
+          <p:cNvSpPr>
+            <a:spLocks noGrp="1"/>
+          </p:cNvSpPr>
+          <p:nvPr>
+            <p:ph type="title"/>
+          </p:nvPr>
+        </p:nvSpPr>
+        <p:spPr/>
+        <p:txBody>
+          <a:bodyPr/>
+          <a:lstStyle/>
+          <a:p>
+            <a:r>
+              <a:rPr lang="de-DE" dirty="0"/>
+              <a:t>Kosten des Projekts</a:t>
+            </a:r>
+          </a:p>
+        </p:txBody>
+      </p:sp>
+      <p:sp>
+        <p:nvSpPr>
+          <p:cNvPr id="5" name="Foliennummernplatzhalter 4">
+            <a:extLst>
+              <a:ext uri="{FF2B5EF4-FFF2-40B4-BE49-F238E27FC236}">
+                <a16:creationId xmlns:a16="http://schemas.microsoft.com/office/drawing/2014/main" xmlns="" id="{A0D56859-C8B5-4F48-B7C2-4E4702EAFF79}"/>
+              </a:ext>
+            </a:extLst>
+          </p:cNvPr>
+          <p:cNvSpPr>
+            <a:spLocks noGrp="1"/>
+          </p:cNvSpPr>
+          <p:nvPr>
+            <p:ph type="sldNum" sz="quarter" idx="4"/>
+          </p:nvPr>
+        </p:nvSpPr>
+        <p:spPr/>
+        <p:txBody>
+          <a:bodyPr/>
+          <a:lstStyle/>
+          <a:p>
+            <a:fld id="{6D784071-5E4C-448F-9B88-494260B2190C}" type="slidenum">
+              <a:rPr lang="de-DE" smtClean="0"/>
+              <a:pPr/>
+              <a:t>22</a:t>
+            </a:fld>
+            <a:endParaRPr lang="de-DE"/>
+          </a:p>
+        </p:txBody>
+      </p:sp>
+    </p:spTree>
+    <p:extLst>
+      <p:ext uri="{BB962C8B-B14F-4D97-AF65-F5344CB8AC3E}">
+        <p14:creationId xmlns:p14="http://schemas.microsoft.com/office/powerpoint/2010/main" xmlns="" val="2114559212"/>
+      </p:ext>
+    </p:extLst>
+  </p:cSld>
+  <p:clrMapOvr>
+    <a:masterClrMapping/>
+  </p:clrMapOvr>
+  <p:transition>
+    <p:fade/>
+  </p:transition>
+</p:sld>
+</file>
+
+<file path=ppt/slides/slide23.xml><?xml version="1.0" encoding="utf-8"?>
+<p:sld xmlns:a="http://schemas.openxmlformats.org/drawingml/2006/main" xmlns:r="http://schemas.openxmlformats.org/officeDocument/2006/relationships" xmlns:p="http://schemas.openxmlformats.org/presentationml/2006/main">
+  <p:cSld>
+    <p:spTree>
+      <p:nvGrpSpPr>
+        <p:cNvPr id="1" name=""/>
+        <p:cNvGrpSpPr/>
+        <p:nvPr/>
+      </p:nvGrpSpPr>
+      <p:grpSpPr>
+        <a:xfrm>
+          <a:off x="0" y="0"/>
+          <a:ext cx="0" cy="0"/>
+          <a:chOff x="0" y="0"/>
+          <a:chExt cx="0" cy="0"/>
+        </a:xfrm>
+      </p:grpSpPr>
+      <p:graphicFrame>
+        <p:nvGraphicFramePr>
+          <p:cNvPr id="6" name="Inhaltsplatzhalter 5">
+            <a:extLst>
+              <a:ext uri="{FF2B5EF4-FFF2-40B4-BE49-F238E27FC236}">
+                <a16:creationId xmlns:a16="http://schemas.microsoft.com/office/drawing/2014/main" xmlns="" id="{1FEFD92D-9B3A-4F6C-A0F9-E533500EEB5D}"/>
+              </a:ext>
+            </a:extLst>
+          </p:cNvPr>
+          <p:cNvGraphicFramePr>
+            <a:graphicFrameLocks noGrp="1"/>
+          </p:cNvGraphicFramePr>
+          <p:nvPr>
+            <p:ph sz="quarter" idx="13"/>
+            <p:extLst>
+              <p:ext uri="{D42A27DB-BD31-4B8C-83A1-F6EECF244321}">
+                <p14:modId xmlns:p14="http://schemas.microsoft.com/office/powerpoint/2010/main" xmlns="" val="2760424442"/>
+              </p:ext>
+            </p:extLst>
+          </p:nvPr>
+        </p:nvGraphicFramePr>
+        <p:xfrm>
+          <a:off x="414339" y="1008460"/>
+          <a:ext cx="8351835" cy="777240"/>
+        </p:xfrm>
+        <a:graphic>
+          <a:graphicData uri="http://schemas.openxmlformats.org/drawingml/2006/table">
+            <a:tbl>
+              <a:tblPr firstRow="1" bandRow="1">
+                <a:tableStyleId>{5C22544A-7EE6-4342-B048-85BDC9FD1C3A}</a:tableStyleId>
+              </a:tblPr>
+              <a:tblGrid>
+                <a:gridCol w="1670367">
+                  <a:extLst>
+                    <a:ext uri="{9D8B030D-6E8A-4147-A177-3AD203B41FA5}">
+                      <a16:colId xmlns:a16="http://schemas.microsoft.com/office/drawing/2014/main" xmlns="" val="1411345865"/>
+                    </a:ext>
+                  </a:extLst>
+                </a:gridCol>
+                <a:gridCol w="1670367">
+                  <a:extLst>
+                    <a:ext uri="{9D8B030D-6E8A-4147-A177-3AD203B41FA5}">
+                      <a16:colId xmlns:a16="http://schemas.microsoft.com/office/drawing/2014/main" xmlns="" val="3186879332"/>
+                    </a:ext>
+                  </a:extLst>
+                </a:gridCol>
+                <a:gridCol w="1670367">
+                  <a:extLst>
+                    <a:ext uri="{9D8B030D-6E8A-4147-A177-3AD203B41FA5}">
+                      <a16:colId xmlns:a16="http://schemas.microsoft.com/office/drawing/2014/main" xmlns="" val="2754276919"/>
+                    </a:ext>
+                  </a:extLst>
+                </a:gridCol>
+                <a:gridCol w="1670367">
+                  <a:extLst>
+                    <a:ext uri="{9D8B030D-6E8A-4147-A177-3AD203B41FA5}">
+                      <a16:colId xmlns:a16="http://schemas.microsoft.com/office/drawing/2014/main" xmlns="" val="519257129"/>
+                    </a:ext>
+                  </a:extLst>
+                </a:gridCol>
+                <a:gridCol w="1670367">
+                  <a:extLst>
+                    <a:ext uri="{9D8B030D-6E8A-4147-A177-3AD203B41FA5}">
+                      <a16:colId xmlns:a16="http://schemas.microsoft.com/office/drawing/2014/main" xmlns="" val="687207923"/>
+                    </a:ext>
+                  </a:extLst>
+                </a:gridCol>
+              </a:tblGrid>
+              <a:tr h="480060">
+                <a:tc>
+                  <a:txBody>
+                    <a:bodyPr/>
+                    <a:lstStyle/>
+                    <a:p>
+                      <a:r>
+                        <a:rPr lang="de-DE" sz="1400" dirty="0"/>
+                        <a:t>Kosten gesamt.</a:t>
+                      </a:r>
+                    </a:p>
+                  </a:txBody>
+                  <a:tcPr marT="34290" marB="34290"/>
+                </a:tc>
+                <a:tc>
+                  <a:txBody>
+                    <a:bodyPr/>
+                    <a:lstStyle/>
+                    <a:p>
+                      <a:r>
+                        <a:rPr lang="de-DE" sz="1400" dirty="0"/>
+                        <a:t>Ersparnis pro Facharbeiter</a:t>
+                      </a:r>
+                    </a:p>
+                  </a:txBody>
+                  <a:tcPr marT="34290" marB="34290"/>
+                </a:tc>
+                <a:tc>
+                  <a:txBody>
+                    <a:bodyPr/>
+                    <a:lstStyle/>
+                    <a:p>
+                      <a:r>
+                        <a:rPr lang="de-DE" sz="1400" dirty="0"/>
+                        <a:t>Break </a:t>
+                      </a:r>
+                      <a:r>
+                        <a:rPr lang="de-DE" sz="1400" dirty="0" err="1"/>
+                        <a:t>even</a:t>
+                      </a:r>
+                      <a:r>
+                        <a:rPr lang="de-DE" sz="1400" dirty="0"/>
+                        <a:t> Point *1</a:t>
+                      </a:r>
+                    </a:p>
+                  </a:txBody>
+                  <a:tcPr marT="34290" marB="34290"/>
+                </a:tc>
+                <a:tc>
+                  <a:txBody>
+                    <a:bodyPr/>
+                    <a:lstStyle/>
+                    <a:p>
+                      <a:pPr marL="0" marR="0" lvl="0" indent="0" algn="l" defTabSz="457189" rtl="0" eaLnBrk="1" fontAlgn="auto" latinLnBrk="0" hangingPunct="1">
+                        <a:lnSpc>
+                          <a:spcPct val="100000"/>
+                        </a:lnSpc>
+                        <a:spcBef>
+                          <a:spcPts val="0"/>
+                        </a:spcBef>
+                        <a:spcAft>
+                          <a:spcPts val="0"/>
+                        </a:spcAft>
+                        <a:buClrTx/>
+                        <a:buSzTx/>
+                        <a:buFontTx/>
+                        <a:buNone/>
+                        <a:tabLst/>
+                        <a:defRPr/>
+                      </a:pPr>
+                      <a:r>
+                        <a:rPr lang="de-DE" sz="1400" dirty="0"/>
+                        <a:t>Break </a:t>
+                      </a:r>
+                      <a:r>
+                        <a:rPr lang="de-DE" sz="1400" dirty="0" err="1"/>
+                        <a:t>even</a:t>
+                      </a:r>
+                      <a:r>
+                        <a:rPr lang="de-DE" sz="1400" dirty="0"/>
+                        <a:t> Point *2</a:t>
+                      </a:r>
+                    </a:p>
+                  </a:txBody>
+                  <a:tcPr marT="34290" marB="34290"/>
+                </a:tc>
+                <a:tc>
+                  <a:txBody>
+                    <a:bodyPr/>
+                    <a:lstStyle/>
+                    <a:p>
+                      <a:pPr marL="0" marR="0" lvl="0" indent="0" algn="l" defTabSz="457189" rtl="0" eaLnBrk="1" fontAlgn="auto" latinLnBrk="0" hangingPunct="1">
+                        <a:lnSpc>
+                          <a:spcPct val="100000"/>
+                        </a:lnSpc>
+                        <a:spcBef>
+                          <a:spcPts val="0"/>
+                        </a:spcBef>
+                        <a:spcAft>
+                          <a:spcPts val="0"/>
+                        </a:spcAft>
+                        <a:buClrTx/>
+                        <a:buSzTx/>
+                        <a:buFontTx/>
+                        <a:buNone/>
+                        <a:tabLst/>
+                        <a:defRPr/>
+                      </a:pPr>
+                      <a:r>
+                        <a:rPr lang="de-DE" sz="1400" dirty="0"/>
+                        <a:t>Break </a:t>
+                      </a:r>
+                      <a:r>
+                        <a:rPr lang="de-DE" sz="1400" dirty="0" err="1"/>
+                        <a:t>even</a:t>
+                      </a:r>
+                      <a:r>
+                        <a:rPr lang="de-DE" sz="1400" dirty="0"/>
+                        <a:t> Point *3</a:t>
+                      </a:r>
+                    </a:p>
+                  </a:txBody>
+                  <a:tcPr marT="34290" marB="34290"/>
+                </a:tc>
+                <a:extLst>
+                  <a:ext uri="{0D108BD9-81ED-4DB2-BD59-A6C34878D82A}">
+                    <a16:rowId xmlns:a16="http://schemas.microsoft.com/office/drawing/2014/main" xmlns="" val="410000506"/>
+                  </a:ext>
+                </a:extLst>
+              </a:tr>
+              <a:tr h="278130">
+                <a:tc>
+                  <a:txBody>
+                    <a:bodyPr/>
+                    <a:lstStyle/>
+                    <a:p>
+                      <a:r>
+                        <a:rPr lang="de-DE" sz="1400" dirty="0"/>
+                        <a:t>12.000 €</a:t>
+                      </a:r>
+                    </a:p>
+                  </a:txBody>
+                  <a:tcPr marT="34290" marB="34290">
+                    <a:solidFill>
+                      <a:srgbClr val="FF0000"/>
+                    </a:solidFill>
+                  </a:tcPr>
+                </a:tc>
+                <a:tc>
+                  <a:txBody>
+                    <a:bodyPr/>
+                    <a:lstStyle/>
+                    <a:p>
+                      <a:r>
+                        <a:rPr lang="de-DE" sz="1400" dirty="0"/>
+                        <a:t>2400€</a:t>
+                      </a:r>
+                    </a:p>
+                  </a:txBody>
+                  <a:tcPr marT="34290" marB="34290"/>
+                </a:tc>
+                <a:tc>
+                  <a:txBody>
+                    <a:bodyPr/>
+                    <a:lstStyle/>
+                    <a:p>
+                      <a:r>
+                        <a:rPr lang="de-DE" sz="1400" dirty="0"/>
+                        <a:t>5 Jahre</a:t>
+                      </a:r>
+                    </a:p>
+                  </a:txBody>
+                  <a:tcPr marT="34290" marB="34290">
+                    <a:solidFill>
+                      <a:srgbClr val="7DAB46"/>
+                    </a:solidFill>
+                  </a:tcPr>
+                </a:tc>
+                <a:tc>
+                  <a:txBody>
+                    <a:bodyPr/>
+                    <a:lstStyle/>
+                    <a:p>
+                      <a:r>
+                        <a:rPr lang="de-DE" sz="1400" dirty="0"/>
+                        <a:t>2,5 Jahre</a:t>
+                      </a:r>
+                    </a:p>
+                  </a:txBody>
+                  <a:tcPr marT="34290" marB="34290">
+                    <a:solidFill>
+                      <a:srgbClr val="92D050"/>
+                    </a:solidFill>
+                  </a:tcPr>
+                </a:tc>
+                <a:tc>
+                  <a:txBody>
+                    <a:bodyPr/>
+                    <a:lstStyle/>
+                    <a:p>
+                      <a:r>
+                        <a:rPr lang="de-DE" sz="1400" dirty="0"/>
+                        <a:t>1,7 Jahre</a:t>
+                      </a:r>
+                    </a:p>
+                  </a:txBody>
+                  <a:tcPr marT="34290" marB="34290">
+                    <a:solidFill>
+                      <a:srgbClr val="33CC33"/>
+                    </a:solidFill>
+                  </a:tcPr>
+                </a:tc>
+                <a:extLst>
+                  <a:ext uri="{0D108BD9-81ED-4DB2-BD59-A6C34878D82A}">
+                    <a16:rowId xmlns:a16="http://schemas.microsoft.com/office/drawing/2014/main" xmlns="" val="3846340368"/>
+                  </a:ext>
+                </a:extLst>
+              </a:tr>
+            </a:tbl>
+          </a:graphicData>
+        </a:graphic>
+      </p:graphicFrame>
+      <p:sp>
+        <p:nvSpPr>
+          <p:cNvPr id="3" name="Titel 2">
+            <a:extLst>
+              <a:ext uri="{FF2B5EF4-FFF2-40B4-BE49-F238E27FC236}">
+                <a16:creationId xmlns:a16="http://schemas.microsoft.com/office/drawing/2014/main" xmlns="" id="{EEBCEA94-1F0B-4BC2-A9FD-BB392F0439E4}"/>
+              </a:ext>
+            </a:extLst>
+          </p:cNvPr>
+          <p:cNvSpPr>
+            <a:spLocks noGrp="1"/>
+          </p:cNvSpPr>
+          <p:nvPr>
+            <p:ph type="title"/>
+          </p:nvPr>
+        </p:nvSpPr>
+        <p:spPr/>
+        <p:txBody>
+          <a:bodyPr/>
+          <a:lstStyle/>
+          <a:p>
+            <a:r>
+              <a:rPr lang="de-DE" dirty="0"/>
+              <a:t>Refinanzierung</a:t>
+            </a:r>
+          </a:p>
+        </p:txBody>
+      </p:sp>
+      <p:sp>
+        <p:nvSpPr>
+          <p:cNvPr id="5" name="Foliennummernplatzhalter 4">
+            <a:extLst>
+              <a:ext uri="{FF2B5EF4-FFF2-40B4-BE49-F238E27FC236}">
+                <a16:creationId xmlns:a16="http://schemas.microsoft.com/office/drawing/2014/main" xmlns="" id="{9D937C0F-D559-4647-8976-3A091555FC83}"/>
+              </a:ext>
+            </a:extLst>
+          </p:cNvPr>
+          <p:cNvSpPr>
+            <a:spLocks noGrp="1"/>
+          </p:cNvSpPr>
+          <p:nvPr>
+            <p:ph type="sldNum" sz="quarter" idx="4"/>
+          </p:nvPr>
+        </p:nvSpPr>
+        <p:spPr/>
+        <p:txBody>
+          <a:bodyPr/>
+          <a:lstStyle/>
+          <a:p>
+            <a:fld id="{6D784071-5E4C-448F-9B88-494260B2190C}" type="slidenum">
+              <a:rPr lang="de-DE" smtClean="0"/>
+              <a:pPr/>
+              <a:t>23</a:t>
+            </a:fld>
+            <a:endParaRPr lang="de-DE"/>
+          </a:p>
+        </p:txBody>
+      </p:sp>
+      <p:sp>
+        <p:nvSpPr>
+          <p:cNvPr id="7" name="Textfeld 6">
+            <a:extLst>
+              <a:ext uri="{FF2B5EF4-FFF2-40B4-BE49-F238E27FC236}">
+                <a16:creationId xmlns:a16="http://schemas.microsoft.com/office/drawing/2014/main" xmlns="" id="{B6CD86F0-C010-48CB-97CE-F7971255D163}"/>
+              </a:ext>
+            </a:extLst>
+          </p:cNvPr>
+          <p:cNvSpPr txBox="1"/>
+          <p:nvPr/>
+        </p:nvSpPr>
+        <p:spPr>
+          <a:xfrm>
+            <a:off x="323528" y="4371950"/>
+            <a:ext cx="1552028" cy="553998"/>
+          </a:xfrm>
+          <a:prstGeom prst="rect">
+            <a:avLst/>
+          </a:prstGeom>
+          <a:noFill/>
+        </p:spPr>
+        <p:txBody>
+          <a:bodyPr wrap="none" rtlCol="0">
+            <a:spAutoFit/>
+          </a:bodyPr>
+          <a:lstStyle/>
+          <a:p>
+            <a:r>
+              <a:rPr lang="de-DE" sz="1000" dirty="0">
+                <a:latin typeface="+mn-lt"/>
+              </a:rPr>
+              <a:t>*1 Bei einem Facharbeiter</a:t>
+            </a:r>
+          </a:p>
+          <a:p>
+            <a:r>
+              <a:rPr lang="de-DE" sz="1000" dirty="0">
+                <a:latin typeface="+mn-lt"/>
+              </a:rPr>
+              <a:t>*2 Bei zwei Facharbeiter</a:t>
+            </a:r>
+            <a:br>
+              <a:rPr lang="de-DE" sz="1000" dirty="0">
+                <a:latin typeface="+mn-lt"/>
+              </a:rPr>
+            </a:br>
+            <a:r>
+              <a:rPr lang="de-DE" sz="1000" dirty="0">
+                <a:latin typeface="+mn-lt"/>
+              </a:rPr>
+              <a:t>*3 bei drei Facharbeiter</a:t>
+            </a:r>
+          </a:p>
+        </p:txBody>
+      </p:sp>
+    </p:spTree>
+    <p:extLst>
+      <p:ext uri="{BB962C8B-B14F-4D97-AF65-F5344CB8AC3E}">
+        <p14:creationId xmlns:p14="http://schemas.microsoft.com/office/powerpoint/2010/main" xmlns="" val="144612067"/>
+      </p:ext>
+    </p:extLst>
+  </p:cSld>
+  <p:clrMapOvr>
+    <a:masterClrMapping/>
+  </p:clrMapOvr>
+  <p:transition>
+    <p:fade/>
+  </p:transition>
+</p:sld>
+</file>
+
+<file path=ppt/slides/slide24.xml><?xml version="1.0" encoding="utf-8"?>
+<p:sld xmlns:a="http://schemas.openxmlformats.org/drawingml/2006/main" xmlns:r="http://schemas.openxmlformats.org/officeDocument/2006/relationships" xmlns:p="http://schemas.openxmlformats.org/presentationml/2006/main">
+  <p:cSld>
+    <p:spTree>
+      <p:nvGrpSpPr>
+        <p:cNvPr id="1" name=""/>
+        <p:cNvGrpSpPr/>
+        <p:nvPr/>
+      </p:nvGrpSpPr>
+      <p:grpSpPr>
+        <a:xfrm>
+          <a:off x="0" y="0"/>
+          <a:ext cx="0" cy="0"/>
+          <a:chOff x="0" y="0"/>
+          <a:chExt cx="0" cy="0"/>
+        </a:xfrm>
+      </p:grpSpPr>
+      <p:graphicFrame>
+        <p:nvGraphicFramePr>
+          <p:cNvPr id="8" name="Inhaltsplatzhalter 7">
+            <a:extLst>
+              <a:ext uri="{FF2B5EF4-FFF2-40B4-BE49-F238E27FC236}">
+                <a16:creationId xmlns:a16="http://schemas.microsoft.com/office/drawing/2014/main" xmlns="" id="{86F98FBE-B937-4EA7-BE59-5500F24BAD6E}"/>
+              </a:ext>
+            </a:extLst>
+          </p:cNvPr>
+          <p:cNvGraphicFramePr>
+            <a:graphicFrameLocks noGrp="1"/>
+          </p:cNvGraphicFramePr>
+          <p:nvPr>
+            <p:ph sz="quarter" idx="13"/>
+            <p:extLst>
+              <p:ext uri="{D42A27DB-BD31-4B8C-83A1-F6EECF244321}">
+                <p14:modId xmlns:p14="http://schemas.microsoft.com/office/powerpoint/2010/main" xmlns="" val="305046197"/>
+              </p:ext>
+            </p:extLst>
+          </p:nvPr>
+        </p:nvGraphicFramePr>
+        <p:xfrm>
+          <a:off x="414338" y="1008460"/>
+          <a:ext cx="8351837" cy="3599259"/>
+        </p:xfrm>
+        <a:graphic>
+          <a:graphicData uri="http://schemas.openxmlformats.org/drawingml/2006/chart">
+            <c:chart xmlns:c="http://schemas.openxmlformats.org/drawingml/2006/chart" xmlns:r="http://schemas.openxmlformats.org/officeDocument/2006/relationships" r:id="rId2"/>
+          </a:graphicData>
+        </a:graphic>
+      </p:graphicFrame>
+      <p:sp>
+        <p:nvSpPr>
+          <p:cNvPr id="3" name="Titel 2">
+            <a:extLst>
+              <a:ext uri="{FF2B5EF4-FFF2-40B4-BE49-F238E27FC236}">
+                <a16:creationId xmlns:a16="http://schemas.microsoft.com/office/drawing/2014/main" xmlns="" id="{387DD09F-1FF5-4145-80F5-EC3CECC03FC2}"/>
+              </a:ext>
+            </a:extLst>
+          </p:cNvPr>
+          <p:cNvSpPr>
+            <a:spLocks noGrp="1"/>
+          </p:cNvSpPr>
+          <p:nvPr>
+            <p:ph type="title"/>
+          </p:nvPr>
+        </p:nvSpPr>
+        <p:spPr/>
+        <p:txBody>
+          <a:bodyPr/>
+          <a:lstStyle/>
+          <a:p>
+            <a:endParaRPr lang="de-DE" dirty="0"/>
+          </a:p>
+        </p:txBody>
+      </p:sp>
+      <p:sp>
+        <p:nvSpPr>
+          <p:cNvPr id="5" name="Foliennummernplatzhalter 4">
+            <a:extLst>
+              <a:ext uri="{FF2B5EF4-FFF2-40B4-BE49-F238E27FC236}">
+                <a16:creationId xmlns:a16="http://schemas.microsoft.com/office/drawing/2014/main" xmlns="" id="{5D0045E5-39FD-4258-8622-CD14D3433BD5}"/>
+              </a:ext>
+            </a:extLst>
+          </p:cNvPr>
+          <p:cNvSpPr>
+            <a:spLocks noGrp="1"/>
+          </p:cNvSpPr>
+          <p:nvPr>
+            <p:ph type="sldNum" sz="quarter" idx="4"/>
+          </p:nvPr>
+        </p:nvSpPr>
+        <p:spPr/>
+        <p:txBody>
+          <a:bodyPr/>
+          <a:lstStyle/>
+          <a:p>
+            <a:fld id="{6D784071-5E4C-448F-9B88-494260B2190C}" type="slidenum">
+              <a:rPr lang="de-DE" smtClean="0"/>
+              <a:pPr/>
+              <a:t>24</a:t>
+            </a:fld>
+            <a:endParaRPr lang="de-DE"/>
+          </a:p>
+        </p:txBody>
+      </p:sp>
+    </p:spTree>
+    <p:extLst>
+      <p:ext uri="{BB962C8B-B14F-4D97-AF65-F5344CB8AC3E}">
+        <p14:creationId xmlns:p14="http://schemas.microsoft.com/office/powerpoint/2010/main" xmlns="" val="511586221"/>
+      </p:ext>
+    </p:extLst>
+  </p:cSld>
+  <p:clrMapOvr>
+    <a:masterClrMapping/>
+  </p:clrMapOvr>
+  <p:transition>
+    <p:fade/>
+  </p:transition>
+</p:sld>
+</file>
+
+<file path=ppt/slides/slide25.xml><?xml version="1.0" encoding="utf-8"?>
+<p:sld xmlns:a="http://schemas.openxmlformats.org/drawingml/2006/main" xmlns:r="http://schemas.openxmlformats.org/officeDocument/2006/relationships" xmlns:p="http://schemas.openxmlformats.org/presentationml/2006/main">
+  <p:cSld>
+    <p:spTree>
+      <p:nvGrpSpPr>
+        <p:cNvPr id="1" name=""/>
+        <p:cNvGrpSpPr/>
+        <p:nvPr/>
+      </p:nvGrpSpPr>
+      <p:grpSpPr>
+        <a:xfrm>
+          <a:off x="0" y="0"/>
+          <a:ext cx="0" cy="0"/>
+          <a:chOff x="0" y="0"/>
+          <a:chExt cx="0" cy="0"/>
+        </a:xfrm>
+      </p:grpSpPr>
+      <p:sp>
+        <p:nvSpPr>
+          <p:cNvPr id="4" name="Titel 3"/>
+          <p:cNvSpPr>
+            <a:spLocks noGrp="1"/>
+          </p:cNvSpPr>
+          <p:nvPr>
+            <p:ph type="title"/>
+          </p:nvPr>
+        </p:nvSpPr>
+        <p:spPr>
+          <a:xfrm>
+            <a:off x="323999" y="2283750"/>
+            <a:ext cx="8460000" cy="576000"/>
+          </a:xfrm>
+        </p:spPr>
+        <p:txBody>
+          <a:bodyPr/>
+          <a:lstStyle/>
+          <a:p>
+            <a:r>
+              <a:rPr lang="de-DE" dirty="0" smtClean="0"/>
+              <a:t>Präsentation </a:t>
+            </a:r>
+            <a:r>
+              <a:rPr lang="de-DE" dirty="0" err="1" smtClean="0"/>
+              <a:t>Candidate</a:t>
+            </a:r>
+            <a:r>
+              <a:rPr lang="de-DE" dirty="0" smtClean="0"/>
+              <a:t> </a:t>
+            </a:r>
+            <a:r>
+              <a:rPr lang="de-DE" dirty="0" err="1" smtClean="0"/>
+              <a:t>assesment</a:t>
+            </a:r>
+            <a:r>
+              <a:rPr lang="de-DE" dirty="0" smtClean="0"/>
+              <a:t> </a:t>
+            </a:r>
+            <a:r>
+              <a:rPr lang="de-DE" dirty="0" err="1" smtClean="0"/>
+              <a:t>system</a:t>
+            </a:r>
+            <a:endParaRPr lang="de-DE" dirty="0"/>
+          </a:p>
+        </p:txBody>
+      </p:sp>
+      <p:sp>
+        <p:nvSpPr>
+          <p:cNvPr id="6" name="Foliennummernplatzhalter 5"/>
+          <p:cNvSpPr>
+            <a:spLocks noGrp="1"/>
+          </p:cNvSpPr>
+          <p:nvPr>
+            <p:ph type="sldNum" sz="quarter" idx="4"/>
+          </p:nvPr>
+        </p:nvSpPr>
+        <p:spPr/>
+        <p:txBody>
+          <a:bodyPr/>
+          <a:lstStyle/>
+          <a:p>
+            <a:fld id="{6D784071-5E4C-448F-9B88-494260B2190C}" type="slidenum">
+              <a:rPr lang="de-DE" smtClean="0"/>
+              <a:pPr/>
+              <a:t>25</a:t>
+            </a:fld>
+            <a:endParaRPr lang="de-DE"/>
+          </a:p>
+        </p:txBody>
+      </p:sp>
+    </p:spTree>
+  </p:cSld>
+  <p:clrMapOvr>
+    <a:masterClrMapping/>
+  </p:clrMapOvr>
+  <p:transition>
+    <p:fade/>
+  </p:transition>
+</p:sld>
+</file>
+
+<file path=ppt/slides/slide26.xml><?xml version="1.0" encoding="utf-8"?>
+<p:sld xmlns:a="http://schemas.openxmlformats.org/drawingml/2006/main" xmlns:r="http://schemas.openxmlformats.org/officeDocument/2006/relationships" xmlns:p="http://schemas.openxmlformats.org/presentationml/2006/main">
+  <p:cSld>
+    <p:spTree>
+      <p:nvGrpSpPr>
+        <p:cNvPr id="1" name=""/>
+        <p:cNvGrpSpPr/>
+        <p:nvPr/>
+      </p:nvGrpSpPr>
+      <p:grpSpPr>
+        <a:xfrm>
+          <a:off x="0" y="0"/>
+          <a:ext cx="0" cy="0"/>
+          <a:chOff x="0" y="0"/>
+          <a:chExt cx="0" cy="0"/>
+        </a:xfrm>
+      </p:grpSpPr>
+      <p:sp>
+        <p:nvSpPr>
+          <p:cNvPr id="4" name="Titel 3"/>
+          <p:cNvSpPr>
+            <a:spLocks noGrp="1"/>
+          </p:cNvSpPr>
+          <p:nvPr>
+            <p:ph type="title"/>
+          </p:nvPr>
+        </p:nvSpPr>
+        <p:spPr/>
+        <p:txBody>
+          <a:bodyPr/>
+          <a:lstStyle/>
+          <a:p>
+            <a:r>
+              <a:rPr lang="de-DE" dirty="0" smtClean="0"/>
+              <a:t>Meilensteine</a:t>
+            </a:r>
+            <a:endParaRPr lang="de-DE" dirty="0"/>
+          </a:p>
+        </p:txBody>
+      </p:sp>
+      <p:sp>
+        <p:nvSpPr>
+          <p:cNvPr id="6" name="Foliennummernplatzhalter 5"/>
+          <p:cNvSpPr>
+            <a:spLocks noGrp="1"/>
+          </p:cNvSpPr>
+          <p:nvPr>
+            <p:ph type="sldNum" sz="quarter" idx="4"/>
+          </p:nvPr>
+        </p:nvSpPr>
+        <p:spPr/>
+        <p:txBody>
+          <a:bodyPr/>
+          <a:lstStyle/>
+          <a:p>
+            <a:fld id="{6D784071-5E4C-448F-9B88-494260B2190C}" type="slidenum">
+              <a:rPr lang="de-DE" smtClean="0"/>
+              <a:pPr/>
+              <a:t>26</a:t>
+            </a:fld>
+            <a:endParaRPr lang="de-DE"/>
+          </a:p>
+        </p:txBody>
+      </p:sp>
+      <p:sp>
+        <p:nvSpPr>
+          <p:cNvPr id="9" name="Rechteck 8"/>
+          <p:cNvSpPr/>
+          <p:nvPr/>
+        </p:nvSpPr>
+        <p:spPr>
+          <a:xfrm>
+            <a:off x="611560" y="1419622"/>
+            <a:ext cx="1152128" cy="576064"/>
+          </a:xfrm>
+          <a:prstGeom prst="rect">
+            <a:avLst/>
+          </a:prstGeom>
+          <a:noFill/>
+          <a:ln>
+            <a:noFill/>
+          </a:ln>
+          <a:effectLst/>
+          <a:scene3d>
+            <a:camera prst="orthographicFront">
+              <a:rot lat="0" lon="0" rev="0"/>
+            </a:camera>
+            <a:lightRig rig="chilly" dir="t">
+              <a:rot lat="0" lon="0" rev="18480000"/>
+            </a:lightRig>
+          </a:scene3d>
+          <a:sp3d prstMaterial="clear">
+            <a:bevelT h="63500"/>
+          </a:sp3d>
+        </p:spPr>
+        <p:style>
+          <a:lnRef idx="1">
+            <a:schemeClr val="accent3"/>
+          </a:lnRef>
+          <a:fillRef idx="2">
+            <a:schemeClr val="accent3"/>
+          </a:fillRef>
+          <a:effectRef idx="1">
+            <a:schemeClr val="accent3"/>
+          </a:effectRef>
+          <a:fontRef idx="minor">
+            <a:schemeClr val="dk1"/>
+          </a:fontRef>
+        </p:style>
+        <p:txBody>
+          <a:bodyPr rot="0" spcFirstLastPara="0" vertOverflow="overflow" horzOverflow="overflow" vert="horz" wrap="square" lIns="91440" tIns="45720" rIns="91440" bIns="45720" numCol="1" spcCol="0" rtlCol="0" fromWordArt="0" anchor="ctr" anchorCtr="0" forceAA="0" compatLnSpc="1">
+            <a:prstTxWarp prst="textNoShape">
+              <a:avLst/>
+            </a:prstTxWarp>
+            <a:noAutofit/>
+          </a:bodyPr>
+          <a:lstStyle/>
+          <a:p>
+            <a:pPr algn="ctr"/>
+            <a:r>
+              <a:rPr lang="de-DE" sz="2000" dirty="0" smtClean="0"/>
+              <a:t>Sprint 1</a:t>
+            </a:r>
+            <a:endParaRPr lang="de-DE" sz="2000" dirty="0"/>
+          </a:p>
+        </p:txBody>
+      </p:sp>
+      <p:cxnSp>
+        <p:nvCxnSpPr>
+          <p:cNvPr id="11" name="Gerade Verbindung mit Pfeil 10"/>
+          <p:cNvCxnSpPr/>
+          <p:nvPr/>
+        </p:nvCxnSpPr>
+        <p:spPr>
+          <a:xfrm>
+            <a:off x="1835696" y="1707654"/>
+            <a:ext cx="504056" cy="0"/>
+          </a:xfrm>
+          <a:prstGeom prst="straightConnector1">
+            <a:avLst/>
+          </a:prstGeom>
+          <a:ln>
+            <a:tailEnd type="arrow"/>
+          </a:ln>
+        </p:spPr>
+        <p:style>
+          <a:lnRef idx="2">
+            <a:schemeClr val="accent1"/>
+          </a:lnRef>
+          <a:fillRef idx="0">
+            <a:schemeClr val="accent1"/>
+          </a:fillRef>
+          <a:effectRef idx="1">
+            <a:schemeClr val="accent1"/>
+          </a:effectRef>
+          <a:fontRef idx="minor">
+            <a:schemeClr val="tx1"/>
+          </a:fontRef>
+        </p:style>
+      </p:cxnSp>
+      <p:sp>
+        <p:nvSpPr>
+          <p:cNvPr id="15" name="Rechteck 14"/>
+          <p:cNvSpPr/>
+          <p:nvPr/>
+        </p:nvSpPr>
+        <p:spPr>
+          <a:xfrm>
+            <a:off x="2483768" y="1419622"/>
+            <a:ext cx="1080120" cy="576064"/>
+          </a:xfrm>
+          <a:prstGeom prst="rect">
+            <a:avLst/>
+          </a:prstGeom>
+          <a:noFill/>
+          <a:ln>
+            <a:noFill/>
+          </a:ln>
+          <a:effectLst/>
+          <a:scene3d>
+            <a:camera prst="orthographicFront">
+              <a:rot lat="0" lon="0" rev="0"/>
+            </a:camera>
+            <a:lightRig rig="chilly" dir="t">
+              <a:rot lat="0" lon="0" rev="18480000"/>
+            </a:lightRig>
+          </a:scene3d>
+          <a:sp3d prstMaterial="clear">
+            <a:bevelT h="63500"/>
+          </a:sp3d>
+        </p:spPr>
+        <p:style>
+          <a:lnRef idx="1">
+            <a:schemeClr val="accent3"/>
+          </a:lnRef>
+          <a:fillRef idx="2">
+            <a:schemeClr val="accent3"/>
+          </a:fillRef>
+          <a:effectRef idx="1">
+            <a:schemeClr val="accent3"/>
+          </a:effectRef>
+          <a:fontRef idx="minor">
+            <a:schemeClr val="dk1"/>
+          </a:fontRef>
+        </p:style>
+        <p:txBody>
+          <a:bodyPr rot="0" spcFirstLastPara="0" vertOverflow="overflow" horzOverflow="overflow" vert="horz" wrap="square" lIns="91440" tIns="45720" rIns="91440" bIns="45720" numCol="1" spcCol="0" rtlCol="0" fromWordArt="0" anchor="ctr" anchorCtr="0" forceAA="0" compatLnSpc="1">
+            <a:prstTxWarp prst="textNoShape">
+              <a:avLst/>
+            </a:prstTxWarp>
+            <a:noAutofit/>
+          </a:bodyPr>
+          <a:lstStyle/>
+          <a:p>
+            <a:pPr algn="ctr"/>
+            <a:r>
+              <a:rPr lang="de-DE" sz="2000" dirty="0" smtClean="0"/>
+              <a:t>Sprint 2</a:t>
+            </a:r>
+            <a:endParaRPr lang="de-DE" sz="2000" dirty="0"/>
+          </a:p>
+        </p:txBody>
+      </p:sp>
+      <p:cxnSp>
+        <p:nvCxnSpPr>
+          <p:cNvPr id="18" name="Gerade Verbindung mit Pfeil 17"/>
+          <p:cNvCxnSpPr/>
+          <p:nvPr/>
+        </p:nvCxnSpPr>
+        <p:spPr>
+          <a:xfrm>
+            <a:off x="3707904" y="1707654"/>
+            <a:ext cx="504056" cy="0"/>
+          </a:xfrm>
+          <a:prstGeom prst="straightConnector1">
+            <a:avLst/>
+          </a:prstGeom>
+          <a:ln>
+            <a:tailEnd type="arrow"/>
+          </a:ln>
+        </p:spPr>
+        <p:style>
+          <a:lnRef idx="2">
+            <a:schemeClr val="accent1"/>
+          </a:lnRef>
+          <a:fillRef idx="0">
+            <a:schemeClr val="accent1"/>
+          </a:fillRef>
+          <a:effectRef idx="1">
+            <a:schemeClr val="accent1"/>
+          </a:effectRef>
+          <a:fontRef idx="minor">
+            <a:schemeClr val="tx1"/>
+          </a:fontRef>
+        </p:style>
+      </p:cxnSp>
+      <p:sp>
+        <p:nvSpPr>
+          <p:cNvPr id="23" name="Rechteck 22"/>
+          <p:cNvSpPr/>
+          <p:nvPr/>
+        </p:nvSpPr>
+        <p:spPr>
+          <a:xfrm>
+            <a:off x="4355976" y="1419622"/>
+            <a:ext cx="1080120" cy="576064"/>
+          </a:xfrm>
+          <a:prstGeom prst="rect">
+            <a:avLst/>
+          </a:prstGeom>
+          <a:noFill/>
+          <a:ln>
+            <a:noFill/>
+          </a:ln>
+          <a:effectLst/>
+          <a:scene3d>
+            <a:camera prst="orthographicFront">
+              <a:rot lat="0" lon="0" rev="0"/>
+            </a:camera>
+            <a:lightRig rig="chilly" dir="t">
+              <a:rot lat="0" lon="0" rev="18480000"/>
+            </a:lightRig>
+          </a:scene3d>
+          <a:sp3d prstMaterial="clear">
+            <a:bevelT h="63500"/>
+          </a:sp3d>
+        </p:spPr>
+        <p:style>
+          <a:lnRef idx="1">
+            <a:schemeClr val="accent3"/>
+          </a:lnRef>
+          <a:fillRef idx="2">
+            <a:schemeClr val="accent3"/>
+          </a:fillRef>
+          <a:effectRef idx="1">
+            <a:schemeClr val="accent3"/>
+          </a:effectRef>
+          <a:fontRef idx="minor">
+            <a:schemeClr val="dk1"/>
+          </a:fontRef>
+        </p:style>
+        <p:txBody>
+          <a:bodyPr rot="0" spcFirstLastPara="0" vertOverflow="overflow" horzOverflow="overflow" vert="horz" wrap="square" lIns="91440" tIns="45720" rIns="91440" bIns="45720" numCol="1" spcCol="0" rtlCol="0" fromWordArt="0" anchor="ctr" anchorCtr="0" forceAA="0" compatLnSpc="1">
+            <a:prstTxWarp prst="textNoShape">
+              <a:avLst/>
+            </a:prstTxWarp>
+            <a:noAutofit/>
+          </a:bodyPr>
+          <a:lstStyle/>
+          <a:p>
+            <a:pPr algn="ctr"/>
+            <a:r>
+              <a:rPr lang="de-DE" sz="2000" dirty="0" smtClean="0"/>
+              <a:t>Sprint 3</a:t>
+            </a:r>
+            <a:endParaRPr lang="de-DE" sz="2000" dirty="0"/>
+          </a:p>
+        </p:txBody>
+      </p:sp>
+      <p:sp>
+        <p:nvSpPr>
+          <p:cNvPr id="24" name="Pfeil nach unten 23"/>
+          <p:cNvSpPr/>
+          <p:nvPr/>
+        </p:nvSpPr>
+        <p:spPr>
+          <a:xfrm>
+            <a:off x="1979712" y="2067694"/>
+            <a:ext cx="216024" cy="576064"/>
+          </a:xfrm>
+          <a:prstGeom prst="downArrow">
+            <a:avLst/>
+          </a:prstGeom>
+          <a:solidFill>
+            <a:schemeClr val="bg1">
+              <a:lumMod val="75000"/>
+            </a:schemeClr>
+          </a:solidFill>
+          <a:ln>
+            <a:noFill/>
+          </a:ln>
+          <a:effectLst/>
+        </p:spPr>
+        <p:style>
+          <a:lnRef idx="1">
+            <a:schemeClr val="accent3"/>
+          </a:lnRef>
+          <a:fillRef idx="2">
+            <a:schemeClr val="accent3"/>
+          </a:fillRef>
+          <a:effectRef idx="1">
+            <a:schemeClr val="accent3"/>
+          </a:effectRef>
+          <a:fontRef idx="minor">
+            <a:schemeClr val="dk1"/>
+          </a:fontRef>
+        </p:style>
+        <p:txBody>
+          <a:bodyPr rot="0" spcFirstLastPara="0" vertOverflow="overflow" horzOverflow="overflow" vert="horz" wrap="square" lIns="91440" tIns="45720" rIns="91440" bIns="45720" numCol="1" spcCol="0" rtlCol="0" fromWordArt="0" anchor="ctr" anchorCtr="0" forceAA="0" compatLnSpc="1">
+            <a:prstTxWarp prst="textNoShape">
+              <a:avLst/>
+            </a:prstTxWarp>
+            <a:noAutofit/>
+          </a:bodyPr>
+          <a:lstStyle/>
+          <a:p>
+            <a:pPr algn="ctr"/>
+            <a:endParaRPr lang="de-DE"/>
+          </a:p>
+        </p:txBody>
+      </p:sp>
+      <p:sp>
+        <p:nvSpPr>
+          <p:cNvPr id="25" name="Pfeil nach unten 24"/>
+          <p:cNvSpPr/>
+          <p:nvPr/>
+        </p:nvSpPr>
+        <p:spPr>
+          <a:xfrm>
+            <a:off x="3851920" y="2067694"/>
+            <a:ext cx="216024" cy="576064"/>
+          </a:xfrm>
+          <a:prstGeom prst="downArrow">
+            <a:avLst/>
+          </a:prstGeom>
+          <a:solidFill>
+            <a:schemeClr val="bg1">
+              <a:lumMod val="75000"/>
+            </a:schemeClr>
+          </a:solidFill>
+          <a:ln>
+            <a:noFill/>
+          </a:ln>
+          <a:effectLst/>
+        </p:spPr>
+        <p:style>
+          <a:lnRef idx="1">
+            <a:schemeClr val="accent3"/>
+          </a:lnRef>
+          <a:fillRef idx="2">
+            <a:schemeClr val="accent3"/>
+          </a:fillRef>
+          <a:effectRef idx="1">
+            <a:schemeClr val="accent3"/>
+          </a:effectRef>
+          <a:fontRef idx="minor">
+            <a:schemeClr val="dk1"/>
+          </a:fontRef>
+        </p:style>
+        <p:txBody>
+          <a:bodyPr rot="0" spcFirstLastPara="0" vertOverflow="overflow" horzOverflow="overflow" vert="horz" wrap="square" lIns="91440" tIns="45720" rIns="91440" bIns="45720" numCol="1" spcCol="0" rtlCol="0" fromWordArt="0" anchor="ctr" anchorCtr="0" forceAA="0" compatLnSpc="1">
+            <a:prstTxWarp prst="textNoShape">
+              <a:avLst/>
+            </a:prstTxWarp>
+            <a:noAutofit/>
+          </a:bodyPr>
+          <a:lstStyle/>
+          <a:p>
+            <a:pPr algn="ctr"/>
+            <a:endParaRPr lang="de-DE"/>
+          </a:p>
+        </p:txBody>
+      </p:sp>
+      <p:cxnSp>
+        <p:nvCxnSpPr>
+          <p:cNvPr id="30" name="Gerade Verbindung mit Pfeil 29"/>
+          <p:cNvCxnSpPr/>
+          <p:nvPr/>
+        </p:nvCxnSpPr>
+        <p:spPr>
+          <a:xfrm>
+            <a:off x="611560" y="3147814"/>
+            <a:ext cx="4896544" cy="0"/>
+          </a:xfrm>
+          <a:prstGeom prst="straightConnector1">
+            <a:avLst/>
+          </a:prstGeom>
+          <a:ln>
+            <a:tailEnd type="arrow"/>
+          </a:ln>
+        </p:spPr>
+        <p:style>
+          <a:lnRef idx="2">
+            <a:schemeClr val="accent1"/>
+          </a:lnRef>
+          <a:fillRef idx="0">
+            <a:schemeClr val="accent1"/>
+          </a:fillRef>
+          <a:effectRef idx="1">
+            <a:schemeClr val="accent1"/>
+          </a:effectRef>
+          <a:fontRef idx="minor">
+            <a:schemeClr val="tx1"/>
+          </a:fontRef>
+        </p:style>
+      </p:cxnSp>
+      <p:sp>
+        <p:nvSpPr>
+          <p:cNvPr id="32" name="Textfeld 31"/>
+          <p:cNvSpPr txBox="1"/>
+          <p:nvPr/>
+        </p:nvSpPr>
+        <p:spPr>
+          <a:xfrm>
+            <a:off x="251520" y="3291830"/>
+            <a:ext cx="720080" cy="369332"/>
+          </a:xfrm>
+          <a:prstGeom prst="rect">
+            <a:avLst/>
+          </a:prstGeom>
+          <a:noFill/>
+        </p:spPr>
+        <p:txBody>
+          <a:bodyPr wrap="square" rtlCol="0">
+            <a:spAutoFit/>
+          </a:bodyPr>
+          <a:lstStyle/>
+          <a:p>
+            <a:r>
+              <a:rPr lang="de-DE" sz="1100" b="1" dirty="0" smtClean="0">
+                <a:latin typeface="+mn-lt"/>
+              </a:rPr>
+              <a:t>11.10.19</a:t>
+            </a:r>
+            <a:r>
+              <a:rPr lang="de-DE" dirty="0" smtClean="0">
+                <a:latin typeface="+mn-lt"/>
+              </a:rPr>
+              <a:t> </a:t>
+            </a:r>
+            <a:endParaRPr lang="de-DE" dirty="0">
+              <a:latin typeface="+mn-lt"/>
+            </a:endParaRPr>
+          </a:p>
+        </p:txBody>
+      </p:sp>
+      <p:sp>
+        <p:nvSpPr>
+          <p:cNvPr id="33" name="Textfeld 32"/>
+          <p:cNvSpPr txBox="1"/>
+          <p:nvPr/>
+        </p:nvSpPr>
+        <p:spPr>
+          <a:xfrm>
+            <a:off x="1691680" y="3363838"/>
+            <a:ext cx="720080" cy="261610"/>
+          </a:xfrm>
+          <a:prstGeom prst="rect">
+            <a:avLst/>
+          </a:prstGeom>
+          <a:noFill/>
+        </p:spPr>
+        <p:txBody>
+          <a:bodyPr wrap="square" rtlCol="0">
+            <a:spAutoFit/>
+          </a:bodyPr>
+          <a:lstStyle/>
+          <a:p>
+            <a:r>
+              <a:rPr lang="de-DE" sz="1100" b="1" dirty="0" smtClean="0">
+                <a:latin typeface="+mn-lt"/>
+              </a:rPr>
+              <a:t>15.11.19</a:t>
+            </a:r>
+            <a:endParaRPr lang="de-DE" sz="1100" b="1" dirty="0">
+              <a:latin typeface="+mn-lt"/>
+            </a:endParaRPr>
+          </a:p>
+        </p:txBody>
+      </p:sp>
+      <p:sp>
+        <p:nvSpPr>
+          <p:cNvPr id="35" name="Textfeld 34"/>
+          <p:cNvSpPr txBox="1"/>
+          <p:nvPr/>
+        </p:nvSpPr>
+        <p:spPr>
+          <a:xfrm>
+            <a:off x="3563888" y="3363838"/>
+            <a:ext cx="792088" cy="261610"/>
+          </a:xfrm>
+          <a:prstGeom prst="rect">
+            <a:avLst/>
+          </a:prstGeom>
+          <a:noFill/>
+        </p:spPr>
+        <p:txBody>
+          <a:bodyPr wrap="square" rtlCol="0">
+            <a:spAutoFit/>
+          </a:bodyPr>
+          <a:lstStyle/>
+          <a:p>
+            <a:r>
+              <a:rPr lang="de-DE" sz="1100" b="1" dirty="0" smtClean="0">
+                <a:latin typeface="+mn-lt"/>
+              </a:rPr>
+              <a:t>20.12.19</a:t>
+            </a:r>
+            <a:endParaRPr lang="de-DE" sz="1100" b="1" dirty="0">
+              <a:latin typeface="+mn-lt"/>
+            </a:endParaRPr>
+          </a:p>
+        </p:txBody>
+      </p:sp>
+      <p:sp>
+        <p:nvSpPr>
+          <p:cNvPr id="36" name="Textfeld 35"/>
+          <p:cNvSpPr txBox="1"/>
+          <p:nvPr/>
+        </p:nvSpPr>
+        <p:spPr>
+          <a:xfrm>
+            <a:off x="5220072" y="3363838"/>
+            <a:ext cx="720080" cy="261610"/>
+          </a:xfrm>
+          <a:prstGeom prst="rect">
+            <a:avLst/>
+          </a:prstGeom>
+          <a:noFill/>
+        </p:spPr>
+        <p:txBody>
+          <a:bodyPr wrap="square" rtlCol="0">
+            <a:spAutoFit/>
+          </a:bodyPr>
+          <a:lstStyle/>
+          <a:p>
+            <a:r>
+              <a:rPr lang="de-DE" sz="1100" b="1" dirty="0" smtClean="0">
+                <a:latin typeface="+mn-lt"/>
+              </a:rPr>
+              <a:t>30.01.20</a:t>
+            </a:r>
+            <a:endParaRPr lang="de-DE" sz="1100" b="1" dirty="0">
+              <a:latin typeface="+mn-lt"/>
+            </a:endParaRPr>
+          </a:p>
+        </p:txBody>
+      </p:sp>
+      <p:sp>
+        <p:nvSpPr>
+          <p:cNvPr id="37" name="Textfeld 36"/>
+          <p:cNvSpPr txBox="1"/>
+          <p:nvPr/>
+        </p:nvSpPr>
+        <p:spPr>
+          <a:xfrm>
+            <a:off x="1619672" y="2787774"/>
+            <a:ext cx="1152128" cy="276999"/>
+          </a:xfrm>
+          <a:prstGeom prst="rect">
+            <a:avLst/>
+          </a:prstGeom>
+          <a:noFill/>
+        </p:spPr>
+        <p:txBody>
+          <a:bodyPr wrap="square" rtlCol="0">
+            <a:spAutoFit/>
+          </a:bodyPr>
+          <a:lstStyle/>
+          <a:p>
+            <a:r>
+              <a:rPr lang="de-DE" sz="1200" b="1" dirty="0" smtClean="0">
+                <a:solidFill>
+                  <a:schemeClr val="bg2"/>
+                </a:solidFill>
+                <a:latin typeface="+mn-lt"/>
+              </a:rPr>
+              <a:t>Meilenstein 1 </a:t>
+            </a:r>
+          </a:p>
+        </p:txBody>
+      </p:sp>
+      <p:sp>
+        <p:nvSpPr>
+          <p:cNvPr id="38" name="Textfeld 37"/>
+          <p:cNvSpPr txBox="1"/>
+          <p:nvPr/>
+        </p:nvSpPr>
+        <p:spPr>
+          <a:xfrm>
+            <a:off x="3419872" y="2787774"/>
+            <a:ext cx="1152128" cy="276999"/>
+          </a:xfrm>
+          <a:prstGeom prst="rect">
+            <a:avLst/>
+          </a:prstGeom>
+          <a:noFill/>
+        </p:spPr>
+        <p:txBody>
+          <a:bodyPr wrap="square" rtlCol="0">
+            <a:spAutoFit/>
+          </a:bodyPr>
+          <a:lstStyle/>
+          <a:p>
+            <a:r>
+              <a:rPr lang="de-DE" sz="1200" b="1" dirty="0" smtClean="0">
+                <a:solidFill>
+                  <a:schemeClr val="bg2"/>
+                </a:solidFill>
+                <a:latin typeface="+mn-lt"/>
+              </a:rPr>
+              <a:t>Meilenstein 2</a:t>
+            </a:r>
+            <a:endParaRPr lang="de-DE" sz="1200" b="1" dirty="0">
+              <a:solidFill>
+                <a:schemeClr val="bg2"/>
+              </a:solidFill>
+              <a:latin typeface="+mn-lt"/>
+            </a:endParaRPr>
+          </a:p>
+        </p:txBody>
+      </p:sp>
+      <p:sp>
+        <p:nvSpPr>
+          <p:cNvPr id="39" name="Textfeld 38"/>
+          <p:cNvSpPr txBox="1"/>
+          <p:nvPr/>
+        </p:nvSpPr>
+        <p:spPr>
+          <a:xfrm>
+            <a:off x="6156176" y="1995686"/>
+            <a:ext cx="2736304" cy="923330"/>
+          </a:xfrm>
+          <a:prstGeom prst="rect">
+            <a:avLst/>
+          </a:prstGeom>
+          <a:noFill/>
+        </p:spPr>
+        <p:txBody>
+          <a:bodyPr wrap="square" rtlCol="0">
+            <a:spAutoFit/>
+          </a:bodyPr>
+          <a:lstStyle/>
+          <a:p>
+            <a:r>
+              <a:rPr lang="de-DE" dirty="0" smtClean="0">
+                <a:latin typeface="+mn-lt"/>
+              </a:rPr>
+              <a:t>Sprint 1 = 15 Vorgänge</a:t>
+            </a:r>
+          </a:p>
+          <a:p>
+            <a:r>
+              <a:rPr lang="de-DE" dirty="0" smtClean="0">
+                <a:latin typeface="+mn-lt"/>
+              </a:rPr>
+              <a:t>Sprint 2 = 11 Vorgänge</a:t>
+            </a:r>
+          </a:p>
+          <a:p>
+            <a:r>
+              <a:rPr lang="de-DE" dirty="0" smtClean="0">
+                <a:latin typeface="+mn-lt"/>
+              </a:rPr>
+              <a:t>Sprint 3 = 2 Vorgänge </a:t>
+            </a:r>
+            <a:endParaRPr lang="de-DE" dirty="0">
+              <a:latin typeface="+mn-lt"/>
+            </a:endParaRPr>
+          </a:p>
+        </p:txBody>
+      </p:sp>
+    </p:spTree>
+  </p:cSld>
+  <p:clrMapOvr>
+    <a:masterClrMapping/>
+  </p:clrMapOvr>
+  <p:transition>
+    <p:fade/>
+  </p:transition>
+</p:sld>
+</file>
+
+<file path=ppt/slides/slide27.xml><?xml version="1.0" encoding="utf-8"?>
+<p:sld xmlns:a="http://schemas.openxmlformats.org/drawingml/2006/main" xmlns:r="http://schemas.openxmlformats.org/officeDocument/2006/relationships" xmlns:p="http://schemas.openxmlformats.org/presentationml/2006/main">
+  <p:cSld>
+    <p:spTree>
+      <p:nvGrpSpPr>
+        <p:cNvPr id="1" name=""/>
+        <p:cNvGrpSpPr/>
+        <p:nvPr/>
+      </p:nvGrpSpPr>
+      <p:grpSpPr>
+        <a:xfrm>
+          <a:off x="0" y="0"/>
+          <a:ext cx="0" cy="0"/>
+          <a:chOff x="0" y="0"/>
+          <a:chExt cx="0" cy="0"/>
+        </a:xfrm>
+      </p:grpSpPr>
+      <p:sp>
+        <p:nvSpPr>
+          <p:cNvPr id="4" name="Titel 3"/>
+          <p:cNvSpPr>
+            <a:spLocks noGrp="1"/>
+          </p:cNvSpPr>
+          <p:nvPr>
+            <p:ph type="title"/>
+          </p:nvPr>
+        </p:nvSpPr>
+        <p:spPr>
+          <a:xfrm>
+            <a:off x="323528" y="2139702"/>
+            <a:ext cx="8460000" cy="576000"/>
+          </a:xfrm>
+        </p:spPr>
+        <p:txBody>
+          <a:bodyPr/>
+          <a:lstStyle/>
+          <a:p>
+            <a:r>
+              <a:rPr lang="de-DE" dirty="0" smtClean="0"/>
+              <a:t>Unser Erfahrungsbericht</a:t>
+            </a:r>
+            <a:endParaRPr lang="de-DE" dirty="0"/>
+          </a:p>
+        </p:txBody>
+      </p:sp>
+      <p:sp>
+        <p:nvSpPr>
+          <p:cNvPr id="6" name="Foliennummernplatzhalter 5"/>
+          <p:cNvSpPr>
+            <a:spLocks noGrp="1"/>
+          </p:cNvSpPr>
+          <p:nvPr>
+            <p:ph type="sldNum" sz="quarter" idx="4"/>
+          </p:nvPr>
+        </p:nvSpPr>
+        <p:spPr/>
+        <p:txBody>
+          <a:bodyPr/>
+          <a:lstStyle/>
+          <a:p>
+            <a:fld id="{6D784071-5E4C-448F-9B88-494260B2190C}" type="slidenum">
+              <a:rPr lang="de-DE" smtClean="0"/>
+              <a:pPr/>
+              <a:t>27</a:t>
+            </a:fld>
+            <a:endParaRPr lang="de-DE"/>
+          </a:p>
+        </p:txBody>
+      </p:sp>
+    </p:spTree>
+  </p:cSld>
+  <p:clrMapOvr>
+    <a:masterClrMapping/>
+  </p:clrMapOvr>
+  <p:transition>
+    <p:fade/>
+  </p:transition>
+</p:sld>
+</file>
+
+<file path=ppt/slides/slide28.xml><?xml version="1.0" encoding="utf-8"?>
+<p:sld xmlns:a="http://schemas.openxmlformats.org/drawingml/2006/main" xmlns:r="http://schemas.openxmlformats.org/officeDocument/2006/relationships" xmlns:p="http://schemas.openxmlformats.org/presentationml/2006/main">
+  <p:cSld>
+    <p:spTree>
+      <p:nvGrpSpPr>
+        <p:cNvPr id="1" name=""/>
+        <p:cNvGrpSpPr/>
+        <p:nvPr/>
+      </p:nvGrpSpPr>
+      <p:grpSpPr>
+        <a:xfrm>
+          <a:off x="0" y="0"/>
+          <a:ext cx="0" cy="0"/>
+          <a:chOff x="0" y="0"/>
+          <a:chExt cx="0" cy="0"/>
+        </a:xfrm>
+      </p:grpSpPr>
+      <p:sp>
+        <p:nvSpPr>
+          <p:cNvPr id="7" name="Titel 4"/>
+          <p:cNvSpPr txBox="1">
+            <a:spLocks/>
+          </p:cNvSpPr>
+          <p:nvPr/>
+        </p:nvSpPr>
+        <p:spPr>
+          <a:xfrm>
+            <a:off x="899592" y="1851670"/>
+            <a:ext cx="7200000" cy="1035352"/>
+          </a:xfrm>
+          <a:prstGeom prst="rect">
+            <a:avLst/>
+          </a:prstGeom>
+        </p:spPr>
+        <p:txBody>
+          <a:bodyPr vert="horz" lIns="91440" tIns="45720" rIns="91440" bIns="45720" rtlCol="0" anchor="ctr">
+            <a:noAutofit/>
+          </a:bodyPr>
+          <a:lstStyle>
+            <a:lvl1pPr defTabSz="457200" eaLnBrk="1" latinLnBrk="0" hangingPunct="1">
+              <a:buNone/>
+              <a:defRPr lang="de-DE" sz="2000" b="0" cap="all" baseline="0">
+                <a:latin typeface="Roboto Lt" pitchFamily="2" charset="0"/>
+                <a:ea typeface="Roboto Lt" pitchFamily="2" charset="0"/>
+                <a:cs typeface="+mj-cs"/>
+              </a:defRPr>
+            </a:lvl1pPr>
+          </a:lstStyle>
+          <a:p>
+            <a:pPr algn="ctr"/>
+            <a:r>
+              <a:rPr lang="de-DE" sz="2400" dirty="0">
+                <a:latin typeface="Calibri Light" panose="020F0302020204030204" pitchFamily="34" charset="0"/>
+                <a:cs typeface="Calibri Light" panose="020F0302020204030204" pitchFamily="34" charset="0"/>
+              </a:rPr>
+              <a:t>Vielen Dank für Ihre </a:t>
+            </a:r>
+            <a:br>
+              <a:rPr lang="de-DE" sz="2400" dirty="0">
+                <a:latin typeface="Calibri Light" panose="020F0302020204030204" pitchFamily="34" charset="0"/>
+                <a:cs typeface="Calibri Light" panose="020F0302020204030204" pitchFamily="34" charset="0"/>
+              </a:rPr>
+            </a:br>
+            <a:r>
+              <a:rPr lang="de-DE" sz="2400" dirty="0" err="1">
+                <a:latin typeface="Calibri Light" panose="020F0302020204030204" pitchFamily="34" charset="0"/>
+                <a:cs typeface="Calibri Light" panose="020F0302020204030204" pitchFamily="34" charset="0"/>
+              </a:rPr>
+              <a:t>aufmerksamkeit</a:t>
+            </a:r>
+            <a:r>
+              <a:rPr lang="de-DE" sz="2400" dirty="0">
+                <a:latin typeface="Calibri Light" panose="020F0302020204030204" pitchFamily="34" charset="0"/>
+                <a:cs typeface="Calibri Light" panose="020F0302020204030204" pitchFamily="34" charset="0"/>
+              </a:rPr>
+              <a:t>!</a:t>
+            </a:r>
+          </a:p>
+        </p:txBody>
+      </p:sp>
+    </p:spTree>
+    <p:extLst>
+      <p:ext uri="{BB962C8B-B14F-4D97-AF65-F5344CB8AC3E}">
+        <p14:creationId xmlns:p14="http://schemas.microsoft.com/office/powerpoint/2010/main" xmlns="" val="3549485546"/>
+      </p:ext>
+    </p:extLst>
+  </p:cSld>
+  <p:clrMapOvr>
+    <a:masterClrMapping/>
+  </p:clrMapOvr>
+  <p:transition>
+    <p:fade/>
+  </p:transition>
 </p:sld>
 </file>
 
@@ -4065,55 +8600,6 @@
       </p:sp>
       <p:sp>
         <p:nvSpPr>
-          <p:cNvPr id="4" name="Fußzeilenplatzhalter 3"/>
-          <p:cNvSpPr>
-            <a:spLocks noGrp="1"/>
-          </p:cNvSpPr>
-          <p:nvPr>
-            <p:ph type="ftr" sz="quarter" idx="3"/>
-          </p:nvPr>
-        </p:nvSpPr>
-        <p:spPr/>
-        <p:txBody>
-          <a:bodyPr/>
-          <a:lstStyle/>
-          <a:p>
-            <a:r>
-              <a:rPr lang="de-DE" dirty="0" smtClean="0"/>
-              <a:t>Ron </a:t>
-            </a:r>
-            <a:r>
-              <a:rPr lang="de-DE" dirty="0" err="1" smtClean="0"/>
-              <a:t>Kagelmann</a:t>
-            </a:r>
-            <a:r>
-              <a:rPr lang="de-DE" dirty="0" smtClean="0"/>
-              <a:t>, Sören </a:t>
-            </a:r>
-            <a:r>
-              <a:rPr lang="de-DE" dirty="0" err="1" smtClean="0"/>
-              <a:t>Benjes</a:t>
-            </a:r>
-            <a:r>
-              <a:rPr lang="de-DE" dirty="0" smtClean="0"/>
-              <a:t>, Tom </a:t>
-            </a:r>
-            <a:r>
-              <a:rPr lang="de-DE" dirty="0" err="1" smtClean="0"/>
-              <a:t>Weitze</a:t>
-            </a:r>
-            <a:r>
-              <a:rPr lang="de-DE" dirty="0" smtClean="0"/>
-              <a:t>, Elina Huck</a:t>
-            </a:r>
-          </a:p>
-          <a:p>
-            <a:endParaRPr lang="de-DE" dirty="0"/>
-          </a:p>
-        </p:txBody>
-      </p:sp>
-      <p:sp>
-        <p:nvSpPr>
           <p:cNvPr id="5" name="Foliennummernplatzhalter 4"/>
           <p:cNvSpPr>
             <a:spLocks noGrp="1"/>
@@ -4139,7 +8625,7 @@
     </p:spTree>
     <p:extLst>
       <p:ext uri="{BB962C8B-B14F-4D97-AF65-F5344CB8AC3E}">
-        <p14:creationId xmlns="" xmlns:p14="http://schemas.microsoft.com/office/powerpoint/2010/main" val="49636417"/>
+        <p14:creationId xmlns:p14="http://schemas.microsoft.com/office/powerpoint/2010/main" xmlns="" val="49636417"/>
       </p:ext>
     </p:extLst>
   </p:cSld>
@@ -4171,83 +8657,6 @@
       </p:grpSpPr>
       <p:sp>
         <p:nvSpPr>
-          <p:cNvPr id="2" name="Inhaltsplatzhalter 1"/>
-          <p:cNvSpPr>
-            <a:spLocks noGrp="1"/>
-          </p:cNvSpPr>
-          <p:nvPr>
-            <p:ph sz="quarter" idx="14"/>
-          </p:nvPr>
-        </p:nvSpPr>
-        <p:spPr>
-          <a:xfrm>
-            <a:off x="395536" y="1419622"/>
-            <a:ext cx="8262456" cy="2448272"/>
-          </a:xfrm>
-        </p:spPr>
-        <p:txBody>
-          <a:bodyPr/>
-          <a:lstStyle/>
-          <a:p>
-            <a:r>
-              <a:rPr lang="de-DE" sz="2800" dirty="0" smtClean="0"/>
-              <a:t>Web-</a:t>
-            </a:r>
-            <a:r>
-              <a:rPr lang="de-DE" sz="2800" dirty="0" err="1" smtClean="0"/>
-              <a:t>App</a:t>
-            </a:r>
-            <a:r>
-              <a:rPr lang="de-DE" sz="2800" dirty="0" smtClean="0"/>
-              <a:t>/</a:t>
-            </a:r>
-            <a:r>
-              <a:rPr lang="de-DE" sz="2800" dirty="0" err="1" smtClean="0"/>
-              <a:t>Android-App</a:t>
-            </a:r>
-            <a:r>
-              <a:rPr lang="de-DE" sz="2800" dirty="0" smtClean="0"/>
-              <a:t>/</a:t>
-            </a:r>
-            <a:r>
-              <a:rPr lang="de-DE" sz="2800" dirty="0" err="1" smtClean="0"/>
-              <a:t>iOS-App</a:t>
-            </a:r>
-            <a:r>
-              <a:rPr lang="de-DE" sz="2800" dirty="0" smtClean="0"/>
-              <a:t>?</a:t>
-            </a:r>
-          </a:p>
-          <a:p>
-            <a:r>
-              <a:rPr lang="de-DE" sz="2800" dirty="0" smtClean="0"/>
-              <a:t>Anmeldung durch Bewerber/</a:t>
-            </a:r>
-            <a:r>
-              <a:rPr lang="de-DE" sz="2800" dirty="0" err="1" smtClean="0"/>
-              <a:t>Recruiter</a:t>
-            </a:r>
-            <a:r>
-              <a:rPr lang="de-DE" sz="2800" dirty="0" smtClean="0"/>
-              <a:t>?</a:t>
-            </a:r>
-          </a:p>
-          <a:p>
-            <a:r>
-              <a:rPr lang="de-DE" sz="2800" dirty="0" smtClean="0"/>
-              <a:t>Name/Bewerber-ID?</a:t>
-            </a:r>
-          </a:p>
-          <a:p>
-            <a:r>
-              <a:rPr lang="de-DE" sz="2800" dirty="0" smtClean="0"/>
-              <a:t>Anwendung für Bewerber-ID nötig?</a:t>
-            </a:r>
-          </a:p>
-        </p:txBody>
-      </p:sp>
-      <p:sp>
-        <p:nvSpPr>
           <p:cNvPr id="4" name="Titel 3"/>
           <p:cNvSpPr>
             <a:spLocks noGrp="1"/>
@@ -4263,54 +8672,7 @@
           <a:p>
             <a:r>
               <a:rPr lang="de-DE" dirty="0" smtClean="0"/>
-              <a:t>Erste Überlegungen</a:t>
-            </a:r>
-            <a:endParaRPr lang="de-DE" dirty="0"/>
-          </a:p>
-        </p:txBody>
-      </p:sp>
-      <p:sp>
-        <p:nvSpPr>
-          <p:cNvPr id="5" name="Fußzeilenplatzhalter 4"/>
-          <p:cNvSpPr>
-            <a:spLocks noGrp="1"/>
-          </p:cNvSpPr>
-          <p:nvPr>
-            <p:ph type="ftr" sz="quarter" idx="3"/>
-          </p:nvPr>
-        </p:nvSpPr>
-        <p:spPr/>
-        <p:txBody>
-          <a:bodyPr/>
-          <a:lstStyle/>
-          <a:p>
-            <a:r>
-              <a:rPr lang="de-DE" dirty="0" smtClean="0"/>
-              <a:t>Ron </a:t>
-            </a:r>
-            <a:r>
-              <a:rPr lang="de-DE" dirty="0" err="1" smtClean="0"/>
-              <a:t>Kagelmann</a:t>
-            </a:r>
-            <a:r>
-              <a:rPr lang="de-DE" dirty="0" smtClean="0"/>
-              <a:t>, Sören </a:t>
-            </a:r>
-            <a:r>
-              <a:rPr lang="de-DE" dirty="0" err="1" smtClean="0"/>
-              <a:t>Benjes</a:t>
-            </a:r>
-            <a:r>
-              <a:rPr lang="de-DE" dirty="0" smtClean="0"/>
-              <a:t>, Tom </a:t>
-            </a:r>
-            <a:r>
-              <a:rPr lang="de-DE" dirty="0" err="1" smtClean="0"/>
-              <a:t>Weitze</a:t>
-            </a:r>
-            <a:r>
-              <a:rPr lang="de-DE" dirty="0" smtClean="0"/>
-              <a:t>, Elina Huck</a:t>
+              <a:t>Meilensteine</a:t>
             </a:r>
             <a:endParaRPr lang="de-DE" dirty="0"/>
           </a:p>
@@ -4337,6 +8699,737 @@
               <a:t>4</a:t>
             </a:fld>
             <a:endParaRPr lang="de-DE"/>
+          </a:p>
+        </p:txBody>
+      </p:sp>
+      <p:sp>
+        <p:nvSpPr>
+          <p:cNvPr id="9" name="Rechteck 8"/>
+          <p:cNvSpPr/>
+          <p:nvPr/>
+        </p:nvSpPr>
+        <p:spPr>
+          <a:xfrm>
+            <a:off x="611560" y="1419622"/>
+            <a:ext cx="1152128" cy="576064"/>
+          </a:xfrm>
+          <a:prstGeom prst="rect">
+            <a:avLst/>
+          </a:prstGeom>
+          <a:noFill/>
+          <a:ln>
+            <a:noFill/>
+          </a:ln>
+          <a:effectLst/>
+          <a:scene3d>
+            <a:camera prst="orthographicFront">
+              <a:rot lat="0" lon="0" rev="0"/>
+            </a:camera>
+            <a:lightRig rig="chilly" dir="t">
+              <a:rot lat="0" lon="0" rev="18480000"/>
+            </a:lightRig>
+          </a:scene3d>
+          <a:sp3d prstMaterial="clear">
+            <a:bevelT h="63500"/>
+          </a:sp3d>
+        </p:spPr>
+        <p:style>
+          <a:lnRef idx="1">
+            <a:schemeClr val="accent3"/>
+          </a:lnRef>
+          <a:fillRef idx="2">
+            <a:schemeClr val="accent3"/>
+          </a:fillRef>
+          <a:effectRef idx="1">
+            <a:schemeClr val="accent3"/>
+          </a:effectRef>
+          <a:fontRef idx="minor">
+            <a:schemeClr val="dk1"/>
+          </a:fontRef>
+        </p:style>
+        <p:txBody>
+          <a:bodyPr rot="0" spcFirstLastPara="0" vertOverflow="overflow" horzOverflow="overflow" vert="horz" wrap="square" lIns="91440" tIns="45720" rIns="91440" bIns="45720" numCol="1" spcCol="0" rtlCol="0" fromWordArt="0" anchor="ctr" anchorCtr="0" forceAA="0" compatLnSpc="1">
+            <a:prstTxWarp prst="textNoShape">
+              <a:avLst/>
+            </a:prstTxWarp>
+            <a:noAutofit/>
+          </a:bodyPr>
+          <a:lstStyle/>
+          <a:p>
+            <a:pPr algn="ctr"/>
+            <a:r>
+              <a:rPr lang="de-DE" sz="2000" dirty="0" smtClean="0"/>
+              <a:t>Sprint 1</a:t>
+            </a:r>
+            <a:endParaRPr lang="de-DE" sz="2000" dirty="0"/>
+          </a:p>
+        </p:txBody>
+      </p:sp>
+      <p:cxnSp>
+        <p:nvCxnSpPr>
+          <p:cNvPr id="11" name="Gerade Verbindung mit Pfeil 10"/>
+          <p:cNvCxnSpPr/>
+          <p:nvPr/>
+        </p:nvCxnSpPr>
+        <p:spPr>
+          <a:xfrm>
+            <a:off x="1835696" y="1707654"/>
+            <a:ext cx="504056" cy="0"/>
+          </a:xfrm>
+          <a:prstGeom prst="straightConnector1">
+            <a:avLst/>
+          </a:prstGeom>
+          <a:ln>
+            <a:tailEnd type="arrow"/>
+          </a:ln>
+        </p:spPr>
+        <p:style>
+          <a:lnRef idx="2">
+            <a:schemeClr val="accent1"/>
+          </a:lnRef>
+          <a:fillRef idx="0">
+            <a:schemeClr val="accent1"/>
+          </a:fillRef>
+          <a:effectRef idx="1">
+            <a:schemeClr val="accent1"/>
+          </a:effectRef>
+          <a:fontRef idx="minor">
+            <a:schemeClr val="tx1"/>
+          </a:fontRef>
+        </p:style>
+      </p:cxnSp>
+      <p:sp>
+        <p:nvSpPr>
+          <p:cNvPr id="15" name="Rechteck 14"/>
+          <p:cNvSpPr/>
+          <p:nvPr/>
+        </p:nvSpPr>
+        <p:spPr>
+          <a:xfrm>
+            <a:off x="2483768" y="1419622"/>
+            <a:ext cx="1080120" cy="576064"/>
+          </a:xfrm>
+          <a:prstGeom prst="rect">
+            <a:avLst/>
+          </a:prstGeom>
+          <a:noFill/>
+          <a:ln>
+            <a:noFill/>
+          </a:ln>
+          <a:effectLst/>
+          <a:scene3d>
+            <a:camera prst="orthographicFront">
+              <a:rot lat="0" lon="0" rev="0"/>
+            </a:camera>
+            <a:lightRig rig="chilly" dir="t">
+              <a:rot lat="0" lon="0" rev="18480000"/>
+            </a:lightRig>
+          </a:scene3d>
+          <a:sp3d prstMaterial="clear">
+            <a:bevelT h="63500"/>
+          </a:sp3d>
+        </p:spPr>
+        <p:style>
+          <a:lnRef idx="1">
+            <a:schemeClr val="accent3"/>
+          </a:lnRef>
+          <a:fillRef idx="2">
+            <a:schemeClr val="accent3"/>
+          </a:fillRef>
+          <a:effectRef idx="1">
+            <a:schemeClr val="accent3"/>
+          </a:effectRef>
+          <a:fontRef idx="minor">
+            <a:schemeClr val="dk1"/>
+          </a:fontRef>
+        </p:style>
+        <p:txBody>
+          <a:bodyPr rot="0" spcFirstLastPara="0" vertOverflow="overflow" horzOverflow="overflow" vert="horz" wrap="square" lIns="91440" tIns="45720" rIns="91440" bIns="45720" numCol="1" spcCol="0" rtlCol="0" fromWordArt="0" anchor="ctr" anchorCtr="0" forceAA="0" compatLnSpc="1">
+            <a:prstTxWarp prst="textNoShape">
+              <a:avLst/>
+            </a:prstTxWarp>
+            <a:noAutofit/>
+          </a:bodyPr>
+          <a:lstStyle/>
+          <a:p>
+            <a:pPr algn="ctr"/>
+            <a:r>
+              <a:rPr lang="de-DE" sz="2000" dirty="0" smtClean="0"/>
+              <a:t>Sprint 2</a:t>
+            </a:r>
+            <a:endParaRPr lang="de-DE" sz="2000" dirty="0"/>
+          </a:p>
+        </p:txBody>
+      </p:sp>
+      <p:cxnSp>
+        <p:nvCxnSpPr>
+          <p:cNvPr id="18" name="Gerade Verbindung mit Pfeil 17"/>
+          <p:cNvCxnSpPr/>
+          <p:nvPr/>
+        </p:nvCxnSpPr>
+        <p:spPr>
+          <a:xfrm>
+            <a:off x="3707904" y="1707654"/>
+            <a:ext cx="504056" cy="0"/>
+          </a:xfrm>
+          <a:prstGeom prst="straightConnector1">
+            <a:avLst/>
+          </a:prstGeom>
+          <a:ln>
+            <a:tailEnd type="arrow"/>
+          </a:ln>
+        </p:spPr>
+        <p:style>
+          <a:lnRef idx="2">
+            <a:schemeClr val="accent1"/>
+          </a:lnRef>
+          <a:fillRef idx="0">
+            <a:schemeClr val="accent1"/>
+          </a:fillRef>
+          <a:effectRef idx="1">
+            <a:schemeClr val="accent1"/>
+          </a:effectRef>
+          <a:fontRef idx="minor">
+            <a:schemeClr val="tx1"/>
+          </a:fontRef>
+        </p:style>
+      </p:cxnSp>
+      <p:sp>
+        <p:nvSpPr>
+          <p:cNvPr id="23" name="Rechteck 22"/>
+          <p:cNvSpPr/>
+          <p:nvPr/>
+        </p:nvSpPr>
+        <p:spPr>
+          <a:xfrm>
+            <a:off x="4355976" y="1419622"/>
+            <a:ext cx="1080120" cy="576064"/>
+          </a:xfrm>
+          <a:prstGeom prst="rect">
+            <a:avLst/>
+          </a:prstGeom>
+          <a:noFill/>
+          <a:ln>
+            <a:noFill/>
+          </a:ln>
+          <a:effectLst/>
+          <a:scene3d>
+            <a:camera prst="orthographicFront">
+              <a:rot lat="0" lon="0" rev="0"/>
+            </a:camera>
+            <a:lightRig rig="chilly" dir="t">
+              <a:rot lat="0" lon="0" rev="18480000"/>
+            </a:lightRig>
+          </a:scene3d>
+          <a:sp3d prstMaterial="clear">
+            <a:bevelT h="63500"/>
+          </a:sp3d>
+        </p:spPr>
+        <p:style>
+          <a:lnRef idx="1">
+            <a:schemeClr val="accent3"/>
+          </a:lnRef>
+          <a:fillRef idx="2">
+            <a:schemeClr val="accent3"/>
+          </a:fillRef>
+          <a:effectRef idx="1">
+            <a:schemeClr val="accent3"/>
+          </a:effectRef>
+          <a:fontRef idx="minor">
+            <a:schemeClr val="dk1"/>
+          </a:fontRef>
+        </p:style>
+        <p:txBody>
+          <a:bodyPr rot="0" spcFirstLastPara="0" vertOverflow="overflow" horzOverflow="overflow" vert="horz" wrap="square" lIns="91440" tIns="45720" rIns="91440" bIns="45720" numCol="1" spcCol="0" rtlCol="0" fromWordArt="0" anchor="ctr" anchorCtr="0" forceAA="0" compatLnSpc="1">
+            <a:prstTxWarp prst="textNoShape">
+              <a:avLst/>
+            </a:prstTxWarp>
+            <a:noAutofit/>
+          </a:bodyPr>
+          <a:lstStyle/>
+          <a:p>
+            <a:pPr algn="ctr"/>
+            <a:r>
+              <a:rPr lang="de-DE" sz="2000" dirty="0" smtClean="0"/>
+              <a:t>Sprint 3</a:t>
+            </a:r>
+            <a:endParaRPr lang="de-DE" sz="2000" dirty="0"/>
+          </a:p>
+        </p:txBody>
+      </p:sp>
+      <p:sp>
+        <p:nvSpPr>
+          <p:cNvPr id="24" name="Pfeil nach unten 23"/>
+          <p:cNvSpPr/>
+          <p:nvPr/>
+        </p:nvSpPr>
+        <p:spPr>
+          <a:xfrm>
+            <a:off x="1979712" y="2067694"/>
+            <a:ext cx="216024" cy="576064"/>
+          </a:xfrm>
+          <a:prstGeom prst="downArrow">
+            <a:avLst/>
+          </a:prstGeom>
+          <a:solidFill>
+            <a:schemeClr val="bg1">
+              <a:lumMod val="75000"/>
+            </a:schemeClr>
+          </a:solidFill>
+          <a:ln>
+            <a:noFill/>
+          </a:ln>
+          <a:effectLst/>
+        </p:spPr>
+        <p:style>
+          <a:lnRef idx="1">
+            <a:schemeClr val="accent3"/>
+          </a:lnRef>
+          <a:fillRef idx="2">
+            <a:schemeClr val="accent3"/>
+          </a:fillRef>
+          <a:effectRef idx="1">
+            <a:schemeClr val="accent3"/>
+          </a:effectRef>
+          <a:fontRef idx="minor">
+            <a:schemeClr val="dk1"/>
+          </a:fontRef>
+        </p:style>
+        <p:txBody>
+          <a:bodyPr rot="0" spcFirstLastPara="0" vertOverflow="overflow" horzOverflow="overflow" vert="horz" wrap="square" lIns="91440" tIns="45720" rIns="91440" bIns="45720" numCol="1" spcCol="0" rtlCol="0" fromWordArt="0" anchor="ctr" anchorCtr="0" forceAA="0" compatLnSpc="1">
+            <a:prstTxWarp prst="textNoShape">
+              <a:avLst/>
+            </a:prstTxWarp>
+            <a:noAutofit/>
+          </a:bodyPr>
+          <a:lstStyle/>
+          <a:p>
+            <a:pPr algn="ctr"/>
+            <a:endParaRPr lang="de-DE"/>
+          </a:p>
+        </p:txBody>
+      </p:sp>
+      <p:sp>
+        <p:nvSpPr>
+          <p:cNvPr id="25" name="Pfeil nach unten 24"/>
+          <p:cNvSpPr/>
+          <p:nvPr/>
+        </p:nvSpPr>
+        <p:spPr>
+          <a:xfrm>
+            <a:off x="3851920" y="2067694"/>
+            <a:ext cx="216024" cy="576064"/>
+          </a:xfrm>
+          <a:prstGeom prst="downArrow">
+            <a:avLst/>
+          </a:prstGeom>
+          <a:solidFill>
+            <a:schemeClr val="bg1">
+              <a:lumMod val="75000"/>
+            </a:schemeClr>
+          </a:solidFill>
+          <a:ln>
+            <a:noFill/>
+          </a:ln>
+          <a:effectLst/>
+        </p:spPr>
+        <p:style>
+          <a:lnRef idx="1">
+            <a:schemeClr val="accent3"/>
+          </a:lnRef>
+          <a:fillRef idx="2">
+            <a:schemeClr val="accent3"/>
+          </a:fillRef>
+          <a:effectRef idx="1">
+            <a:schemeClr val="accent3"/>
+          </a:effectRef>
+          <a:fontRef idx="minor">
+            <a:schemeClr val="dk1"/>
+          </a:fontRef>
+        </p:style>
+        <p:txBody>
+          <a:bodyPr rot="0" spcFirstLastPara="0" vertOverflow="overflow" horzOverflow="overflow" vert="horz" wrap="square" lIns="91440" tIns="45720" rIns="91440" bIns="45720" numCol="1" spcCol="0" rtlCol="0" fromWordArt="0" anchor="ctr" anchorCtr="0" forceAA="0" compatLnSpc="1">
+            <a:prstTxWarp prst="textNoShape">
+              <a:avLst/>
+            </a:prstTxWarp>
+            <a:noAutofit/>
+          </a:bodyPr>
+          <a:lstStyle/>
+          <a:p>
+            <a:pPr algn="ctr"/>
+            <a:endParaRPr lang="de-DE"/>
+          </a:p>
+        </p:txBody>
+      </p:sp>
+      <p:cxnSp>
+        <p:nvCxnSpPr>
+          <p:cNvPr id="30" name="Gerade Verbindung mit Pfeil 29"/>
+          <p:cNvCxnSpPr/>
+          <p:nvPr/>
+        </p:nvCxnSpPr>
+        <p:spPr>
+          <a:xfrm>
+            <a:off x="611560" y="3147814"/>
+            <a:ext cx="4896544" cy="0"/>
+          </a:xfrm>
+          <a:prstGeom prst="straightConnector1">
+            <a:avLst/>
+          </a:prstGeom>
+          <a:ln>
+            <a:tailEnd type="arrow"/>
+          </a:ln>
+        </p:spPr>
+        <p:style>
+          <a:lnRef idx="2">
+            <a:schemeClr val="accent1"/>
+          </a:lnRef>
+          <a:fillRef idx="0">
+            <a:schemeClr val="accent1"/>
+          </a:fillRef>
+          <a:effectRef idx="1">
+            <a:schemeClr val="accent1"/>
+          </a:effectRef>
+          <a:fontRef idx="minor">
+            <a:schemeClr val="tx1"/>
+          </a:fontRef>
+        </p:style>
+      </p:cxnSp>
+      <p:sp>
+        <p:nvSpPr>
+          <p:cNvPr id="32" name="Textfeld 31"/>
+          <p:cNvSpPr txBox="1"/>
+          <p:nvPr/>
+        </p:nvSpPr>
+        <p:spPr>
+          <a:xfrm>
+            <a:off x="251520" y="3291830"/>
+            <a:ext cx="720080" cy="369332"/>
+          </a:xfrm>
+          <a:prstGeom prst="rect">
+            <a:avLst/>
+          </a:prstGeom>
+          <a:noFill/>
+        </p:spPr>
+        <p:txBody>
+          <a:bodyPr wrap="square" rtlCol="0">
+            <a:spAutoFit/>
+          </a:bodyPr>
+          <a:lstStyle/>
+          <a:p>
+            <a:r>
+              <a:rPr lang="de-DE" sz="1100" b="1" dirty="0" smtClean="0">
+                <a:latin typeface="+mn-lt"/>
+              </a:rPr>
+              <a:t>11.10.19</a:t>
+            </a:r>
+            <a:r>
+              <a:rPr lang="de-DE" dirty="0" smtClean="0">
+                <a:latin typeface="+mn-lt"/>
+              </a:rPr>
+              <a:t> </a:t>
+            </a:r>
+            <a:endParaRPr lang="de-DE" dirty="0">
+              <a:latin typeface="+mn-lt"/>
+            </a:endParaRPr>
+          </a:p>
+        </p:txBody>
+      </p:sp>
+      <p:sp>
+        <p:nvSpPr>
+          <p:cNvPr id="33" name="Textfeld 32"/>
+          <p:cNvSpPr txBox="1"/>
+          <p:nvPr/>
+        </p:nvSpPr>
+        <p:spPr>
+          <a:xfrm>
+            <a:off x="1691680" y="3363838"/>
+            <a:ext cx="720080" cy="261610"/>
+          </a:xfrm>
+          <a:prstGeom prst="rect">
+            <a:avLst/>
+          </a:prstGeom>
+          <a:noFill/>
+        </p:spPr>
+        <p:txBody>
+          <a:bodyPr wrap="square" rtlCol="0">
+            <a:spAutoFit/>
+          </a:bodyPr>
+          <a:lstStyle/>
+          <a:p>
+            <a:r>
+              <a:rPr lang="de-DE" sz="1100" b="1" dirty="0" smtClean="0">
+                <a:latin typeface="+mn-lt"/>
+              </a:rPr>
+              <a:t>15.11.19</a:t>
+            </a:r>
+            <a:endParaRPr lang="de-DE" sz="1100" b="1" dirty="0">
+              <a:latin typeface="+mn-lt"/>
+            </a:endParaRPr>
+          </a:p>
+        </p:txBody>
+      </p:sp>
+      <p:sp>
+        <p:nvSpPr>
+          <p:cNvPr id="35" name="Textfeld 34"/>
+          <p:cNvSpPr txBox="1"/>
+          <p:nvPr/>
+        </p:nvSpPr>
+        <p:spPr>
+          <a:xfrm>
+            <a:off x="3563888" y="3363838"/>
+            <a:ext cx="792088" cy="261610"/>
+          </a:xfrm>
+          <a:prstGeom prst="rect">
+            <a:avLst/>
+          </a:prstGeom>
+          <a:noFill/>
+        </p:spPr>
+        <p:txBody>
+          <a:bodyPr wrap="square" rtlCol="0">
+            <a:spAutoFit/>
+          </a:bodyPr>
+          <a:lstStyle/>
+          <a:p>
+            <a:r>
+              <a:rPr lang="de-DE" sz="1100" b="1" dirty="0" smtClean="0">
+                <a:latin typeface="+mn-lt"/>
+              </a:rPr>
+              <a:t>20.12.19</a:t>
+            </a:r>
+            <a:endParaRPr lang="de-DE" sz="1100" b="1" dirty="0">
+              <a:latin typeface="+mn-lt"/>
+            </a:endParaRPr>
+          </a:p>
+        </p:txBody>
+      </p:sp>
+      <p:sp>
+        <p:nvSpPr>
+          <p:cNvPr id="36" name="Textfeld 35"/>
+          <p:cNvSpPr txBox="1"/>
+          <p:nvPr/>
+        </p:nvSpPr>
+        <p:spPr>
+          <a:xfrm>
+            <a:off x="5220072" y="3363838"/>
+            <a:ext cx="720080" cy="261610"/>
+          </a:xfrm>
+          <a:prstGeom prst="rect">
+            <a:avLst/>
+          </a:prstGeom>
+          <a:noFill/>
+        </p:spPr>
+        <p:txBody>
+          <a:bodyPr wrap="square" rtlCol="0">
+            <a:spAutoFit/>
+          </a:bodyPr>
+          <a:lstStyle/>
+          <a:p>
+            <a:r>
+              <a:rPr lang="de-DE" sz="1100" b="1" dirty="0" smtClean="0">
+                <a:latin typeface="+mn-lt"/>
+              </a:rPr>
+              <a:t>30.01.20</a:t>
+            </a:r>
+            <a:endParaRPr lang="de-DE" sz="1100" b="1" dirty="0">
+              <a:latin typeface="+mn-lt"/>
+            </a:endParaRPr>
+          </a:p>
+        </p:txBody>
+      </p:sp>
+      <p:sp>
+        <p:nvSpPr>
+          <p:cNvPr id="37" name="Textfeld 36"/>
+          <p:cNvSpPr txBox="1"/>
+          <p:nvPr/>
+        </p:nvSpPr>
+        <p:spPr>
+          <a:xfrm>
+            <a:off x="1619672" y="2787774"/>
+            <a:ext cx="1152128" cy="276999"/>
+          </a:xfrm>
+          <a:prstGeom prst="rect">
+            <a:avLst/>
+          </a:prstGeom>
+          <a:noFill/>
+        </p:spPr>
+        <p:txBody>
+          <a:bodyPr wrap="square" rtlCol="0">
+            <a:spAutoFit/>
+          </a:bodyPr>
+          <a:lstStyle/>
+          <a:p>
+            <a:r>
+              <a:rPr lang="de-DE" sz="1200" b="1" dirty="0" smtClean="0">
+                <a:solidFill>
+                  <a:schemeClr val="bg2"/>
+                </a:solidFill>
+                <a:latin typeface="+mn-lt"/>
+              </a:rPr>
+              <a:t>Meilenstein 1 </a:t>
+            </a:r>
+          </a:p>
+        </p:txBody>
+      </p:sp>
+      <p:sp>
+        <p:nvSpPr>
+          <p:cNvPr id="38" name="Textfeld 37"/>
+          <p:cNvSpPr txBox="1"/>
+          <p:nvPr/>
+        </p:nvSpPr>
+        <p:spPr>
+          <a:xfrm>
+            <a:off x="3419872" y="2787774"/>
+            <a:ext cx="1152128" cy="276999"/>
+          </a:xfrm>
+          <a:prstGeom prst="rect">
+            <a:avLst/>
+          </a:prstGeom>
+          <a:noFill/>
+        </p:spPr>
+        <p:txBody>
+          <a:bodyPr wrap="square" rtlCol="0">
+            <a:spAutoFit/>
+          </a:bodyPr>
+          <a:lstStyle/>
+          <a:p>
+            <a:r>
+              <a:rPr lang="de-DE" sz="1200" b="1" dirty="0" smtClean="0">
+                <a:solidFill>
+                  <a:schemeClr val="bg2"/>
+                </a:solidFill>
+                <a:latin typeface="+mn-lt"/>
+              </a:rPr>
+              <a:t>Meilenstein 2</a:t>
+            </a:r>
+            <a:endParaRPr lang="de-DE" sz="1200" b="1" dirty="0">
+              <a:solidFill>
+                <a:schemeClr val="bg2"/>
+              </a:solidFill>
+              <a:latin typeface="+mn-lt"/>
+            </a:endParaRPr>
+          </a:p>
+        </p:txBody>
+      </p:sp>
+      <p:sp>
+        <p:nvSpPr>
+          <p:cNvPr id="39" name="Textfeld 38"/>
+          <p:cNvSpPr txBox="1"/>
+          <p:nvPr/>
+        </p:nvSpPr>
+        <p:spPr>
+          <a:xfrm>
+            <a:off x="6156176" y="1995686"/>
+            <a:ext cx="2736304" cy="923330"/>
+          </a:xfrm>
+          <a:prstGeom prst="rect">
+            <a:avLst/>
+          </a:prstGeom>
+          <a:noFill/>
+        </p:spPr>
+        <p:txBody>
+          <a:bodyPr wrap="square" rtlCol="0">
+            <a:spAutoFit/>
+          </a:bodyPr>
+          <a:lstStyle/>
+          <a:p>
+            <a:r>
+              <a:rPr lang="de-DE" dirty="0" smtClean="0">
+                <a:latin typeface="+mn-lt"/>
+              </a:rPr>
+              <a:t>Sprint 1 = 15 Vorgänge</a:t>
+            </a:r>
+          </a:p>
+          <a:p>
+            <a:r>
+              <a:rPr lang="de-DE" dirty="0" smtClean="0">
+                <a:latin typeface="+mn-lt"/>
+              </a:rPr>
+              <a:t>Sprint 2 = 11 Vorgänge</a:t>
+            </a:r>
+          </a:p>
+          <a:p>
+            <a:r>
+              <a:rPr lang="de-DE" dirty="0" smtClean="0">
+                <a:latin typeface="+mn-lt"/>
+              </a:rPr>
+              <a:t>Sprint 3 = 2 Vorgänge </a:t>
+            </a:r>
+            <a:endParaRPr lang="de-DE" dirty="0">
+              <a:latin typeface="+mn-lt"/>
+            </a:endParaRPr>
+          </a:p>
+        </p:txBody>
+      </p:sp>
+      <p:cxnSp>
+        <p:nvCxnSpPr>
+          <p:cNvPr id="43" name="Gerade Verbindung mit Pfeil 42"/>
+          <p:cNvCxnSpPr/>
+          <p:nvPr/>
+        </p:nvCxnSpPr>
+        <p:spPr>
+          <a:xfrm flipH="1" flipV="1">
+            <a:off x="2267744" y="3723878"/>
+            <a:ext cx="864096" cy="720080"/>
+          </a:xfrm>
+          <a:prstGeom prst="straightConnector1">
+            <a:avLst/>
+          </a:prstGeom>
+          <a:ln>
+            <a:tailEnd type="arrow"/>
+          </a:ln>
+        </p:spPr>
+        <p:style>
+          <a:lnRef idx="2">
+            <a:schemeClr val="accent1"/>
+          </a:lnRef>
+          <a:fillRef idx="0">
+            <a:schemeClr val="accent1"/>
+          </a:fillRef>
+          <a:effectRef idx="1">
+            <a:schemeClr val="accent1"/>
+          </a:effectRef>
+          <a:fontRef idx="minor">
+            <a:schemeClr val="tx1"/>
+          </a:fontRef>
+        </p:style>
+      </p:cxnSp>
+      <p:sp>
+        <p:nvSpPr>
+          <p:cNvPr id="44" name="Textfeld 43"/>
+          <p:cNvSpPr txBox="1"/>
+          <p:nvPr/>
+        </p:nvSpPr>
+        <p:spPr>
+          <a:xfrm>
+            <a:off x="3059832" y="4515966"/>
+            <a:ext cx="1872208" cy="338554"/>
+          </a:xfrm>
+          <a:prstGeom prst="rect">
+            <a:avLst/>
+          </a:prstGeom>
+          <a:noFill/>
+        </p:spPr>
+        <p:txBody>
+          <a:bodyPr wrap="square" rtlCol="0">
+            <a:spAutoFit/>
+          </a:bodyPr>
+          <a:lstStyle/>
+          <a:p>
+            <a:r>
+              <a:rPr lang="de-DE" sz="1600" b="1" dirty="0" smtClean="0">
+                <a:solidFill>
+                  <a:srgbClr val="FF0000"/>
+                </a:solidFill>
+                <a:latin typeface="+mn-lt"/>
+              </a:rPr>
+              <a:t>Zwischenergebnis</a:t>
+            </a:r>
+            <a:endParaRPr lang="de-DE" sz="1600" b="1" dirty="0">
+              <a:solidFill>
+                <a:srgbClr val="FF0000"/>
+              </a:solidFill>
+              <a:latin typeface="+mn-lt"/>
+            </a:endParaRPr>
           </a:p>
         </p:txBody>
       </p:sp>
@@ -4380,8 +9473,8 @@
         </p:nvSpPr>
         <p:spPr>
           <a:xfrm>
-            <a:off x="395536" y="1419622"/>
-            <a:ext cx="8262456" cy="2571862"/>
+            <a:off x="414000" y="1008000"/>
+            <a:ext cx="8334464" cy="3600000"/>
           </a:xfrm>
         </p:spPr>
         <p:txBody>
@@ -4390,29 +9483,79 @@
           <a:p>
             <a:r>
               <a:rPr lang="de-DE" sz="2800" dirty="0" smtClean="0"/>
-              <a:t>Unterscheidung und Auswahl der Tests</a:t>
+              <a:t>Web-Applikation</a:t>
             </a:r>
           </a:p>
           <a:p>
             <a:r>
               <a:rPr lang="de-DE" sz="2800" dirty="0" smtClean="0"/>
-              <a:t>Text/Multiple Choice?</a:t>
-            </a:r>
+              <a:t>Stellenauswahl &amp; Eingabe Bewerber-ID -&gt; </a:t>
+            </a:r>
+            <a:r>
+              <a:rPr lang="de-DE" sz="2800" dirty="0" err="1" smtClean="0"/>
+              <a:t>Recruiter</a:t>
+            </a:r>
+            <a:endParaRPr lang="de-DE" sz="2800" dirty="0" smtClean="0"/>
           </a:p>
           <a:p>
             <a:r>
               <a:rPr lang="de-DE" sz="2800" dirty="0" smtClean="0"/>
-              <a:t>Fragebogenverwaltung?</a:t>
-            </a:r>
-          </a:p>
-          <a:p>
+              <a:t>Bewerber-</a:t>
+            </a:r>
+            <a:r>
+              <a:rPr lang="de-DE" sz="2800" dirty="0" err="1" smtClean="0"/>
+              <a:t>ID‘s</a:t>
+            </a:r>
             <a:r>
               <a:rPr lang="de-DE" sz="2800" dirty="0" smtClean="0"/>
-              <a:t>Ergebnis: Server/E-Mail?</a:t>
-            </a:r>
-          </a:p>
-          <a:p>
-            <a:endParaRPr lang="de-DE" dirty="0"/>
+              <a:t> bereits vergeben</a:t>
+            </a:r>
+          </a:p>
+          <a:p>
+            <a:r>
+              <a:rPr lang="de-DE" sz="2800" dirty="0" err="1" smtClean="0"/>
+              <a:t>Prio</a:t>
+            </a:r>
+            <a:r>
+              <a:rPr lang="de-DE" sz="2800" dirty="0" smtClean="0"/>
+              <a:t> 1: Multiple Choice; </a:t>
+            </a:r>
+            <a:r>
+              <a:rPr lang="de-DE" sz="2800" dirty="0" err="1" smtClean="0"/>
+              <a:t>Prio</a:t>
+            </a:r>
+            <a:r>
+              <a:rPr lang="de-DE" sz="2800" dirty="0" smtClean="0"/>
+              <a:t> 2: Textfelder</a:t>
+            </a:r>
+          </a:p>
+          <a:p>
+            <a:r>
+              <a:rPr lang="de-DE" sz="2800" dirty="0" smtClean="0"/>
+              <a:t>Tests &amp; Stellen werden durch </a:t>
+            </a:r>
+            <a:r>
+              <a:rPr lang="de-DE" sz="2800" dirty="0" err="1" smtClean="0"/>
+              <a:t>txt</a:t>
+            </a:r>
+            <a:r>
+              <a:rPr lang="de-DE" sz="2800" dirty="0" smtClean="0"/>
+              <a:t>. Datei</a:t>
+            </a:r>
+            <a:r>
+              <a:rPr lang="de-DE" sz="2800" dirty="0" smtClean="0"/>
+              <a:t> </a:t>
+            </a:r>
+            <a:r>
+              <a:rPr lang="de-DE" sz="2800" dirty="0" smtClean="0"/>
+              <a:t>generiert</a:t>
+            </a:r>
+          </a:p>
+          <a:p>
+            <a:r>
+              <a:rPr lang="de-DE" sz="2800" dirty="0" smtClean="0"/>
+              <a:t>Ergebnis per Mail</a:t>
+            </a:r>
           </a:p>
         </p:txBody>
       </p:sp>
@@ -4433,54 +9576,7 @@
           <a:p>
             <a:r>
               <a:rPr lang="de-DE" dirty="0" smtClean="0"/>
-              <a:t>Erste Überlegungen</a:t>
-            </a:r>
-            <a:endParaRPr lang="de-DE" dirty="0"/>
-          </a:p>
-        </p:txBody>
-      </p:sp>
-      <p:sp>
-        <p:nvSpPr>
-          <p:cNvPr id="5" name="Fußzeilenplatzhalter 4"/>
-          <p:cNvSpPr>
-            <a:spLocks noGrp="1"/>
-          </p:cNvSpPr>
-          <p:nvPr>
-            <p:ph type="ftr" sz="quarter" idx="3"/>
-          </p:nvPr>
-        </p:nvSpPr>
-        <p:spPr/>
-        <p:txBody>
-          <a:bodyPr/>
-          <a:lstStyle/>
-          <a:p>
-            <a:r>
-              <a:rPr lang="de-DE" dirty="0" smtClean="0"/>
-              <a:t>Ron </a:t>
-            </a:r>
-            <a:r>
-              <a:rPr lang="de-DE" dirty="0" err="1" smtClean="0"/>
-              <a:t>Kagelmann</a:t>
-            </a:r>
-            <a:r>
-              <a:rPr lang="de-DE" dirty="0" smtClean="0"/>
-              <a:t>, Sören </a:t>
-            </a:r>
-            <a:r>
-              <a:rPr lang="de-DE" dirty="0" err="1" smtClean="0"/>
-              <a:t>Benjes</a:t>
-            </a:r>
-            <a:r>
-              <a:rPr lang="de-DE" dirty="0" smtClean="0"/>
-              <a:t>, Tom </a:t>
-            </a:r>
-            <a:r>
-              <a:rPr lang="de-DE" dirty="0" err="1" smtClean="0"/>
-              <a:t>Weitze</a:t>
-            </a:r>
-            <a:r>
-              <a:rPr lang="de-DE" dirty="0" smtClean="0"/>
-              <a:t>, Elina Huck</a:t>
+              <a:t>Lösungsansatz</a:t>
             </a:r>
             <a:endParaRPr lang="de-DE" dirty="0"/>
           </a:p>
@@ -4538,96 +9634,29 @@
           <a:chExt cx="0" cy="0"/>
         </a:xfrm>
       </p:grpSpPr>
-      <p:sp>
-        <p:nvSpPr>
-          <p:cNvPr id="2" name="Inhaltsplatzhalter 1"/>
-          <p:cNvSpPr>
-            <a:spLocks noGrp="1"/>
-          </p:cNvSpPr>
+      <p:pic>
+        <p:nvPicPr>
+          <p:cNvPr id="7" name="Inhaltsplatzhalter 6" descr="WhatsApp Image 2019-12-19 at 18.48.35 (2).jpeg"/>
+          <p:cNvPicPr>
+            <a:picLocks noGrp="1" noChangeAspect="1"/>
+          </p:cNvPicPr>
           <p:nvPr>
             <p:ph sz="quarter" idx="14"/>
           </p:nvPr>
-        </p:nvSpPr>
-        <p:spPr>
-          <a:xfrm>
-            <a:off x="414000" y="1008000"/>
-            <a:ext cx="8334464" cy="3600000"/>
-          </a:xfrm>
-        </p:spPr>
-        <p:txBody>
-          <a:bodyPr/>
-          <a:lstStyle/>
-          <a:p>
-            <a:r>
-              <a:rPr lang="de-DE" sz="2800" dirty="0" smtClean="0"/>
-              <a:t>Web-Applikation</a:t>
-            </a:r>
-          </a:p>
-          <a:p>
-            <a:r>
-              <a:rPr lang="de-DE" sz="2800" dirty="0" smtClean="0"/>
-              <a:t>Stellenauswahl &amp; Eingabe Bewerber-ID -&gt; </a:t>
-            </a:r>
-            <a:r>
-              <a:rPr lang="de-DE" sz="2800" dirty="0" err="1" smtClean="0"/>
-              <a:t>Recruiter</a:t>
-            </a:r>
-            <a:endParaRPr lang="de-DE" sz="2800" dirty="0" smtClean="0"/>
-          </a:p>
-          <a:p>
-            <a:r>
-              <a:rPr lang="de-DE" sz="2800" dirty="0" smtClean="0"/>
-              <a:t>Bewerber-</a:t>
-            </a:r>
-            <a:r>
-              <a:rPr lang="de-DE" sz="2800" dirty="0" err="1" smtClean="0"/>
-              <a:t>ID‘s</a:t>
-            </a:r>
-            <a:r>
-              <a:rPr lang="de-DE" sz="2800" dirty="0" smtClean="0"/>
-              <a:t> bereits vergeben</a:t>
-            </a:r>
-          </a:p>
-          <a:p>
-            <a:r>
-              <a:rPr lang="de-DE" sz="2800" dirty="0" err="1" smtClean="0"/>
-              <a:t>Prio</a:t>
-            </a:r>
-            <a:r>
-              <a:rPr lang="de-DE" sz="2800" dirty="0" smtClean="0"/>
-              <a:t> 1: Multiple Choice; </a:t>
-            </a:r>
-            <a:r>
-              <a:rPr lang="de-DE" sz="2800" dirty="0" err="1" smtClean="0"/>
-              <a:t>Prio</a:t>
-            </a:r>
-            <a:r>
-              <a:rPr lang="de-DE" sz="2800" dirty="0" smtClean="0"/>
-              <a:t> 2: Textfelder</a:t>
-            </a:r>
-          </a:p>
-          <a:p>
-            <a:r>
-              <a:rPr lang="de-DE" sz="2800" dirty="0" smtClean="0"/>
-              <a:t>Tests &amp; Stellen aus .</a:t>
-            </a:r>
-            <a:r>
-              <a:rPr lang="de-DE" sz="2800" dirty="0" err="1" smtClean="0"/>
-              <a:t>txt</a:t>
-            </a:r>
-            <a:r>
-              <a:rPr lang="de-DE" sz="2800" dirty="0" smtClean="0"/>
-              <a:t> generiert</a:t>
-            </a:r>
-          </a:p>
-          <a:p>
-            <a:r>
-              <a:rPr lang="de-DE" sz="2800" dirty="0" smtClean="0"/>
-              <a:t>Ergebnis per Mail</a:t>
-            </a:r>
-          </a:p>
-        </p:txBody>
-      </p:sp>
+        </p:nvPicPr>
+        <p:blipFill>
+          <a:blip r:embed="rId2" cstate="print"/>
+          <a:stretch>
+            <a:fillRect/>
+          </a:stretch>
+        </p:blipFill>
+        <p:spPr>
+          <a:xfrm>
+            <a:off x="1381125" y="1008063"/>
+            <a:ext cx="6400800" cy="3600450"/>
+          </a:xfrm>
+        </p:spPr>
+      </p:pic>
       <p:sp>
         <p:nvSpPr>
           <p:cNvPr id="4" name="Titel 3"/>
@@ -4644,58 +9673,13 @@
           <a:lstStyle/>
           <a:p>
             <a:r>
+              <a:rPr lang="de-DE" dirty="0" err="1" smtClean="0"/>
+              <a:t>ZwischenErgebnis</a:t>
+            </a:r>
+            <a:r>
               <a:rPr lang="de-DE" dirty="0" smtClean="0"/>
-              <a:t>Lösungsansatz</a:t>
-            </a:r>
-            <a:endParaRPr lang="de-DE" dirty="0"/>
-          </a:p>
-        </p:txBody>
-      </p:sp>
-      <p:sp>
-        <p:nvSpPr>
-          <p:cNvPr id="5" name="Fußzeilenplatzhalter 4"/>
-          <p:cNvSpPr>
-            <a:spLocks noGrp="1"/>
-          </p:cNvSpPr>
-          <p:nvPr>
-            <p:ph type="ftr" sz="quarter" idx="3"/>
-          </p:nvPr>
-        </p:nvSpPr>
-        <p:spPr/>
-        <p:txBody>
-          <a:bodyPr/>
-          <a:lstStyle/>
-          <a:p>
-            <a:r>
-              <a:rPr lang="de-DE" dirty="0" smtClean="0"/>
-              <a:t>Ron </a:t>
-            </a:r>
-            <a:r>
-              <a:rPr lang="de-DE" dirty="0" err="1" smtClean="0"/>
-              <a:t>Kagelmann</a:t>
-            </a:r>
-            <a:r>
-              <a:rPr lang="de-DE" dirty="0" smtClean="0"/>
-              <a:t>, Sören </a:t>
-            </a:r>
-            <a:r>
-              <a:rPr lang="de-DE" dirty="0" err="1" smtClean="0"/>
-              <a:t>Benjes</a:t>
-            </a:r>
-            <a:r>
-              <a:rPr lang="de-DE" dirty="0" smtClean="0"/>
-              <a:t>, Tom </a:t>
-            </a:r>
-            <a:r>
-              <a:rPr lang="de-DE" dirty="0" err="1" smtClean="0"/>
-              <a:t>Weitze</a:t>
-            </a:r>
-            <a:r>
-              <a:rPr lang="de-DE" dirty="0" smtClean="0"/>
-              <a:t>, Elina Huck</a:t>
-            </a:r>
-          </a:p>
-          <a:p>
+              <a:t> - Stellenauswahl</a:t>
+            </a:r>
             <a:endParaRPr lang="de-DE" dirty="0"/>
           </a:p>
         </p:txBody>
@@ -4752,90 +9736,29 @@
           <a:chExt cx="0" cy="0"/>
         </a:xfrm>
       </p:grpSpPr>
-      <p:sp>
-        <p:nvSpPr>
-          <p:cNvPr id="2" name="Inhaltsplatzhalter 1"/>
-          <p:cNvSpPr>
-            <a:spLocks noGrp="1"/>
-          </p:cNvSpPr>
+      <p:pic>
+        <p:nvPicPr>
+          <p:cNvPr id="7" name="Inhaltsplatzhalter 6" descr="WhatsApp Image 2019-12-19 at 18.48.35 (3).jpeg"/>
+          <p:cNvPicPr>
+            <a:picLocks noGrp="1" noChangeAspect="1"/>
+          </p:cNvPicPr>
           <p:nvPr>
             <p:ph sz="quarter" idx="14"/>
           </p:nvPr>
-        </p:nvSpPr>
-        <p:spPr>
-          <a:xfrm>
-            <a:off x="414000" y="1008000"/>
-            <a:ext cx="8334464" cy="3507966"/>
-          </a:xfrm>
-        </p:spPr>
-        <p:txBody>
-          <a:bodyPr/>
-          <a:lstStyle/>
-          <a:p>
-            <a:pPr>
-              <a:buAutoNum type="arabicPeriod"/>
-            </a:pPr>
-            <a:r>
-              <a:rPr lang="de-DE" sz="2800" dirty="0" smtClean="0"/>
-              <a:t>Festlegen einzelner Seiten</a:t>
-            </a:r>
-          </a:p>
-          <a:p>
-            <a:pPr>
-              <a:buAutoNum type="arabicPeriod"/>
-            </a:pPr>
-            <a:r>
-              <a:rPr lang="de-DE" sz="2800" dirty="0" smtClean="0"/>
-              <a:t>Einarbeitung in HTML, CSS</a:t>
-            </a:r>
-          </a:p>
-          <a:p>
-            <a:pPr>
-              <a:buAutoNum type="arabicPeriod"/>
-            </a:pPr>
-            <a:r>
-              <a:rPr lang="de-DE" sz="2800" dirty="0" smtClean="0"/>
-              <a:t>Erstellung einzelner Seiten</a:t>
-            </a:r>
-          </a:p>
-          <a:p>
-            <a:pPr>
-              <a:buAutoNum type="arabicPeriod"/>
-            </a:pPr>
-            <a:r>
-              <a:rPr lang="de-DE" sz="2800" dirty="0" smtClean="0"/>
-              <a:t>Verknüpfen einzelner HTML-Seiten</a:t>
-            </a:r>
-          </a:p>
-          <a:p>
-            <a:pPr>
-              <a:buAutoNum type="arabicPeriod"/>
-            </a:pPr>
-            <a:r>
-              <a:rPr lang="de-DE" sz="2800" dirty="0" smtClean="0"/>
-              <a:t>Anpassen des Designs mit CSS</a:t>
-            </a:r>
-          </a:p>
-          <a:p>
-            <a:pPr>
-              <a:buAutoNum type="arabicPeriod"/>
-            </a:pPr>
-            <a:r>
-              <a:rPr lang="de-DE" sz="2800" dirty="0" smtClean="0"/>
-              <a:t>Passende Skriptsprache wählen</a:t>
-            </a:r>
-          </a:p>
-          <a:p>
-            <a:pPr>
-              <a:buAutoNum type="arabicPeriod"/>
-            </a:pPr>
-            <a:endParaRPr lang="de-DE" dirty="0" smtClean="0"/>
-          </a:p>
-          <a:p>
-            <a:endParaRPr lang="de-DE" dirty="0"/>
-          </a:p>
-        </p:txBody>
-      </p:sp>
+        </p:nvPicPr>
+        <p:blipFill>
+          <a:blip r:embed="rId2" cstate="print"/>
+          <a:stretch>
+            <a:fillRect/>
+          </a:stretch>
+        </p:blipFill>
+        <p:spPr>
+          <a:xfrm>
+            <a:off x="1381125" y="1008063"/>
+            <a:ext cx="6400800" cy="3600450"/>
+          </a:xfrm>
+        </p:spPr>
+      </p:pic>
       <p:sp>
         <p:nvSpPr>
           <p:cNvPr id="4" name="Titel 3"/>
@@ -4853,54 +9776,7 @@
           <a:p>
             <a:r>
               <a:rPr lang="de-DE" dirty="0" smtClean="0"/>
-              <a:t>Vorbereitung/Durchführung</a:t>
-            </a:r>
-            <a:endParaRPr lang="de-DE" dirty="0"/>
-          </a:p>
-        </p:txBody>
-      </p:sp>
-      <p:sp>
-        <p:nvSpPr>
-          <p:cNvPr id="5" name="Fußzeilenplatzhalter 4"/>
-          <p:cNvSpPr>
-            <a:spLocks noGrp="1"/>
-          </p:cNvSpPr>
-          <p:nvPr>
-            <p:ph type="ftr" sz="quarter" idx="3"/>
-          </p:nvPr>
-        </p:nvSpPr>
-        <p:spPr/>
-        <p:txBody>
-          <a:bodyPr/>
-          <a:lstStyle/>
-          <a:p>
-            <a:r>
-              <a:rPr lang="de-DE" dirty="0" smtClean="0"/>
-              <a:t>Ron </a:t>
-            </a:r>
-            <a:r>
-              <a:rPr lang="de-DE" dirty="0" err="1" smtClean="0"/>
-              <a:t>Kagelmann</a:t>
-            </a:r>
-            <a:r>
-              <a:rPr lang="de-DE" dirty="0" smtClean="0"/>
-              <a:t>, Sören </a:t>
-            </a:r>
-            <a:r>
-              <a:rPr lang="de-DE" dirty="0" err="1" smtClean="0"/>
-              <a:t>Benjes</a:t>
-            </a:r>
-            <a:r>
-              <a:rPr lang="de-DE" dirty="0" smtClean="0"/>
-              <a:t>, Tom </a:t>
-            </a:r>
-            <a:r>
-              <a:rPr lang="de-DE" dirty="0" err="1" smtClean="0"/>
-              <a:t>Weitze</a:t>
-            </a:r>
-            <a:r>
-              <a:rPr lang="de-DE" dirty="0" smtClean="0"/>
-              <a:t>, Elina Huck</a:t>
+              <a:t>Zwischenergebnis – Eingabe ID</a:t>
             </a:r>
             <a:endParaRPr lang="de-DE" dirty="0"/>
           </a:p>
@@ -4958,84 +9834,29 @@
           <a:chExt cx="0" cy="0"/>
         </a:xfrm>
       </p:grpSpPr>
-      <p:sp>
-        <p:nvSpPr>
-          <p:cNvPr id="2" name="Inhaltsplatzhalter 1"/>
-          <p:cNvSpPr>
-            <a:spLocks noGrp="1"/>
-          </p:cNvSpPr>
+      <p:pic>
+        <p:nvPicPr>
+          <p:cNvPr id="7" name="Inhaltsplatzhalter 6" descr="WhatsApp Image 2019-12-19 at 18.48.36.jpeg"/>
+          <p:cNvPicPr>
+            <a:picLocks noGrp="1" noChangeAspect="1"/>
+          </p:cNvPicPr>
           <p:nvPr>
             <p:ph sz="quarter" idx="14"/>
           </p:nvPr>
-        </p:nvSpPr>
-        <p:spPr>
-          <a:xfrm>
-            <a:off x="414000" y="1008000"/>
-            <a:ext cx="8334464" cy="3600000"/>
-          </a:xfrm>
-        </p:spPr>
-        <p:txBody>
-          <a:bodyPr/>
-          <a:lstStyle/>
-          <a:p>
-            <a:pPr>
-              <a:buNone/>
-            </a:pPr>
-            <a:r>
-              <a:rPr lang="de-DE" sz="2800" dirty="0" smtClean="0"/>
-              <a:t>7.Einarbeitung in die Skriptsprache PHP</a:t>
-            </a:r>
-          </a:p>
-          <a:p>
-            <a:pPr>
-              <a:buNone/>
-            </a:pPr>
-            <a:r>
-              <a:rPr lang="de-DE" sz="2800" dirty="0" smtClean="0"/>
-              <a:t>8. Programmieren</a:t>
-            </a:r>
-          </a:p>
-          <a:p>
-            <a:pPr>
-              <a:buNone/>
-            </a:pPr>
-            <a:r>
-              <a:rPr lang="de-DE" sz="2800" dirty="0" smtClean="0"/>
-              <a:t>9. PHP Code einarbeiten</a:t>
-            </a:r>
-          </a:p>
-          <a:p>
-            <a:pPr>
-              <a:buNone/>
-            </a:pPr>
-            <a:r>
-              <a:rPr lang="de-DE" sz="2800" dirty="0" smtClean="0"/>
-              <a:t>10. Einarbeitung Datenbank</a:t>
-            </a:r>
-          </a:p>
-          <a:p>
-            <a:pPr>
-              <a:buNone/>
-            </a:pPr>
-            <a:r>
-              <a:rPr lang="de-DE" sz="2800" dirty="0" smtClean="0"/>
-              <a:t>11. Testen</a:t>
-            </a:r>
-          </a:p>
-          <a:p>
-            <a:pPr>
-              <a:buNone/>
-            </a:pPr>
-            <a:r>
-              <a:rPr lang="de-DE" sz="2800" dirty="0" smtClean="0"/>
-              <a:t>12. Anpassen des Designs</a:t>
-            </a:r>
-          </a:p>
-          <a:p>
-            <a:endParaRPr lang="de-DE" dirty="0"/>
-          </a:p>
-        </p:txBody>
-      </p:sp>
+        </p:nvPicPr>
+        <p:blipFill>
+          <a:blip r:embed="rId2" cstate="print"/>
+          <a:stretch>
+            <a:fillRect/>
+          </a:stretch>
+        </p:blipFill>
+        <p:spPr>
+          <a:xfrm>
+            <a:off x="1381125" y="1008063"/>
+            <a:ext cx="6400800" cy="3600450"/>
+          </a:xfrm>
+        </p:spPr>
+      </p:pic>
       <p:sp>
         <p:nvSpPr>
           <p:cNvPr id="4" name="Titel 3"/>
@@ -5053,54 +9874,7 @@
           <a:p>
             <a:r>
               <a:rPr lang="de-DE" dirty="0" smtClean="0"/>
-              <a:t>Vorbereitung/Durchführung</a:t>
-            </a:r>
-            <a:endParaRPr lang="de-DE" dirty="0"/>
-          </a:p>
-        </p:txBody>
-      </p:sp>
-      <p:sp>
-        <p:nvSpPr>
-          <p:cNvPr id="5" name="Fußzeilenplatzhalter 4"/>
-          <p:cNvSpPr>
-            <a:spLocks noGrp="1"/>
-          </p:cNvSpPr>
-          <p:nvPr>
-            <p:ph type="ftr" sz="quarter" idx="3"/>
-          </p:nvPr>
-        </p:nvSpPr>
-        <p:spPr/>
-        <p:txBody>
-          <a:bodyPr/>
-          <a:lstStyle/>
-          <a:p>
-            <a:r>
-              <a:rPr lang="de-DE" dirty="0" smtClean="0"/>
-              <a:t>Ron </a:t>
-            </a:r>
-            <a:r>
-              <a:rPr lang="de-DE" dirty="0" err="1" smtClean="0"/>
-              <a:t>Kagelmann</a:t>
-            </a:r>
-            <a:r>
-              <a:rPr lang="de-DE" dirty="0" smtClean="0"/>
-              <a:t>, Sören </a:t>
-            </a:r>
-            <a:r>
-              <a:rPr lang="de-DE" dirty="0" err="1" smtClean="0"/>
-              <a:t>Benjes</a:t>
-            </a:r>
-            <a:r>
-              <a:rPr lang="de-DE" dirty="0" smtClean="0"/>
-              <a:t>, Tom </a:t>
-            </a:r>
-            <a:r>
-              <a:rPr lang="de-DE" dirty="0" err="1" smtClean="0"/>
-              <a:t>Weitze</a:t>
-            </a:r>
-            <a:r>
-              <a:rPr lang="de-DE" dirty="0" smtClean="0"/>
-              <a:t>, Elina Huck</a:t>
+              <a:t>Zwischenergebnis - Fragen</a:t>
             </a:r>
             <a:endParaRPr lang="de-DE" dirty="0"/>
           </a:p>
@@ -5160,46 +9934,6 @@
       </p:grpSpPr>
       <p:sp>
         <p:nvSpPr>
-          <p:cNvPr id="2" name="Inhaltsplatzhalter 1"/>
-          <p:cNvSpPr>
-            <a:spLocks noGrp="1"/>
-          </p:cNvSpPr>
-          <p:nvPr>
-            <p:ph sz="quarter" idx="14"/>
-          </p:nvPr>
-        </p:nvSpPr>
-        <p:spPr>
-          <a:xfrm>
-            <a:off x="414000" y="1008000"/>
-            <a:ext cx="8334464" cy="3600000"/>
-          </a:xfrm>
-        </p:spPr>
-        <p:txBody>
-          <a:bodyPr/>
-          <a:lstStyle/>
-          <a:p>
-            <a:pPr>
-              <a:buNone/>
-            </a:pPr>
-            <a:r>
-              <a:rPr lang="de-DE" dirty="0" err="1" smtClean="0"/>
-              <a:t>localhost</a:t>
-            </a:r>
-            <a:r>
-              <a:rPr lang="de-DE" dirty="0" smtClean="0"/>
-              <a:t>/H&amp;D2/index.php</a:t>
-            </a:r>
-          </a:p>
-          <a:p>
-            <a:pPr>
-              <a:buNone/>
-            </a:pPr>
-            <a:endParaRPr lang="de-DE" dirty="0"/>
-          </a:p>
-        </p:txBody>
-      </p:sp>
-      <p:sp>
-        <p:nvSpPr>
           <p:cNvPr id="4" name="Titel 3"/>
           <p:cNvSpPr>
             <a:spLocks noGrp="1"/>
@@ -5215,57 +9949,8 @@
           <a:p>
             <a:r>
               <a:rPr lang="de-DE" dirty="0" smtClean="0"/>
-              <a:t>Aktueller Stand</a:t>
-            </a:r>
-            <a:endParaRPr lang="de-DE" dirty="0"/>
-          </a:p>
-        </p:txBody>
-      </p:sp>
-      <p:sp>
-        <p:nvSpPr>
-          <p:cNvPr id="5" name="Fußzeilenplatzhalter 4"/>
-          <p:cNvSpPr>
-            <a:spLocks noGrp="1"/>
-          </p:cNvSpPr>
-          <p:nvPr>
-            <p:ph type="ftr" sz="quarter" idx="3"/>
-          </p:nvPr>
-        </p:nvSpPr>
-        <p:spPr/>
-        <p:txBody>
-          <a:bodyPr/>
-          <a:lstStyle/>
-          <a:p>
-            <a:r>
-              <a:rPr lang="de-DE" dirty="0" smtClean="0"/>
-              <a:t>Ron </a:t>
-            </a:r>
-            <a:r>
-              <a:rPr lang="de-DE" dirty="0" err="1" smtClean="0"/>
-              <a:t>Kagelmann</a:t>
-            </a:r>
-            <a:r>
-              <a:rPr lang="de-DE" dirty="0" smtClean="0"/>
-              <a:t>, Sören </a:t>
-            </a:r>
-            <a:r>
-              <a:rPr lang="de-DE" dirty="0" err="1" smtClean="0"/>
-              <a:t>Benjes</a:t>
-            </a:r>
-            <a:r>
-              <a:rPr lang="de-DE" dirty="0" smtClean="0"/>
-              <a:t>, Tom </a:t>
-            </a:r>
-            <a:r>
-              <a:rPr lang="de-DE" dirty="0" err="1" smtClean="0"/>
-              <a:t>Weitze</a:t>
-            </a:r>
-            <a:r>
-              <a:rPr lang="de-DE" dirty="0" smtClean="0"/>
-              <a:t>, Elina Huck</a:t>
-            </a:r>
-          </a:p>
-          <a:p>
+              <a:t>Zwischenergebnis - Auswertung</a:t>
+            </a:r>
             <a:endParaRPr lang="de-DE" dirty="0"/>
           </a:p>
         </p:txBody>
@@ -5294,6 +9979,29 @@
           </a:p>
         </p:txBody>
       </p:sp>
+      <p:pic>
+        <p:nvPicPr>
+          <p:cNvPr id="11" name="Inhaltsplatzhalter 10" descr="WhatsApp Image 2019-12-19 at 18.48.35 (1).jpeg"/>
+          <p:cNvPicPr>
+            <a:picLocks noGrp="1" noChangeAspect="1"/>
+          </p:cNvPicPr>
+          <p:nvPr>
+            <p:ph sz="quarter" idx="14"/>
+          </p:nvPr>
+        </p:nvPicPr>
+        <p:blipFill>
+          <a:blip r:embed="rId2" cstate="print"/>
+          <a:stretch>
+            <a:fillRect/>
+          </a:stretch>
+        </p:blipFill>
+        <p:spPr>
+          <a:xfrm>
+            <a:off x="971600" y="915566"/>
+            <a:ext cx="6784753" cy="3816424"/>
+          </a:xfrm>
+        </p:spPr>
+      </p:pic>
     </p:spTree>
   </p:cSld>
   <p:clrMapOvr>
@@ -5612,7 +10320,7 @@
   <a:extraClrSchemeLst/>
   <a:extLst>
     <a:ext uri="{05A4C25C-085E-4340-85A3-A5531E510DB2}">
-      <thm15:themeFamily xmlns="" xmlns:thm15="http://schemas.microsoft.com/office/thememl/2012/main" name="HuD_Vorlage_16_9_mit_Titelbild.potx" id="{F97D4A25-E5DF-4BC5-A049-38D044FA7F7B}" vid="{200B0D6A-4926-4B92-9FD9-EDA7F61732FD}"/>
+      <thm15:themeFamily xmlns:thm15="http://schemas.microsoft.com/office/thememl/2012/main" xmlns="" name="HuD_Vorlage_16_9_mit_Titelbild.potx" id="{F97D4A25-E5DF-4BC5-A049-38D044FA7F7B}" vid="{200B0D6A-4926-4B92-9FD9-EDA7F61732FD}"/>
     </a:ext>
   </a:extLst>
 </a:theme>
